--- a/Metodos_Estatisticos/slides/semana_5_a_6.pptx
+++ b/Metodos_Estatisticos/slides/semana_5_a_6.pptx
@@ -5,12 +5,22 @@
     <p:sldMasterId id="2147483648" r:id="rId1"/>
   </p:sldMasterIdLst>
   <p:notesMasterIdLst>
-    <p:notesMasterId r:id="rId5"/>
+    <p:notesMasterId r:id="rId15"/>
   </p:notesMasterIdLst>
   <p:sldIdLst>
     <p:sldId id="256" r:id="rId2"/>
     <p:sldId id="259" r:id="rId3"/>
     <p:sldId id="260" r:id="rId4"/>
+    <p:sldId id="261" r:id="rId5"/>
+    <p:sldId id="262" r:id="rId6"/>
+    <p:sldId id="263" r:id="rId7"/>
+    <p:sldId id="265" r:id="rId8"/>
+    <p:sldId id="264" r:id="rId9"/>
+    <p:sldId id="266" r:id="rId10"/>
+    <p:sldId id="267" r:id="rId11"/>
+    <p:sldId id="268" r:id="rId12"/>
+    <p:sldId id="269" r:id="rId13"/>
+    <p:sldId id="270" r:id="rId14"/>
   </p:sldIdLst>
   <p:sldSz cx="12192000" cy="6858000"/>
   <p:notesSz cx="6858000" cy="9144000"/>
@@ -359,8 +369,8 @@
   </pc:docChgLst>
   <pc:docChgLst>
     <pc:chgData name="Renan Xavier Cortes" userId="d6af805853004405" providerId="LiveId" clId="{A4277EE5-2EF4-4747-BBA1-CA392BC5D677}"/>
-    <pc:docChg chg="undo custSel modSld">
-      <pc:chgData name="Renan Xavier Cortes" userId="d6af805853004405" providerId="LiveId" clId="{A4277EE5-2EF4-4747-BBA1-CA392BC5D677}" dt="2026-01-22T13:32:47.100" v="18" actId="1076"/>
+    <pc:docChg chg="undo custSel addSld modSld sldOrd">
+      <pc:chgData name="Renan Xavier Cortes" userId="d6af805853004405" providerId="LiveId" clId="{A4277EE5-2EF4-4747-BBA1-CA392BC5D677}" dt="2026-01-27T20:17:59.735" v="782" actId="1076"/>
       <pc:docMkLst>
         <pc:docMk/>
       </pc:docMkLst>
@@ -379,20 +389,401 @@
           </ac:spMkLst>
         </pc:spChg>
       </pc:sldChg>
-      <pc:sldChg chg="modSp mod">
-        <pc:chgData name="Renan Xavier Cortes" userId="d6af805853004405" providerId="LiveId" clId="{A4277EE5-2EF4-4747-BBA1-CA392BC5D677}" dt="2026-01-22T13:32:47.100" v="18" actId="1076"/>
+      <pc:sldChg chg="addSp modSp mod">
+        <pc:chgData name="Renan Xavier Cortes" userId="d6af805853004405" providerId="LiveId" clId="{A4277EE5-2EF4-4747-BBA1-CA392BC5D677}" dt="2026-01-27T20:00:34.363" v="712" actId="1076"/>
         <pc:sldMkLst>
           <pc:docMk/>
           <pc:sldMk cId="1859719164" sldId="259"/>
         </pc:sldMkLst>
+        <pc:spChg chg="add mod">
+          <ac:chgData name="Renan Xavier Cortes" userId="d6af805853004405" providerId="LiveId" clId="{A4277EE5-2EF4-4747-BBA1-CA392BC5D677}" dt="2026-01-27T20:00:34.363" v="712" actId="1076"/>
+          <ac:spMkLst>
+            <pc:docMk/>
+            <pc:sldMk cId="1859719164" sldId="259"/>
+            <ac:spMk id="4" creationId="{87249BF7-3572-1EF7-C5D9-0169AD177983}"/>
+          </ac:spMkLst>
+        </pc:spChg>
         <pc:spChg chg="mod">
-          <ac:chgData name="Renan Xavier Cortes" userId="d6af805853004405" providerId="LiveId" clId="{A4277EE5-2EF4-4747-BBA1-CA392BC5D677}" dt="2026-01-22T13:32:47.100" v="18" actId="1076"/>
+          <ac:chgData name="Renan Xavier Cortes" userId="d6af805853004405" providerId="LiveId" clId="{A4277EE5-2EF4-4747-BBA1-CA392BC5D677}" dt="2026-01-27T19:55:34.111" v="701" actId="1076"/>
           <ac:spMkLst>
             <pc:docMk/>
             <pc:sldMk cId="1859719164" sldId="259"/>
             <ac:spMk id="14" creationId="{427DBFEB-81BF-4CC3-A411-FBF43D295C56}"/>
           </ac:spMkLst>
         </pc:spChg>
+      </pc:sldChg>
+      <pc:sldChg chg="addSp modSp mod">
+        <pc:chgData name="Renan Xavier Cortes" userId="d6af805853004405" providerId="LiveId" clId="{A4277EE5-2EF4-4747-BBA1-CA392BC5D677}" dt="2026-01-27T19:55:38.738" v="702" actId="20577"/>
+        <pc:sldMkLst>
+          <pc:docMk/>
+          <pc:sldMk cId="2921823341" sldId="260"/>
+        </pc:sldMkLst>
+        <pc:spChg chg="mod">
+          <ac:chgData name="Renan Xavier Cortes" userId="d6af805853004405" providerId="LiveId" clId="{A4277EE5-2EF4-4747-BBA1-CA392BC5D677}" dt="2026-01-27T19:55:38.738" v="702" actId="20577"/>
+          <ac:spMkLst>
+            <pc:docMk/>
+            <pc:sldMk cId="2921823341" sldId="260"/>
+            <ac:spMk id="8" creationId="{39AE06C5-34BE-4D68-97C3-4C07702C2DF6}"/>
+          </ac:spMkLst>
+        </pc:spChg>
+        <pc:spChg chg="mod">
+          <ac:chgData name="Renan Xavier Cortes" userId="d6af805853004405" providerId="LiveId" clId="{A4277EE5-2EF4-4747-BBA1-CA392BC5D677}" dt="2026-01-27T12:30:13.487" v="621" actId="20577"/>
+          <ac:spMkLst>
+            <pc:docMk/>
+            <pc:sldMk cId="2921823341" sldId="260"/>
+            <ac:spMk id="14" creationId="{427DBFEB-81BF-4CC3-A411-FBF43D295C56}"/>
+          </ac:spMkLst>
+        </pc:spChg>
+        <pc:picChg chg="add mod">
+          <ac:chgData name="Renan Xavier Cortes" userId="d6af805853004405" providerId="LiveId" clId="{A4277EE5-2EF4-4747-BBA1-CA392BC5D677}" dt="2026-01-26T18:25:29.798" v="190" actId="1076"/>
+          <ac:picMkLst>
+            <pc:docMk/>
+            <pc:sldMk cId="2921823341" sldId="260"/>
+            <ac:picMk id="4" creationId="{2ECD04C3-CFAF-0324-68EB-D5C3DA0DE51F}"/>
+          </ac:picMkLst>
+        </pc:picChg>
+      </pc:sldChg>
+      <pc:sldChg chg="addSp delSp modSp add mod">
+        <pc:chgData name="Renan Xavier Cortes" userId="d6af805853004405" providerId="LiveId" clId="{A4277EE5-2EF4-4747-BBA1-CA392BC5D677}" dt="2026-01-27T19:55:41.794" v="703" actId="20577"/>
+        <pc:sldMkLst>
+          <pc:docMk/>
+          <pc:sldMk cId="4009157315" sldId="261"/>
+        </pc:sldMkLst>
+        <pc:spChg chg="add">
+          <ac:chgData name="Renan Xavier Cortes" userId="d6af805853004405" providerId="LiveId" clId="{A4277EE5-2EF4-4747-BBA1-CA392BC5D677}" dt="2026-01-26T18:24:27.792" v="181"/>
+          <ac:spMkLst>
+            <pc:docMk/>
+            <pc:sldMk cId="4009157315" sldId="261"/>
+            <ac:spMk id="4" creationId="{6DA6D5C0-531A-0796-F53B-A5492206BDA1}"/>
+          </ac:spMkLst>
+        </pc:spChg>
+        <pc:spChg chg="mod">
+          <ac:chgData name="Renan Xavier Cortes" userId="d6af805853004405" providerId="LiveId" clId="{A4277EE5-2EF4-4747-BBA1-CA392BC5D677}" dt="2026-01-27T19:55:41.794" v="703" actId="20577"/>
+          <ac:spMkLst>
+            <pc:docMk/>
+            <pc:sldMk cId="4009157315" sldId="261"/>
+            <ac:spMk id="8" creationId="{39AE06C5-34BE-4D68-97C3-4C07702C2DF6}"/>
+          </ac:spMkLst>
+        </pc:spChg>
+        <pc:spChg chg="mod">
+          <ac:chgData name="Renan Xavier Cortes" userId="d6af805853004405" providerId="LiveId" clId="{A4277EE5-2EF4-4747-BBA1-CA392BC5D677}" dt="2026-01-26T18:28:50.556" v="261" actId="1076"/>
+          <ac:spMkLst>
+            <pc:docMk/>
+            <pc:sldMk cId="4009157315" sldId="261"/>
+            <ac:spMk id="14" creationId="{427DBFEB-81BF-4CC3-A411-FBF43D295C56}"/>
+          </ac:spMkLst>
+        </pc:spChg>
+        <pc:picChg chg="add del mod">
+          <ac:chgData name="Renan Xavier Cortes" userId="d6af805853004405" providerId="LiveId" clId="{A4277EE5-2EF4-4747-BBA1-CA392BC5D677}" dt="2026-01-26T18:29:26.845" v="266" actId="478"/>
+          <ac:picMkLst>
+            <pc:docMk/>
+            <pc:sldMk cId="4009157315" sldId="261"/>
+            <ac:picMk id="6" creationId="{B1872465-F523-029C-E075-EF1EB17E0183}"/>
+          </ac:picMkLst>
+        </pc:picChg>
+        <pc:picChg chg="add mod">
+          <ac:chgData name="Renan Xavier Cortes" userId="d6af805853004405" providerId="LiveId" clId="{A4277EE5-2EF4-4747-BBA1-CA392BC5D677}" dt="2026-01-26T18:29:34.921" v="270" actId="1076"/>
+          <ac:picMkLst>
+            <pc:docMk/>
+            <pc:sldMk cId="4009157315" sldId="261"/>
+            <ac:picMk id="10" creationId="{AC895CA6-530E-5D97-B9D6-6CC4B0290730}"/>
+          </ac:picMkLst>
+        </pc:picChg>
+        <pc:picChg chg="add del mod">
+          <ac:chgData name="Renan Xavier Cortes" userId="d6af805853004405" providerId="LiveId" clId="{A4277EE5-2EF4-4747-BBA1-CA392BC5D677}" dt="2026-01-26T18:25:33.122" v="191" actId="478"/>
+          <ac:picMkLst>
+            <pc:docMk/>
+            <pc:sldMk cId="4009157315" sldId="261"/>
+            <ac:picMk id="1028" creationId="{4C5574EE-108E-F593-C983-10372F65D0A0}"/>
+          </ac:picMkLst>
+        </pc:picChg>
+      </pc:sldChg>
+      <pc:sldChg chg="addSp delSp modSp add mod">
+        <pc:chgData name="Renan Xavier Cortes" userId="d6af805853004405" providerId="LiveId" clId="{A4277EE5-2EF4-4747-BBA1-CA392BC5D677}" dt="2026-01-27T19:55:44.753" v="704" actId="20577"/>
+        <pc:sldMkLst>
+          <pc:docMk/>
+          <pc:sldMk cId="2258658534" sldId="262"/>
+        </pc:sldMkLst>
+        <pc:spChg chg="mod">
+          <ac:chgData name="Renan Xavier Cortes" userId="d6af805853004405" providerId="LiveId" clId="{A4277EE5-2EF4-4747-BBA1-CA392BC5D677}" dt="2026-01-27T19:55:44.753" v="704" actId="20577"/>
+          <ac:spMkLst>
+            <pc:docMk/>
+            <pc:sldMk cId="2258658534" sldId="262"/>
+            <ac:spMk id="8" creationId="{39AE06C5-34BE-4D68-97C3-4C07702C2DF6}"/>
+          </ac:spMkLst>
+        </pc:spChg>
+        <pc:spChg chg="mod">
+          <ac:chgData name="Renan Xavier Cortes" userId="d6af805853004405" providerId="LiveId" clId="{A4277EE5-2EF4-4747-BBA1-CA392BC5D677}" dt="2026-01-26T18:28:54.479" v="262" actId="1076"/>
+          <ac:spMkLst>
+            <pc:docMk/>
+            <pc:sldMk cId="2258658534" sldId="262"/>
+            <ac:spMk id="14" creationId="{427DBFEB-81BF-4CC3-A411-FBF43D295C56}"/>
+          </ac:spMkLst>
+        </pc:spChg>
+        <pc:picChg chg="add mod">
+          <ac:chgData name="Renan Xavier Cortes" userId="d6af805853004405" providerId="LiveId" clId="{A4277EE5-2EF4-4747-BBA1-CA392BC5D677}" dt="2026-01-26T18:29:02.154" v="265" actId="1076"/>
+          <ac:picMkLst>
+            <pc:docMk/>
+            <pc:sldMk cId="2258658534" sldId="262"/>
+            <ac:picMk id="5" creationId="{AE5F8CCC-D9FC-CC11-4349-AD81AAA3BEC2}"/>
+          </ac:picMkLst>
+        </pc:picChg>
+        <pc:picChg chg="del">
+          <ac:chgData name="Renan Xavier Cortes" userId="d6af805853004405" providerId="LiveId" clId="{A4277EE5-2EF4-4747-BBA1-CA392BC5D677}" dt="2026-01-26T18:28:40.592" v="257" actId="478"/>
+          <ac:picMkLst>
+            <pc:docMk/>
+            <pc:sldMk cId="2258658534" sldId="262"/>
+            <ac:picMk id="6" creationId="{B1872465-F523-029C-E075-EF1EB17E0183}"/>
+          </ac:picMkLst>
+        </pc:picChg>
+      </pc:sldChg>
+      <pc:sldChg chg="addSp delSp modSp add mod">
+        <pc:chgData name="Renan Xavier Cortes" userId="d6af805853004405" providerId="LiveId" clId="{A4277EE5-2EF4-4747-BBA1-CA392BC5D677}" dt="2026-01-27T19:55:49.194" v="705" actId="20577"/>
+        <pc:sldMkLst>
+          <pc:docMk/>
+          <pc:sldMk cId="1909341641" sldId="263"/>
+        </pc:sldMkLst>
+        <pc:spChg chg="add mod">
+          <ac:chgData name="Renan Xavier Cortes" userId="d6af805853004405" providerId="LiveId" clId="{A4277EE5-2EF4-4747-BBA1-CA392BC5D677}" dt="2026-01-26T18:49:26.126" v="470" actId="1076"/>
+          <ac:spMkLst>
+            <pc:docMk/>
+            <pc:sldMk cId="1909341641" sldId="263"/>
+            <ac:spMk id="4" creationId="{2E5D54EF-8EDF-9221-C3F8-EC312E34F55E}"/>
+          </ac:spMkLst>
+        </pc:spChg>
+        <pc:spChg chg="add mod">
+          <ac:chgData name="Renan Xavier Cortes" userId="d6af805853004405" providerId="LiveId" clId="{A4277EE5-2EF4-4747-BBA1-CA392BC5D677}" dt="2026-01-26T18:49:26.126" v="470" actId="1076"/>
+          <ac:spMkLst>
+            <pc:docMk/>
+            <pc:sldMk cId="1909341641" sldId="263"/>
+            <ac:spMk id="6" creationId="{2DFB554A-8CC3-D666-D47B-5E362ACD22B9}"/>
+          </ac:spMkLst>
+        </pc:spChg>
+        <pc:spChg chg="mod">
+          <ac:chgData name="Renan Xavier Cortes" userId="d6af805853004405" providerId="LiveId" clId="{A4277EE5-2EF4-4747-BBA1-CA392BC5D677}" dt="2026-01-27T19:55:49.194" v="705" actId="20577"/>
+          <ac:spMkLst>
+            <pc:docMk/>
+            <pc:sldMk cId="1909341641" sldId="263"/>
+            <ac:spMk id="8" creationId="{39AE06C5-34BE-4D68-97C3-4C07702C2DF6}"/>
+          </ac:spMkLst>
+        </pc:spChg>
+        <pc:spChg chg="mod">
+          <ac:chgData name="Renan Xavier Cortes" userId="d6af805853004405" providerId="LiveId" clId="{A4277EE5-2EF4-4747-BBA1-CA392BC5D677}" dt="2026-01-26T18:49:26.126" v="470" actId="1076"/>
+          <ac:spMkLst>
+            <pc:docMk/>
+            <pc:sldMk cId="1909341641" sldId="263"/>
+            <ac:spMk id="14" creationId="{427DBFEB-81BF-4CC3-A411-FBF43D295C56}"/>
+          </ac:spMkLst>
+        </pc:spChg>
+        <pc:picChg chg="del">
+          <ac:chgData name="Renan Xavier Cortes" userId="d6af805853004405" providerId="LiveId" clId="{A4277EE5-2EF4-4747-BBA1-CA392BC5D677}" dt="2026-01-26T18:29:40.656" v="272" actId="478"/>
+          <ac:picMkLst>
+            <pc:docMk/>
+            <pc:sldMk cId="1909341641" sldId="263"/>
+            <ac:picMk id="5" creationId="{AE5F8CCC-D9FC-CC11-4349-AD81AAA3BEC2}"/>
+          </ac:picMkLst>
+        </pc:picChg>
+      </pc:sldChg>
+      <pc:sldChg chg="addSp delSp modSp add mod ord">
+        <pc:chgData name="Renan Xavier Cortes" userId="d6af805853004405" providerId="LiveId" clId="{A4277EE5-2EF4-4747-BBA1-CA392BC5D677}" dt="2026-01-27T20:16:50.167" v="770" actId="14100"/>
+        <pc:sldMkLst>
+          <pc:docMk/>
+          <pc:sldMk cId="3461455159" sldId="264"/>
+        </pc:sldMkLst>
+        <pc:spChg chg="add mod">
+          <ac:chgData name="Renan Xavier Cortes" userId="d6af805853004405" providerId="LiveId" clId="{A4277EE5-2EF4-4747-BBA1-CA392BC5D677}" dt="2026-01-27T19:59:18.305" v="711" actId="403"/>
+          <ac:spMkLst>
+            <pc:docMk/>
+            <pc:sldMk cId="3461455159" sldId="264"/>
+            <ac:spMk id="5" creationId="{462A550A-2F15-4636-BB02-A7AFDEC69830}"/>
+          </ac:spMkLst>
+        </pc:spChg>
+        <pc:spChg chg="mod">
+          <ac:chgData name="Renan Xavier Cortes" userId="d6af805853004405" providerId="LiveId" clId="{A4277EE5-2EF4-4747-BBA1-CA392BC5D677}" dt="2026-01-27T19:55:53.482" v="706" actId="20577"/>
+          <ac:spMkLst>
+            <pc:docMk/>
+            <pc:sldMk cId="3461455159" sldId="264"/>
+            <ac:spMk id="8" creationId="{39AE06C5-34BE-4D68-97C3-4C07702C2DF6}"/>
+          </ac:spMkLst>
+        </pc:spChg>
+        <pc:spChg chg="del mod">
+          <ac:chgData name="Renan Xavier Cortes" userId="d6af805853004405" providerId="LiveId" clId="{A4277EE5-2EF4-4747-BBA1-CA392BC5D677}" dt="2026-01-27T19:32:29.982" v="694" actId="478"/>
+          <ac:spMkLst>
+            <pc:docMk/>
+            <pc:sldMk cId="3461455159" sldId="264"/>
+            <ac:spMk id="14" creationId="{427DBFEB-81BF-4CC3-A411-FBF43D295C56}"/>
+          </ac:spMkLst>
+        </pc:spChg>
+        <pc:picChg chg="del">
+          <ac:chgData name="Renan Xavier Cortes" userId="d6af805853004405" providerId="LiveId" clId="{A4277EE5-2EF4-4747-BBA1-CA392BC5D677}" dt="2026-01-27T19:28:00.632" v="623" actId="478"/>
+          <ac:picMkLst>
+            <pc:docMk/>
+            <pc:sldMk cId="3461455159" sldId="264"/>
+            <ac:picMk id="4" creationId="{2ECD04C3-CFAF-0324-68EB-D5C3DA0DE51F}"/>
+          </ac:picMkLst>
+        </pc:picChg>
+        <pc:picChg chg="add del mod">
+          <ac:chgData name="Renan Xavier Cortes" userId="d6af805853004405" providerId="LiveId" clId="{A4277EE5-2EF4-4747-BBA1-CA392BC5D677}" dt="2026-01-27T20:07:33.849" v="733" actId="478"/>
+          <ac:picMkLst>
+            <pc:docMk/>
+            <pc:sldMk cId="3461455159" sldId="264"/>
+            <ac:picMk id="9" creationId="{DB0C3A4B-E646-9755-88FC-E2E771B3C631}"/>
+          </ac:picMkLst>
+        </pc:picChg>
+        <pc:picChg chg="add mod">
+          <ac:chgData name="Renan Xavier Cortes" userId="d6af805853004405" providerId="LiveId" clId="{A4277EE5-2EF4-4747-BBA1-CA392BC5D677}" dt="2026-01-27T20:15:57.611" v="757" actId="1076"/>
+          <ac:picMkLst>
+            <pc:docMk/>
+            <pc:sldMk cId="3461455159" sldId="264"/>
+            <ac:picMk id="11" creationId="{E70E8938-816E-96D5-3D90-4A9A5E8C0172}"/>
+          </ac:picMkLst>
+        </pc:picChg>
+        <pc:picChg chg="add mod">
+          <ac:chgData name="Renan Xavier Cortes" userId="d6af805853004405" providerId="LiveId" clId="{A4277EE5-2EF4-4747-BBA1-CA392BC5D677}" dt="2026-01-27T20:15:26.534" v="748"/>
+          <ac:picMkLst>
+            <pc:docMk/>
+            <pc:sldMk cId="3461455159" sldId="264"/>
+            <ac:picMk id="12" creationId="{0B47C1E1-03D9-ED60-4E23-13F4EA0FB231}"/>
+          </ac:picMkLst>
+        </pc:picChg>
+        <pc:picChg chg="add mod">
+          <ac:chgData name="Renan Xavier Cortes" userId="d6af805853004405" providerId="LiveId" clId="{A4277EE5-2EF4-4747-BBA1-CA392BC5D677}" dt="2026-01-27T20:15:26.534" v="748"/>
+          <ac:picMkLst>
+            <pc:docMk/>
+            <pc:sldMk cId="3461455159" sldId="264"/>
+            <ac:picMk id="13" creationId="{49A2C581-1E65-C7D6-94C3-75286C7A39CD}"/>
+          </ac:picMkLst>
+        </pc:picChg>
+        <pc:picChg chg="add mod">
+          <ac:chgData name="Renan Xavier Cortes" userId="d6af805853004405" providerId="LiveId" clId="{A4277EE5-2EF4-4747-BBA1-CA392BC5D677}" dt="2026-01-27T20:15:26.534" v="748"/>
+          <ac:picMkLst>
+            <pc:docMk/>
+            <pc:sldMk cId="3461455159" sldId="264"/>
+            <ac:picMk id="15" creationId="{4DCEA58F-B876-5015-1187-521DA70C8835}"/>
+          </ac:picMkLst>
+        </pc:picChg>
+        <pc:cxnChg chg="add mod">
+          <ac:chgData name="Renan Xavier Cortes" userId="d6af805853004405" providerId="LiveId" clId="{A4277EE5-2EF4-4747-BBA1-CA392BC5D677}" dt="2026-01-27T20:16:33.532" v="764" actId="692"/>
+          <ac:cxnSpMkLst>
+            <pc:docMk/>
+            <pc:sldMk cId="3461455159" sldId="264"/>
+            <ac:cxnSpMk id="17" creationId="{E7106CB5-7F89-F4D2-44B0-0E81A2C67196}"/>
+          </ac:cxnSpMkLst>
+        </pc:cxnChg>
+        <pc:cxnChg chg="add mod">
+          <ac:chgData name="Renan Xavier Cortes" userId="d6af805853004405" providerId="LiveId" clId="{A4277EE5-2EF4-4747-BBA1-CA392BC5D677}" dt="2026-01-27T20:16:41.923" v="767" actId="14100"/>
+          <ac:cxnSpMkLst>
+            <pc:docMk/>
+            <pc:sldMk cId="3461455159" sldId="264"/>
+            <ac:cxnSpMk id="19" creationId="{F071B6CF-B542-8813-12E5-A73F8810C3DC}"/>
+          </ac:cxnSpMkLst>
+        </pc:cxnChg>
+        <pc:cxnChg chg="add mod">
+          <ac:chgData name="Renan Xavier Cortes" userId="d6af805853004405" providerId="LiveId" clId="{A4277EE5-2EF4-4747-BBA1-CA392BC5D677}" dt="2026-01-27T20:16:50.167" v="770" actId="14100"/>
+          <ac:cxnSpMkLst>
+            <pc:docMk/>
+            <pc:sldMk cId="3461455159" sldId="264"/>
+            <ac:cxnSpMk id="21" creationId="{005A54FA-7973-EE1A-E4E0-3ECC838842B5}"/>
+          </ac:cxnSpMkLst>
+        </pc:cxnChg>
+      </pc:sldChg>
+      <pc:sldChg chg="addSp modSp add mod ord">
+        <pc:chgData name="Renan Xavier Cortes" userId="d6af805853004405" providerId="LiveId" clId="{A4277EE5-2EF4-4747-BBA1-CA392BC5D677}" dt="2026-01-27T20:08:23.006" v="745" actId="1076"/>
+        <pc:sldMkLst>
+          <pc:docMk/>
+          <pc:sldMk cId="642666008" sldId="265"/>
+        </pc:sldMkLst>
+        <pc:picChg chg="mod">
+          <ac:chgData name="Renan Xavier Cortes" userId="d6af805853004405" providerId="LiveId" clId="{A4277EE5-2EF4-4747-BBA1-CA392BC5D677}" dt="2026-01-27T20:05:00.518" v="715" actId="1076"/>
+          <ac:picMkLst>
+            <pc:docMk/>
+            <pc:sldMk cId="642666008" sldId="265"/>
+            <ac:picMk id="9" creationId="{DB0C3A4B-E646-9755-88FC-E2E771B3C631}"/>
+          </ac:picMkLst>
+        </pc:picChg>
+        <pc:picChg chg="add mod">
+          <ac:chgData name="Renan Xavier Cortes" userId="d6af805853004405" providerId="LiveId" clId="{A4277EE5-2EF4-4747-BBA1-CA392BC5D677}" dt="2026-01-27T20:08:23.006" v="745" actId="1076"/>
+          <ac:picMkLst>
+            <pc:docMk/>
+            <pc:sldMk cId="642666008" sldId="265"/>
+            <ac:picMk id="2050" creationId="{A76A00DB-272A-A4A1-FFDF-8E789AAEC8A9}"/>
+          </ac:picMkLst>
+        </pc:picChg>
+        <pc:picChg chg="add mod">
+          <ac:chgData name="Renan Xavier Cortes" userId="d6af805853004405" providerId="LiveId" clId="{A4277EE5-2EF4-4747-BBA1-CA392BC5D677}" dt="2026-01-27T20:08:18.263" v="741" actId="1076"/>
+          <ac:picMkLst>
+            <pc:docMk/>
+            <pc:sldMk cId="642666008" sldId="265"/>
+            <ac:picMk id="2052" creationId="{5BE793D9-65ED-0915-373B-768C5008C1E4}"/>
+          </ac:picMkLst>
+        </pc:picChg>
+        <pc:picChg chg="add mod">
+          <ac:chgData name="Renan Xavier Cortes" userId="d6af805853004405" providerId="LiveId" clId="{A4277EE5-2EF4-4747-BBA1-CA392BC5D677}" dt="2026-01-27T20:08:19.094" v="742" actId="1076"/>
+          <ac:picMkLst>
+            <pc:docMk/>
+            <pc:sldMk cId="642666008" sldId="265"/>
+            <ac:picMk id="2054" creationId="{89BCE7AE-79CC-B98A-709D-6994CB4CB0A9}"/>
+          </ac:picMkLst>
+        </pc:picChg>
+      </pc:sldChg>
+      <pc:sldChg chg="addSp delSp modSp add mod">
+        <pc:chgData name="Renan Xavier Cortes" userId="d6af805853004405" providerId="LiveId" clId="{A4277EE5-2EF4-4747-BBA1-CA392BC5D677}" dt="2026-01-27T20:17:59.735" v="782" actId="1076"/>
+        <pc:sldMkLst>
+          <pc:docMk/>
+          <pc:sldMk cId="1505505064" sldId="266"/>
+        </pc:sldMkLst>
+        <pc:picChg chg="add mod">
+          <ac:chgData name="Renan Xavier Cortes" userId="d6af805853004405" providerId="LiveId" clId="{A4277EE5-2EF4-4747-BBA1-CA392BC5D677}" dt="2026-01-27T20:17:47.922" v="779" actId="1076"/>
+          <ac:picMkLst>
+            <pc:docMk/>
+            <pc:sldMk cId="1505505064" sldId="266"/>
+            <ac:picMk id="6" creationId="{C5548243-DC20-19F6-0CF6-F0423F5A8455}"/>
+          </ac:picMkLst>
+        </pc:picChg>
+        <pc:picChg chg="del">
+          <ac:chgData name="Renan Xavier Cortes" userId="d6af805853004405" providerId="LiveId" clId="{A4277EE5-2EF4-4747-BBA1-CA392BC5D677}" dt="2026-01-27T20:17:23.387" v="771" actId="478"/>
+          <ac:picMkLst>
+            <pc:docMk/>
+            <pc:sldMk cId="1505505064" sldId="266"/>
+            <ac:picMk id="9" creationId="{DB0C3A4B-E646-9755-88FC-E2E771B3C631}"/>
+          </ac:picMkLst>
+        </pc:picChg>
+        <pc:picChg chg="add mod">
+          <ac:chgData name="Renan Xavier Cortes" userId="d6af805853004405" providerId="LiveId" clId="{A4277EE5-2EF4-4747-BBA1-CA392BC5D677}" dt="2026-01-27T20:17:59.735" v="782" actId="1076"/>
+          <ac:picMkLst>
+            <pc:docMk/>
+            <pc:sldMk cId="1505505064" sldId="266"/>
+            <ac:picMk id="10" creationId="{F35CA17B-F311-5078-6080-8240A044989A}"/>
+          </ac:picMkLst>
+        </pc:picChg>
+      </pc:sldChg>
+      <pc:sldChg chg="add">
+        <pc:chgData name="Renan Xavier Cortes" userId="d6af805853004405" providerId="LiveId" clId="{A4277EE5-2EF4-4747-BBA1-CA392BC5D677}" dt="2026-01-27T20:17:27.281" v="772"/>
+        <pc:sldMkLst>
+          <pc:docMk/>
+          <pc:sldMk cId="3317163073" sldId="267"/>
+        </pc:sldMkLst>
+      </pc:sldChg>
+      <pc:sldChg chg="add">
+        <pc:chgData name="Renan Xavier Cortes" userId="d6af805853004405" providerId="LiveId" clId="{A4277EE5-2EF4-4747-BBA1-CA392BC5D677}" dt="2026-01-27T20:17:27.434" v="773"/>
+        <pc:sldMkLst>
+          <pc:docMk/>
+          <pc:sldMk cId="2980355205" sldId="268"/>
+        </pc:sldMkLst>
+      </pc:sldChg>
+      <pc:sldChg chg="add">
+        <pc:chgData name="Renan Xavier Cortes" userId="d6af805853004405" providerId="LiveId" clId="{A4277EE5-2EF4-4747-BBA1-CA392BC5D677}" dt="2026-01-27T20:17:27.590" v="774"/>
+        <pc:sldMkLst>
+          <pc:docMk/>
+          <pc:sldMk cId="2071912024" sldId="269"/>
+        </pc:sldMkLst>
+      </pc:sldChg>
+      <pc:sldChg chg="add">
+        <pc:chgData name="Renan Xavier Cortes" userId="d6af805853004405" providerId="LiveId" clId="{A4277EE5-2EF4-4747-BBA1-CA392BC5D677}" dt="2026-01-27T20:17:27.751" v="775"/>
+        <pc:sldMkLst>
+          <pc:docMk/>
+          <pc:sldMk cId="3116196247" sldId="270"/>
+        </pc:sldMkLst>
       </pc:sldChg>
     </pc:docChg>
   </pc:docChgLst>
@@ -1676,7 +2067,7 @@
           <a:p>
             <a:fld id="{9B3F8303-3E6A-4B9A-B114-90BC24763552}" type="datetimeFigureOut">
               <a:rPr lang="pt-BR" smtClean="0"/>
-              <a:t>22/01/2026</a:t>
+              <a:t>26/01/2026</a:t>
             </a:fld>
             <a:endParaRPr lang="pt-BR"/>
           </a:p>
@@ -2027,6 +2418,258 @@
 </p:notes>
 </file>
 
+<file path=ppt/notesSlides/notesSlide10.xml><?xml version="1.0" encoding="utf-8"?>
+<p:notes xmlns:a="http://schemas.openxmlformats.org/drawingml/2006/main" xmlns:r="http://schemas.openxmlformats.org/officeDocument/2006/relationships" xmlns:p="http://schemas.openxmlformats.org/presentationml/2006/main">
+  <p:cSld>
+    <p:spTree>
+      <p:nvGrpSpPr>
+        <p:cNvPr id="1" name=""/>
+        <p:cNvGrpSpPr/>
+        <p:nvPr/>
+      </p:nvGrpSpPr>
+      <p:grpSpPr>
+        <a:xfrm>
+          <a:off x="0" y="0"/>
+          <a:ext cx="0" cy="0"/>
+          <a:chOff x="0" y="0"/>
+          <a:chExt cx="0" cy="0"/>
+        </a:xfrm>
+      </p:grpSpPr>
+      <p:sp>
+        <p:nvSpPr>
+          <p:cNvPr id="2" name="Espaço Reservado para Imagem de Slide 1"/>
+          <p:cNvSpPr>
+            <a:spLocks noGrp="1" noRot="1" noChangeAspect="1"/>
+          </p:cNvSpPr>
+          <p:nvPr>
+            <p:ph type="sldImg"/>
+          </p:nvPr>
+        </p:nvSpPr>
+        <p:spPr/>
+      </p:sp>
+      <p:sp>
+        <p:nvSpPr>
+          <p:cNvPr id="3" name="Espaço Reservado para Anotações 2"/>
+          <p:cNvSpPr>
+            <a:spLocks noGrp="1"/>
+          </p:cNvSpPr>
+          <p:nvPr>
+            <p:ph type="body" idx="1"/>
+          </p:nvPr>
+        </p:nvSpPr>
+        <p:spPr/>
+        <p:txBody>
+          <a:bodyPr/>
+          <a:lstStyle/>
+          <a:p>
+            <a:endParaRPr lang="pt-BR" dirty="0"/>
+          </a:p>
+        </p:txBody>
+      </p:sp>
+      <p:sp>
+        <p:nvSpPr>
+          <p:cNvPr id="4" name="Espaço Reservado para Número de Slide 3"/>
+          <p:cNvSpPr>
+            <a:spLocks noGrp="1"/>
+          </p:cNvSpPr>
+          <p:nvPr>
+            <p:ph type="sldNum" sz="quarter" idx="5"/>
+          </p:nvPr>
+        </p:nvSpPr>
+        <p:spPr/>
+        <p:txBody>
+          <a:bodyPr/>
+          <a:lstStyle/>
+          <a:p>
+            <a:fld id="{87C88D93-34D3-419D-AEF5-A26FFAFED389}" type="slidenum">
+              <a:rPr lang="pt-BR" smtClean="0"/>
+              <a:t>11</a:t>
+            </a:fld>
+            <a:endParaRPr lang="pt-BR"/>
+          </a:p>
+        </p:txBody>
+      </p:sp>
+    </p:spTree>
+    <p:extLst>
+      <p:ext uri="{BB962C8B-B14F-4D97-AF65-F5344CB8AC3E}">
+        <p14:creationId xmlns:p14="http://schemas.microsoft.com/office/powerpoint/2010/main" val="4092381396"/>
+      </p:ext>
+    </p:extLst>
+  </p:cSld>
+  <p:clrMapOvr>
+    <a:masterClrMapping/>
+  </p:clrMapOvr>
+</p:notes>
+</file>
+
+<file path=ppt/notesSlides/notesSlide11.xml><?xml version="1.0" encoding="utf-8"?>
+<p:notes xmlns:a="http://schemas.openxmlformats.org/drawingml/2006/main" xmlns:r="http://schemas.openxmlformats.org/officeDocument/2006/relationships" xmlns:p="http://schemas.openxmlformats.org/presentationml/2006/main">
+  <p:cSld>
+    <p:spTree>
+      <p:nvGrpSpPr>
+        <p:cNvPr id="1" name=""/>
+        <p:cNvGrpSpPr/>
+        <p:nvPr/>
+      </p:nvGrpSpPr>
+      <p:grpSpPr>
+        <a:xfrm>
+          <a:off x="0" y="0"/>
+          <a:ext cx="0" cy="0"/>
+          <a:chOff x="0" y="0"/>
+          <a:chExt cx="0" cy="0"/>
+        </a:xfrm>
+      </p:grpSpPr>
+      <p:sp>
+        <p:nvSpPr>
+          <p:cNvPr id="2" name="Espaço Reservado para Imagem de Slide 1"/>
+          <p:cNvSpPr>
+            <a:spLocks noGrp="1" noRot="1" noChangeAspect="1"/>
+          </p:cNvSpPr>
+          <p:nvPr>
+            <p:ph type="sldImg"/>
+          </p:nvPr>
+        </p:nvSpPr>
+        <p:spPr/>
+      </p:sp>
+      <p:sp>
+        <p:nvSpPr>
+          <p:cNvPr id="3" name="Espaço Reservado para Anotações 2"/>
+          <p:cNvSpPr>
+            <a:spLocks noGrp="1"/>
+          </p:cNvSpPr>
+          <p:nvPr>
+            <p:ph type="body" idx="1"/>
+          </p:nvPr>
+        </p:nvSpPr>
+        <p:spPr/>
+        <p:txBody>
+          <a:bodyPr/>
+          <a:lstStyle/>
+          <a:p>
+            <a:endParaRPr lang="pt-BR" dirty="0"/>
+          </a:p>
+        </p:txBody>
+      </p:sp>
+      <p:sp>
+        <p:nvSpPr>
+          <p:cNvPr id="4" name="Espaço Reservado para Número de Slide 3"/>
+          <p:cNvSpPr>
+            <a:spLocks noGrp="1"/>
+          </p:cNvSpPr>
+          <p:nvPr>
+            <p:ph type="sldNum" sz="quarter" idx="5"/>
+          </p:nvPr>
+        </p:nvSpPr>
+        <p:spPr/>
+        <p:txBody>
+          <a:bodyPr/>
+          <a:lstStyle/>
+          <a:p>
+            <a:fld id="{87C88D93-34D3-419D-AEF5-A26FFAFED389}" type="slidenum">
+              <a:rPr lang="pt-BR" smtClean="0"/>
+              <a:t>12</a:t>
+            </a:fld>
+            <a:endParaRPr lang="pt-BR"/>
+          </a:p>
+        </p:txBody>
+      </p:sp>
+    </p:spTree>
+    <p:extLst>
+      <p:ext uri="{BB962C8B-B14F-4D97-AF65-F5344CB8AC3E}">
+        <p14:creationId xmlns:p14="http://schemas.microsoft.com/office/powerpoint/2010/main" val="2868252476"/>
+      </p:ext>
+    </p:extLst>
+  </p:cSld>
+  <p:clrMapOvr>
+    <a:masterClrMapping/>
+  </p:clrMapOvr>
+</p:notes>
+</file>
+
+<file path=ppt/notesSlides/notesSlide12.xml><?xml version="1.0" encoding="utf-8"?>
+<p:notes xmlns:a="http://schemas.openxmlformats.org/drawingml/2006/main" xmlns:r="http://schemas.openxmlformats.org/officeDocument/2006/relationships" xmlns:p="http://schemas.openxmlformats.org/presentationml/2006/main">
+  <p:cSld>
+    <p:spTree>
+      <p:nvGrpSpPr>
+        <p:cNvPr id="1" name=""/>
+        <p:cNvGrpSpPr/>
+        <p:nvPr/>
+      </p:nvGrpSpPr>
+      <p:grpSpPr>
+        <a:xfrm>
+          <a:off x="0" y="0"/>
+          <a:ext cx="0" cy="0"/>
+          <a:chOff x="0" y="0"/>
+          <a:chExt cx="0" cy="0"/>
+        </a:xfrm>
+      </p:grpSpPr>
+      <p:sp>
+        <p:nvSpPr>
+          <p:cNvPr id="2" name="Espaço Reservado para Imagem de Slide 1"/>
+          <p:cNvSpPr>
+            <a:spLocks noGrp="1" noRot="1" noChangeAspect="1"/>
+          </p:cNvSpPr>
+          <p:nvPr>
+            <p:ph type="sldImg"/>
+          </p:nvPr>
+        </p:nvSpPr>
+        <p:spPr/>
+      </p:sp>
+      <p:sp>
+        <p:nvSpPr>
+          <p:cNvPr id="3" name="Espaço Reservado para Anotações 2"/>
+          <p:cNvSpPr>
+            <a:spLocks noGrp="1"/>
+          </p:cNvSpPr>
+          <p:nvPr>
+            <p:ph type="body" idx="1"/>
+          </p:nvPr>
+        </p:nvSpPr>
+        <p:spPr/>
+        <p:txBody>
+          <a:bodyPr/>
+          <a:lstStyle/>
+          <a:p>
+            <a:endParaRPr lang="pt-BR" dirty="0"/>
+          </a:p>
+        </p:txBody>
+      </p:sp>
+      <p:sp>
+        <p:nvSpPr>
+          <p:cNvPr id="4" name="Espaço Reservado para Número de Slide 3"/>
+          <p:cNvSpPr>
+            <a:spLocks noGrp="1"/>
+          </p:cNvSpPr>
+          <p:nvPr>
+            <p:ph type="sldNum" sz="quarter" idx="5"/>
+          </p:nvPr>
+        </p:nvSpPr>
+        <p:spPr/>
+        <p:txBody>
+          <a:bodyPr/>
+          <a:lstStyle/>
+          <a:p>
+            <a:fld id="{87C88D93-34D3-419D-AEF5-A26FFAFED389}" type="slidenum">
+              <a:rPr lang="pt-BR" smtClean="0"/>
+              <a:t>13</a:t>
+            </a:fld>
+            <a:endParaRPr lang="pt-BR"/>
+          </a:p>
+        </p:txBody>
+      </p:sp>
+    </p:spTree>
+    <p:extLst>
+      <p:ext uri="{BB962C8B-B14F-4D97-AF65-F5344CB8AC3E}">
+        <p14:creationId xmlns:p14="http://schemas.microsoft.com/office/powerpoint/2010/main" val="1864411730"/>
+      </p:ext>
+    </p:extLst>
+  </p:cSld>
+  <p:clrMapOvr>
+    <a:masterClrMapping/>
+  </p:clrMapOvr>
+</p:notes>
+</file>
+
 <file path=ppt/notesSlides/notesSlide2.xml><?xml version="1.0" encoding="utf-8"?>
 <p:notes xmlns:a="http://schemas.openxmlformats.org/drawingml/2006/main" xmlns:r="http://schemas.openxmlformats.org/officeDocument/2006/relationships" xmlns:p="http://schemas.openxmlformats.org/presentationml/2006/main">
   <p:cSld>
@@ -2102,6 +2745,594 @@
     <p:extLst>
       <p:ext uri="{BB962C8B-B14F-4D97-AF65-F5344CB8AC3E}">
         <p14:creationId xmlns:p14="http://schemas.microsoft.com/office/powerpoint/2010/main" val="2835820922"/>
+      </p:ext>
+    </p:extLst>
+  </p:cSld>
+  <p:clrMapOvr>
+    <a:masterClrMapping/>
+  </p:clrMapOvr>
+</p:notes>
+</file>
+
+<file path=ppt/notesSlides/notesSlide3.xml><?xml version="1.0" encoding="utf-8"?>
+<p:notes xmlns:a="http://schemas.openxmlformats.org/drawingml/2006/main" xmlns:r="http://schemas.openxmlformats.org/officeDocument/2006/relationships" xmlns:p="http://schemas.openxmlformats.org/presentationml/2006/main">
+  <p:cSld>
+    <p:spTree>
+      <p:nvGrpSpPr>
+        <p:cNvPr id="1" name=""/>
+        <p:cNvGrpSpPr/>
+        <p:nvPr/>
+      </p:nvGrpSpPr>
+      <p:grpSpPr>
+        <a:xfrm>
+          <a:off x="0" y="0"/>
+          <a:ext cx="0" cy="0"/>
+          <a:chOff x="0" y="0"/>
+          <a:chExt cx="0" cy="0"/>
+        </a:xfrm>
+      </p:grpSpPr>
+      <p:sp>
+        <p:nvSpPr>
+          <p:cNvPr id="2" name="Espaço Reservado para Imagem de Slide 1"/>
+          <p:cNvSpPr>
+            <a:spLocks noGrp="1" noRot="1" noChangeAspect="1"/>
+          </p:cNvSpPr>
+          <p:nvPr>
+            <p:ph type="sldImg"/>
+          </p:nvPr>
+        </p:nvSpPr>
+        <p:spPr/>
+      </p:sp>
+      <p:sp>
+        <p:nvSpPr>
+          <p:cNvPr id="3" name="Espaço Reservado para Anotações 2"/>
+          <p:cNvSpPr>
+            <a:spLocks noGrp="1"/>
+          </p:cNvSpPr>
+          <p:nvPr>
+            <p:ph type="body" idx="1"/>
+          </p:nvPr>
+        </p:nvSpPr>
+        <p:spPr/>
+        <p:txBody>
+          <a:bodyPr/>
+          <a:lstStyle/>
+          <a:p>
+            <a:endParaRPr lang="pt-BR" dirty="0"/>
+          </a:p>
+        </p:txBody>
+      </p:sp>
+      <p:sp>
+        <p:nvSpPr>
+          <p:cNvPr id="4" name="Espaço Reservado para Número de Slide 3"/>
+          <p:cNvSpPr>
+            <a:spLocks noGrp="1"/>
+          </p:cNvSpPr>
+          <p:nvPr>
+            <p:ph type="sldNum" sz="quarter" idx="5"/>
+          </p:nvPr>
+        </p:nvSpPr>
+        <p:spPr/>
+        <p:txBody>
+          <a:bodyPr/>
+          <a:lstStyle/>
+          <a:p>
+            <a:fld id="{87C88D93-34D3-419D-AEF5-A26FFAFED389}" type="slidenum">
+              <a:rPr lang="pt-BR" smtClean="0"/>
+              <a:t>4</a:t>
+            </a:fld>
+            <a:endParaRPr lang="pt-BR"/>
+          </a:p>
+        </p:txBody>
+      </p:sp>
+    </p:spTree>
+    <p:extLst>
+      <p:ext uri="{BB962C8B-B14F-4D97-AF65-F5344CB8AC3E}">
+        <p14:creationId xmlns:p14="http://schemas.microsoft.com/office/powerpoint/2010/main" val="114103766"/>
+      </p:ext>
+    </p:extLst>
+  </p:cSld>
+  <p:clrMapOvr>
+    <a:masterClrMapping/>
+  </p:clrMapOvr>
+</p:notes>
+</file>
+
+<file path=ppt/notesSlides/notesSlide4.xml><?xml version="1.0" encoding="utf-8"?>
+<p:notes xmlns:a="http://schemas.openxmlformats.org/drawingml/2006/main" xmlns:r="http://schemas.openxmlformats.org/officeDocument/2006/relationships" xmlns:p="http://schemas.openxmlformats.org/presentationml/2006/main">
+  <p:cSld>
+    <p:spTree>
+      <p:nvGrpSpPr>
+        <p:cNvPr id="1" name=""/>
+        <p:cNvGrpSpPr/>
+        <p:nvPr/>
+      </p:nvGrpSpPr>
+      <p:grpSpPr>
+        <a:xfrm>
+          <a:off x="0" y="0"/>
+          <a:ext cx="0" cy="0"/>
+          <a:chOff x="0" y="0"/>
+          <a:chExt cx="0" cy="0"/>
+        </a:xfrm>
+      </p:grpSpPr>
+      <p:sp>
+        <p:nvSpPr>
+          <p:cNvPr id="2" name="Espaço Reservado para Imagem de Slide 1"/>
+          <p:cNvSpPr>
+            <a:spLocks noGrp="1" noRot="1" noChangeAspect="1"/>
+          </p:cNvSpPr>
+          <p:nvPr>
+            <p:ph type="sldImg"/>
+          </p:nvPr>
+        </p:nvSpPr>
+        <p:spPr/>
+      </p:sp>
+      <p:sp>
+        <p:nvSpPr>
+          <p:cNvPr id="3" name="Espaço Reservado para Anotações 2"/>
+          <p:cNvSpPr>
+            <a:spLocks noGrp="1"/>
+          </p:cNvSpPr>
+          <p:nvPr>
+            <p:ph type="body" idx="1"/>
+          </p:nvPr>
+        </p:nvSpPr>
+        <p:spPr/>
+        <p:txBody>
+          <a:bodyPr/>
+          <a:lstStyle/>
+          <a:p>
+            <a:endParaRPr lang="pt-BR" dirty="0"/>
+          </a:p>
+        </p:txBody>
+      </p:sp>
+      <p:sp>
+        <p:nvSpPr>
+          <p:cNvPr id="4" name="Espaço Reservado para Número de Slide 3"/>
+          <p:cNvSpPr>
+            <a:spLocks noGrp="1"/>
+          </p:cNvSpPr>
+          <p:nvPr>
+            <p:ph type="sldNum" sz="quarter" idx="5"/>
+          </p:nvPr>
+        </p:nvSpPr>
+        <p:spPr/>
+        <p:txBody>
+          <a:bodyPr/>
+          <a:lstStyle/>
+          <a:p>
+            <a:fld id="{87C88D93-34D3-419D-AEF5-A26FFAFED389}" type="slidenum">
+              <a:rPr lang="pt-BR" smtClean="0"/>
+              <a:t>5</a:t>
+            </a:fld>
+            <a:endParaRPr lang="pt-BR"/>
+          </a:p>
+        </p:txBody>
+      </p:sp>
+    </p:spTree>
+    <p:extLst>
+      <p:ext uri="{BB962C8B-B14F-4D97-AF65-F5344CB8AC3E}">
+        <p14:creationId xmlns:p14="http://schemas.microsoft.com/office/powerpoint/2010/main" val="3870374711"/>
+      </p:ext>
+    </p:extLst>
+  </p:cSld>
+  <p:clrMapOvr>
+    <a:masterClrMapping/>
+  </p:clrMapOvr>
+</p:notes>
+</file>
+
+<file path=ppt/notesSlides/notesSlide5.xml><?xml version="1.0" encoding="utf-8"?>
+<p:notes xmlns:a="http://schemas.openxmlformats.org/drawingml/2006/main" xmlns:r="http://schemas.openxmlformats.org/officeDocument/2006/relationships" xmlns:p="http://schemas.openxmlformats.org/presentationml/2006/main">
+  <p:cSld>
+    <p:spTree>
+      <p:nvGrpSpPr>
+        <p:cNvPr id="1" name=""/>
+        <p:cNvGrpSpPr/>
+        <p:nvPr/>
+      </p:nvGrpSpPr>
+      <p:grpSpPr>
+        <a:xfrm>
+          <a:off x="0" y="0"/>
+          <a:ext cx="0" cy="0"/>
+          <a:chOff x="0" y="0"/>
+          <a:chExt cx="0" cy="0"/>
+        </a:xfrm>
+      </p:grpSpPr>
+      <p:sp>
+        <p:nvSpPr>
+          <p:cNvPr id="2" name="Espaço Reservado para Imagem de Slide 1"/>
+          <p:cNvSpPr>
+            <a:spLocks noGrp="1" noRot="1" noChangeAspect="1"/>
+          </p:cNvSpPr>
+          <p:nvPr>
+            <p:ph type="sldImg"/>
+          </p:nvPr>
+        </p:nvSpPr>
+        <p:spPr/>
+      </p:sp>
+      <p:sp>
+        <p:nvSpPr>
+          <p:cNvPr id="3" name="Espaço Reservado para Anotações 2"/>
+          <p:cNvSpPr>
+            <a:spLocks noGrp="1"/>
+          </p:cNvSpPr>
+          <p:nvPr>
+            <p:ph type="body" idx="1"/>
+          </p:nvPr>
+        </p:nvSpPr>
+        <p:spPr/>
+        <p:txBody>
+          <a:bodyPr/>
+          <a:lstStyle/>
+          <a:p>
+            <a:endParaRPr lang="pt-BR" dirty="0"/>
+          </a:p>
+        </p:txBody>
+      </p:sp>
+      <p:sp>
+        <p:nvSpPr>
+          <p:cNvPr id="4" name="Espaço Reservado para Número de Slide 3"/>
+          <p:cNvSpPr>
+            <a:spLocks noGrp="1"/>
+          </p:cNvSpPr>
+          <p:nvPr>
+            <p:ph type="sldNum" sz="quarter" idx="5"/>
+          </p:nvPr>
+        </p:nvSpPr>
+        <p:spPr/>
+        <p:txBody>
+          <a:bodyPr/>
+          <a:lstStyle/>
+          <a:p>
+            <a:fld id="{87C88D93-34D3-419D-AEF5-A26FFAFED389}" type="slidenum">
+              <a:rPr lang="pt-BR" smtClean="0"/>
+              <a:t>6</a:t>
+            </a:fld>
+            <a:endParaRPr lang="pt-BR"/>
+          </a:p>
+        </p:txBody>
+      </p:sp>
+    </p:spTree>
+    <p:extLst>
+      <p:ext uri="{BB962C8B-B14F-4D97-AF65-F5344CB8AC3E}">
+        <p14:creationId xmlns:p14="http://schemas.microsoft.com/office/powerpoint/2010/main" val="4062252128"/>
+      </p:ext>
+    </p:extLst>
+  </p:cSld>
+  <p:clrMapOvr>
+    <a:masterClrMapping/>
+  </p:clrMapOvr>
+</p:notes>
+</file>
+
+<file path=ppt/notesSlides/notesSlide6.xml><?xml version="1.0" encoding="utf-8"?>
+<p:notes xmlns:a="http://schemas.openxmlformats.org/drawingml/2006/main" xmlns:r="http://schemas.openxmlformats.org/officeDocument/2006/relationships" xmlns:p="http://schemas.openxmlformats.org/presentationml/2006/main">
+  <p:cSld>
+    <p:spTree>
+      <p:nvGrpSpPr>
+        <p:cNvPr id="1" name=""/>
+        <p:cNvGrpSpPr/>
+        <p:nvPr/>
+      </p:nvGrpSpPr>
+      <p:grpSpPr>
+        <a:xfrm>
+          <a:off x="0" y="0"/>
+          <a:ext cx="0" cy="0"/>
+          <a:chOff x="0" y="0"/>
+          <a:chExt cx="0" cy="0"/>
+        </a:xfrm>
+      </p:grpSpPr>
+      <p:sp>
+        <p:nvSpPr>
+          <p:cNvPr id="2" name="Espaço Reservado para Imagem de Slide 1"/>
+          <p:cNvSpPr>
+            <a:spLocks noGrp="1" noRot="1" noChangeAspect="1"/>
+          </p:cNvSpPr>
+          <p:nvPr>
+            <p:ph type="sldImg"/>
+          </p:nvPr>
+        </p:nvSpPr>
+        <p:spPr/>
+      </p:sp>
+      <p:sp>
+        <p:nvSpPr>
+          <p:cNvPr id="3" name="Espaço Reservado para Anotações 2"/>
+          <p:cNvSpPr>
+            <a:spLocks noGrp="1"/>
+          </p:cNvSpPr>
+          <p:nvPr>
+            <p:ph type="body" idx="1"/>
+          </p:nvPr>
+        </p:nvSpPr>
+        <p:spPr/>
+        <p:txBody>
+          <a:bodyPr/>
+          <a:lstStyle/>
+          <a:p>
+            <a:endParaRPr lang="pt-BR" dirty="0"/>
+          </a:p>
+        </p:txBody>
+      </p:sp>
+      <p:sp>
+        <p:nvSpPr>
+          <p:cNvPr id="4" name="Espaço Reservado para Número de Slide 3"/>
+          <p:cNvSpPr>
+            <a:spLocks noGrp="1"/>
+          </p:cNvSpPr>
+          <p:nvPr>
+            <p:ph type="sldNum" sz="quarter" idx="5"/>
+          </p:nvPr>
+        </p:nvSpPr>
+        <p:spPr/>
+        <p:txBody>
+          <a:bodyPr/>
+          <a:lstStyle/>
+          <a:p>
+            <a:fld id="{87C88D93-34D3-419D-AEF5-A26FFAFED389}" type="slidenum">
+              <a:rPr lang="pt-BR" smtClean="0"/>
+              <a:t>7</a:t>
+            </a:fld>
+            <a:endParaRPr lang="pt-BR"/>
+          </a:p>
+        </p:txBody>
+      </p:sp>
+    </p:spTree>
+    <p:extLst>
+      <p:ext uri="{BB962C8B-B14F-4D97-AF65-F5344CB8AC3E}">
+        <p14:creationId xmlns:p14="http://schemas.microsoft.com/office/powerpoint/2010/main" val="1699273055"/>
+      </p:ext>
+    </p:extLst>
+  </p:cSld>
+  <p:clrMapOvr>
+    <a:masterClrMapping/>
+  </p:clrMapOvr>
+</p:notes>
+</file>
+
+<file path=ppt/notesSlides/notesSlide7.xml><?xml version="1.0" encoding="utf-8"?>
+<p:notes xmlns:a="http://schemas.openxmlformats.org/drawingml/2006/main" xmlns:r="http://schemas.openxmlformats.org/officeDocument/2006/relationships" xmlns:p="http://schemas.openxmlformats.org/presentationml/2006/main">
+  <p:cSld>
+    <p:spTree>
+      <p:nvGrpSpPr>
+        <p:cNvPr id="1" name=""/>
+        <p:cNvGrpSpPr/>
+        <p:nvPr/>
+      </p:nvGrpSpPr>
+      <p:grpSpPr>
+        <a:xfrm>
+          <a:off x="0" y="0"/>
+          <a:ext cx="0" cy="0"/>
+          <a:chOff x="0" y="0"/>
+          <a:chExt cx="0" cy="0"/>
+        </a:xfrm>
+      </p:grpSpPr>
+      <p:sp>
+        <p:nvSpPr>
+          <p:cNvPr id="2" name="Espaço Reservado para Imagem de Slide 1"/>
+          <p:cNvSpPr>
+            <a:spLocks noGrp="1" noRot="1" noChangeAspect="1"/>
+          </p:cNvSpPr>
+          <p:nvPr>
+            <p:ph type="sldImg"/>
+          </p:nvPr>
+        </p:nvSpPr>
+        <p:spPr/>
+      </p:sp>
+      <p:sp>
+        <p:nvSpPr>
+          <p:cNvPr id="3" name="Espaço Reservado para Anotações 2"/>
+          <p:cNvSpPr>
+            <a:spLocks noGrp="1"/>
+          </p:cNvSpPr>
+          <p:nvPr>
+            <p:ph type="body" idx="1"/>
+          </p:nvPr>
+        </p:nvSpPr>
+        <p:spPr/>
+        <p:txBody>
+          <a:bodyPr/>
+          <a:lstStyle/>
+          <a:p>
+            <a:endParaRPr lang="pt-BR" dirty="0"/>
+          </a:p>
+        </p:txBody>
+      </p:sp>
+      <p:sp>
+        <p:nvSpPr>
+          <p:cNvPr id="4" name="Espaço Reservado para Número de Slide 3"/>
+          <p:cNvSpPr>
+            <a:spLocks noGrp="1"/>
+          </p:cNvSpPr>
+          <p:nvPr>
+            <p:ph type="sldNum" sz="quarter" idx="5"/>
+          </p:nvPr>
+        </p:nvSpPr>
+        <p:spPr/>
+        <p:txBody>
+          <a:bodyPr/>
+          <a:lstStyle/>
+          <a:p>
+            <a:fld id="{87C88D93-34D3-419D-AEF5-A26FFAFED389}" type="slidenum">
+              <a:rPr lang="pt-BR" smtClean="0"/>
+              <a:t>8</a:t>
+            </a:fld>
+            <a:endParaRPr lang="pt-BR"/>
+          </a:p>
+        </p:txBody>
+      </p:sp>
+    </p:spTree>
+    <p:extLst>
+      <p:ext uri="{BB962C8B-B14F-4D97-AF65-F5344CB8AC3E}">
+        <p14:creationId xmlns:p14="http://schemas.microsoft.com/office/powerpoint/2010/main" val="3107952816"/>
+      </p:ext>
+    </p:extLst>
+  </p:cSld>
+  <p:clrMapOvr>
+    <a:masterClrMapping/>
+  </p:clrMapOvr>
+</p:notes>
+</file>
+
+<file path=ppt/notesSlides/notesSlide8.xml><?xml version="1.0" encoding="utf-8"?>
+<p:notes xmlns:a="http://schemas.openxmlformats.org/drawingml/2006/main" xmlns:r="http://schemas.openxmlformats.org/officeDocument/2006/relationships" xmlns:p="http://schemas.openxmlformats.org/presentationml/2006/main">
+  <p:cSld>
+    <p:spTree>
+      <p:nvGrpSpPr>
+        <p:cNvPr id="1" name=""/>
+        <p:cNvGrpSpPr/>
+        <p:nvPr/>
+      </p:nvGrpSpPr>
+      <p:grpSpPr>
+        <a:xfrm>
+          <a:off x="0" y="0"/>
+          <a:ext cx="0" cy="0"/>
+          <a:chOff x="0" y="0"/>
+          <a:chExt cx="0" cy="0"/>
+        </a:xfrm>
+      </p:grpSpPr>
+      <p:sp>
+        <p:nvSpPr>
+          <p:cNvPr id="2" name="Espaço Reservado para Imagem de Slide 1"/>
+          <p:cNvSpPr>
+            <a:spLocks noGrp="1" noRot="1" noChangeAspect="1"/>
+          </p:cNvSpPr>
+          <p:nvPr>
+            <p:ph type="sldImg"/>
+          </p:nvPr>
+        </p:nvSpPr>
+        <p:spPr/>
+      </p:sp>
+      <p:sp>
+        <p:nvSpPr>
+          <p:cNvPr id="3" name="Espaço Reservado para Anotações 2"/>
+          <p:cNvSpPr>
+            <a:spLocks noGrp="1"/>
+          </p:cNvSpPr>
+          <p:nvPr>
+            <p:ph type="body" idx="1"/>
+          </p:nvPr>
+        </p:nvSpPr>
+        <p:spPr/>
+        <p:txBody>
+          <a:bodyPr/>
+          <a:lstStyle/>
+          <a:p>
+            <a:endParaRPr lang="pt-BR" dirty="0"/>
+          </a:p>
+        </p:txBody>
+      </p:sp>
+      <p:sp>
+        <p:nvSpPr>
+          <p:cNvPr id="4" name="Espaço Reservado para Número de Slide 3"/>
+          <p:cNvSpPr>
+            <a:spLocks noGrp="1"/>
+          </p:cNvSpPr>
+          <p:nvPr>
+            <p:ph type="sldNum" sz="quarter" idx="5"/>
+          </p:nvPr>
+        </p:nvSpPr>
+        <p:spPr/>
+        <p:txBody>
+          <a:bodyPr/>
+          <a:lstStyle/>
+          <a:p>
+            <a:fld id="{87C88D93-34D3-419D-AEF5-A26FFAFED389}" type="slidenum">
+              <a:rPr lang="pt-BR" smtClean="0"/>
+              <a:t>9</a:t>
+            </a:fld>
+            <a:endParaRPr lang="pt-BR"/>
+          </a:p>
+        </p:txBody>
+      </p:sp>
+    </p:spTree>
+    <p:extLst>
+      <p:ext uri="{BB962C8B-B14F-4D97-AF65-F5344CB8AC3E}">
+        <p14:creationId xmlns:p14="http://schemas.microsoft.com/office/powerpoint/2010/main" val="1672665440"/>
+      </p:ext>
+    </p:extLst>
+  </p:cSld>
+  <p:clrMapOvr>
+    <a:masterClrMapping/>
+  </p:clrMapOvr>
+</p:notes>
+</file>
+
+<file path=ppt/notesSlides/notesSlide9.xml><?xml version="1.0" encoding="utf-8"?>
+<p:notes xmlns:a="http://schemas.openxmlformats.org/drawingml/2006/main" xmlns:r="http://schemas.openxmlformats.org/officeDocument/2006/relationships" xmlns:p="http://schemas.openxmlformats.org/presentationml/2006/main">
+  <p:cSld>
+    <p:spTree>
+      <p:nvGrpSpPr>
+        <p:cNvPr id="1" name=""/>
+        <p:cNvGrpSpPr/>
+        <p:nvPr/>
+      </p:nvGrpSpPr>
+      <p:grpSpPr>
+        <a:xfrm>
+          <a:off x="0" y="0"/>
+          <a:ext cx="0" cy="0"/>
+          <a:chOff x="0" y="0"/>
+          <a:chExt cx="0" cy="0"/>
+        </a:xfrm>
+      </p:grpSpPr>
+      <p:sp>
+        <p:nvSpPr>
+          <p:cNvPr id="2" name="Espaço Reservado para Imagem de Slide 1"/>
+          <p:cNvSpPr>
+            <a:spLocks noGrp="1" noRot="1" noChangeAspect="1"/>
+          </p:cNvSpPr>
+          <p:nvPr>
+            <p:ph type="sldImg"/>
+          </p:nvPr>
+        </p:nvSpPr>
+        <p:spPr/>
+      </p:sp>
+      <p:sp>
+        <p:nvSpPr>
+          <p:cNvPr id="3" name="Espaço Reservado para Anotações 2"/>
+          <p:cNvSpPr>
+            <a:spLocks noGrp="1"/>
+          </p:cNvSpPr>
+          <p:nvPr>
+            <p:ph type="body" idx="1"/>
+          </p:nvPr>
+        </p:nvSpPr>
+        <p:spPr/>
+        <p:txBody>
+          <a:bodyPr/>
+          <a:lstStyle/>
+          <a:p>
+            <a:endParaRPr lang="pt-BR" dirty="0"/>
+          </a:p>
+        </p:txBody>
+      </p:sp>
+      <p:sp>
+        <p:nvSpPr>
+          <p:cNvPr id="4" name="Espaço Reservado para Número de Slide 3"/>
+          <p:cNvSpPr>
+            <a:spLocks noGrp="1"/>
+          </p:cNvSpPr>
+          <p:nvPr>
+            <p:ph type="sldNum" sz="quarter" idx="5"/>
+          </p:nvPr>
+        </p:nvSpPr>
+        <p:spPr/>
+        <p:txBody>
+          <a:bodyPr/>
+          <a:lstStyle/>
+          <a:p>
+            <a:fld id="{87C88D93-34D3-419D-AEF5-A26FFAFED389}" type="slidenum">
+              <a:rPr lang="pt-BR" smtClean="0"/>
+              <a:t>10</a:t>
+            </a:fld>
+            <a:endParaRPr lang="pt-BR"/>
+          </a:p>
+        </p:txBody>
+      </p:sp>
+    </p:spTree>
+    <p:extLst>
+      <p:ext uri="{BB962C8B-B14F-4D97-AF65-F5344CB8AC3E}">
+        <p14:creationId xmlns:p14="http://schemas.microsoft.com/office/powerpoint/2010/main" val="2662999496"/>
       </p:ext>
     </p:extLst>
   </p:cSld>
@@ -2258,7 +3489,7 @@
           <a:p>
             <a:fld id="{6D1CE400-4242-4B09-9036-D13CC6199FDE}" type="datetimeFigureOut">
               <a:rPr lang="pt-BR" smtClean="0"/>
-              <a:t>22/01/2026</a:t>
+              <a:t>26/01/2026</a:t>
             </a:fld>
             <a:endParaRPr lang="pt-BR"/>
           </a:p>
@@ -2456,7 +3687,7 @@
           <a:p>
             <a:fld id="{6D1CE400-4242-4B09-9036-D13CC6199FDE}" type="datetimeFigureOut">
               <a:rPr lang="pt-BR" smtClean="0"/>
-              <a:t>22/01/2026</a:t>
+              <a:t>26/01/2026</a:t>
             </a:fld>
             <a:endParaRPr lang="pt-BR"/>
           </a:p>
@@ -2664,7 +3895,7 @@
           <a:p>
             <a:fld id="{6D1CE400-4242-4B09-9036-D13CC6199FDE}" type="datetimeFigureOut">
               <a:rPr lang="pt-BR" smtClean="0"/>
-              <a:t>22/01/2026</a:t>
+              <a:t>26/01/2026</a:t>
             </a:fld>
             <a:endParaRPr lang="pt-BR"/>
           </a:p>
@@ -2862,7 +4093,7 @@
           <a:p>
             <a:fld id="{6D1CE400-4242-4B09-9036-D13CC6199FDE}" type="datetimeFigureOut">
               <a:rPr lang="pt-BR" smtClean="0"/>
-              <a:t>22/01/2026</a:t>
+              <a:t>26/01/2026</a:t>
             </a:fld>
             <a:endParaRPr lang="pt-BR"/>
           </a:p>
@@ -3137,7 +4368,7 @@
           <a:p>
             <a:fld id="{6D1CE400-4242-4B09-9036-D13CC6199FDE}" type="datetimeFigureOut">
               <a:rPr lang="pt-BR" smtClean="0"/>
-              <a:t>22/01/2026</a:t>
+              <a:t>26/01/2026</a:t>
             </a:fld>
             <a:endParaRPr lang="pt-BR"/>
           </a:p>
@@ -3402,7 +4633,7 @@
           <a:p>
             <a:fld id="{6D1CE400-4242-4B09-9036-D13CC6199FDE}" type="datetimeFigureOut">
               <a:rPr lang="pt-BR" smtClean="0"/>
-              <a:t>22/01/2026</a:t>
+              <a:t>26/01/2026</a:t>
             </a:fld>
             <a:endParaRPr lang="pt-BR"/>
           </a:p>
@@ -3814,7 +5045,7 @@
           <a:p>
             <a:fld id="{6D1CE400-4242-4B09-9036-D13CC6199FDE}" type="datetimeFigureOut">
               <a:rPr lang="pt-BR" smtClean="0"/>
-              <a:t>22/01/2026</a:t>
+              <a:t>26/01/2026</a:t>
             </a:fld>
             <a:endParaRPr lang="pt-BR"/>
           </a:p>
@@ -3955,7 +5186,7 @@
           <a:p>
             <a:fld id="{6D1CE400-4242-4B09-9036-D13CC6199FDE}" type="datetimeFigureOut">
               <a:rPr lang="pt-BR" smtClean="0"/>
-              <a:t>22/01/2026</a:t>
+              <a:t>26/01/2026</a:t>
             </a:fld>
             <a:endParaRPr lang="pt-BR"/>
           </a:p>
@@ -4068,7 +5299,7 @@
           <a:p>
             <a:fld id="{6D1CE400-4242-4B09-9036-D13CC6199FDE}" type="datetimeFigureOut">
               <a:rPr lang="pt-BR" smtClean="0"/>
-              <a:t>22/01/2026</a:t>
+              <a:t>26/01/2026</a:t>
             </a:fld>
             <a:endParaRPr lang="pt-BR"/>
           </a:p>
@@ -4379,7 +5610,7 @@
           <a:p>
             <a:fld id="{6D1CE400-4242-4B09-9036-D13CC6199FDE}" type="datetimeFigureOut">
               <a:rPr lang="pt-BR" smtClean="0"/>
-              <a:t>22/01/2026</a:t>
+              <a:t>26/01/2026</a:t>
             </a:fld>
             <a:endParaRPr lang="pt-BR"/>
           </a:p>
@@ -4667,7 +5898,7 @@
           <a:p>
             <a:fld id="{6D1CE400-4242-4B09-9036-D13CC6199FDE}" type="datetimeFigureOut">
               <a:rPr lang="pt-BR" smtClean="0"/>
-              <a:t>22/01/2026</a:t>
+              <a:t>26/01/2026</a:t>
             </a:fld>
             <a:endParaRPr lang="pt-BR"/>
           </a:p>
@@ -4911,7 +6142,7 @@
           <a:p>
             <a:fld id="{6D1CE400-4242-4B09-9036-D13CC6199FDE}" type="datetimeFigureOut">
               <a:rPr lang="pt-BR" smtClean="0"/>
-              <a:t>22/01/2026</a:t>
+              <a:t>26/01/2026</a:t>
             </a:fld>
             <a:endParaRPr lang="pt-BR"/>
           </a:p>
@@ -5566,17 +6797,9 @@
 </p:sld>
 </file>
 
-<file path=ppt/slides/slide2.xml><?xml version="1.0" encoding="utf-8"?>
+<file path=ppt/slides/slide10.xml><?xml version="1.0" encoding="utf-8"?>
 <p:sld xmlns:a="http://schemas.openxmlformats.org/drawingml/2006/main" xmlns:r="http://schemas.openxmlformats.org/officeDocument/2006/relationships" xmlns:p="http://schemas.openxmlformats.org/presentationml/2006/main">
   <p:cSld>
-    <p:bg>
-      <p:bgPr>
-        <a:solidFill>
-          <a:schemeClr val="bg1"/>
-        </a:solidFill>
-        <a:effectLst/>
-      </p:bgPr>
-    </p:bg>
     <p:spTree>
       <p:nvGrpSpPr>
         <p:cNvPr id="1" name=""/>
@@ -5644,8 +6867,8 @@
         </p:nvSpPr>
         <p:spPr>
           <a:xfrm>
-            <a:off x="1103819" y="140678"/>
-            <a:ext cx="4992181" cy="646331"/>
+            <a:off x="759189" y="199888"/>
+            <a:ext cx="10043410" cy="646331"/>
           </a:xfrm>
           <a:prstGeom prst="rect">
             <a:avLst/>
@@ -5666,132 +6889,7 @@
                 <a:latin typeface="Cambria" panose="02040503050406030204" pitchFamily="18" charset="0"/>
                 <a:ea typeface="Cambria" panose="02040503050406030204" pitchFamily="18" charset="0"/>
               </a:rPr>
-              <a:t>Cronograma</a:t>
-            </a:r>
-          </a:p>
-        </p:txBody>
-      </p:sp>
-      <p:sp>
-        <p:nvSpPr>
-          <p:cNvPr id="14" name="CaixaDeTexto 13">
-            <a:extLst>
-              <a:ext uri="{FF2B5EF4-FFF2-40B4-BE49-F238E27FC236}">
-                <a16:creationId xmlns:a16="http://schemas.microsoft.com/office/drawing/2014/main" id="{427DBFEB-81BF-4CC3-A411-FBF43D295C56}"/>
-              </a:ext>
-            </a:extLst>
-          </p:cNvPr>
-          <p:cNvSpPr txBox="1"/>
-          <p:nvPr/>
-        </p:nvSpPr>
-        <p:spPr>
-          <a:xfrm>
-            <a:off x="940904" y="1929875"/>
-            <a:ext cx="10310191" cy="3423181"/>
-          </a:xfrm>
-          <a:prstGeom prst="rect">
-            <a:avLst/>
-          </a:prstGeom>
-          <a:noFill/>
-        </p:spPr>
-        <p:txBody>
-          <a:bodyPr wrap="square" rtlCol="0">
-            <a:spAutoFit/>
-          </a:bodyPr>
-          <a:lstStyle/>
-          <a:p>
-            <a:pPr marL="285750" indent="-285750">
-              <a:lnSpc>
-                <a:spcPct val="150000"/>
-              </a:lnSpc>
-              <a:spcAft>
-                <a:spcPts val="110"/>
-              </a:spcAft>
-              <a:buFont typeface="Wingdings" panose="05000000000000000000" pitchFamily="2" charset="2"/>
-              <a:buChar char="Ø"/>
-            </a:pPr>
-            <a:r>
-              <a:rPr lang="pt-BR" sz="2400" b="1" dirty="0"/>
-              <a:t>Noções de probabilidade. Axiomas.</a:t>
-            </a:r>
-          </a:p>
-          <a:p>
-            <a:pPr marL="285750" indent="-285750">
-              <a:lnSpc>
-                <a:spcPct val="150000"/>
-              </a:lnSpc>
-              <a:spcAft>
-                <a:spcPts val="110"/>
-              </a:spcAft>
-              <a:buFont typeface="Wingdings" panose="05000000000000000000" pitchFamily="2" charset="2"/>
-              <a:buChar char="Ø"/>
-            </a:pPr>
-            <a:r>
-              <a:rPr lang="pt-BR" sz="2400" b="1" dirty="0"/>
-              <a:t>Probabilidade condicional.</a:t>
-            </a:r>
-          </a:p>
-          <a:p>
-            <a:pPr marL="285750" indent="-285750">
-              <a:lnSpc>
-                <a:spcPct val="150000"/>
-              </a:lnSpc>
-              <a:spcAft>
-                <a:spcPts val="110"/>
-              </a:spcAft>
-              <a:buFont typeface="Wingdings" panose="05000000000000000000" pitchFamily="2" charset="2"/>
-              <a:buChar char="Ø"/>
-            </a:pPr>
-            <a:r>
-              <a:rPr lang="pt-BR" sz="2400" b="1" dirty="0"/>
-              <a:t>Aplicação da probabilidade condicional.</a:t>
-            </a:r>
-          </a:p>
-          <a:p>
-            <a:pPr marL="285750" indent="-285750">
-              <a:lnSpc>
-                <a:spcPct val="150000"/>
-              </a:lnSpc>
-              <a:spcAft>
-                <a:spcPts val="110"/>
-              </a:spcAft>
-              <a:buFont typeface="Wingdings" panose="05000000000000000000" pitchFamily="2" charset="2"/>
-              <a:buChar char="Ø"/>
-            </a:pPr>
-            <a:r>
-              <a:rPr lang="pt-BR" sz="2400" b="1" dirty="0"/>
-              <a:t>Eventos independentes.</a:t>
-            </a:r>
-          </a:p>
-          <a:p>
-            <a:pPr marL="285750" indent="-285750">
-              <a:lnSpc>
-                <a:spcPct val="150000"/>
-              </a:lnSpc>
-              <a:spcAft>
-                <a:spcPts val="110"/>
-              </a:spcAft>
-              <a:buFont typeface="Wingdings" panose="05000000000000000000" pitchFamily="2" charset="2"/>
-              <a:buChar char="Ø"/>
-            </a:pPr>
-            <a:r>
-              <a:rPr lang="pt-BR" sz="2400" b="1" dirty="0"/>
-              <a:t>Distribuição normal.</a:t>
-            </a:r>
-          </a:p>
-          <a:p>
-            <a:pPr marL="285750" indent="-285750">
-              <a:lnSpc>
-                <a:spcPct val="150000"/>
-              </a:lnSpc>
-              <a:spcAft>
-                <a:spcPts val="110"/>
-              </a:spcAft>
-              <a:buFont typeface="Wingdings" panose="05000000000000000000" pitchFamily="2" charset="2"/>
-              <a:buChar char="Ø"/>
-            </a:pPr>
-            <a:r>
-              <a:rPr lang="pt-BR" sz="2400" b="1" dirty="0"/>
-              <a:t>Aplicações da distribuição normal.</a:t>
+              <a:t>Noções de Probabilidade</a:t>
             </a:r>
           </a:p>
         </p:txBody>
@@ -5890,6 +6988,1286 @@
           </a:extLst>
         </p:spPr>
       </p:pic>
+      <p:sp>
+        <p:nvSpPr>
+          <p:cNvPr id="5" name="CaixaDeTexto 4">
+            <a:extLst>
+              <a:ext uri="{FF2B5EF4-FFF2-40B4-BE49-F238E27FC236}">
+                <a16:creationId xmlns:a16="http://schemas.microsoft.com/office/drawing/2014/main" id="{462A550A-2F15-4636-BB02-A7AFDEC69830}"/>
+              </a:ext>
+            </a:extLst>
+          </p:cNvPr>
+          <p:cNvSpPr txBox="1"/>
+          <p:nvPr/>
+        </p:nvSpPr>
+        <p:spPr>
+          <a:xfrm>
+            <a:off x="2312637" y="6528936"/>
+            <a:ext cx="6605353" cy="276999"/>
+          </a:xfrm>
+          <a:prstGeom prst="rect">
+            <a:avLst/>
+          </a:prstGeom>
+          <a:noFill/>
+        </p:spPr>
+        <p:txBody>
+          <a:bodyPr wrap="square" rtlCol="0">
+            <a:spAutoFit/>
+          </a:bodyPr>
+          <a:lstStyle/>
+          <a:p>
+            <a:pPr algn="ctr"/>
+            <a:r>
+              <a:rPr lang="pt-BR" sz="1100" i="1" dirty="0"/>
+              <a:t>Retirado de https://bendeivide.</a:t>
+            </a:r>
+            <a:r>
+              <a:rPr lang="pt-BR" sz="1200" i="1" dirty="0"/>
+              <a:t>github</a:t>
+            </a:r>
+            <a:r>
+              <a:rPr lang="pt-BR" sz="1100" i="1" dirty="0"/>
+              <a:t>.io/book-estbasica/</a:t>
+            </a:r>
+          </a:p>
+        </p:txBody>
+      </p:sp>
+    </p:spTree>
+    <p:extLst>
+      <p:ext uri="{BB962C8B-B14F-4D97-AF65-F5344CB8AC3E}">
+        <p14:creationId xmlns:p14="http://schemas.microsoft.com/office/powerpoint/2010/main" val="3317163073"/>
+      </p:ext>
+    </p:extLst>
+  </p:cSld>
+  <p:clrMapOvr>
+    <a:masterClrMapping/>
+  </p:clrMapOvr>
+  <mc:AlternateContent xmlns:mc="http://schemas.openxmlformats.org/markup-compatibility/2006" xmlns:p159="http://schemas.microsoft.com/office/powerpoint/2015/09/main">
+    <mc:Choice Requires="p159">
+      <p:transition xmlns:p14="http://schemas.microsoft.com/office/powerpoint/2010/main" spd="slow" p14:dur="1250">
+        <p159:morph option="byObject"/>
+      </p:transition>
+    </mc:Choice>
+    <mc:Fallback xmlns="">
+      <p:transition spd="slow">
+        <p:fade/>
+      </p:transition>
+    </mc:Fallback>
+  </mc:AlternateContent>
+</p:sld>
+</file>
+
+<file path=ppt/slides/slide11.xml><?xml version="1.0" encoding="utf-8"?>
+<p:sld xmlns:a="http://schemas.openxmlformats.org/drawingml/2006/main" xmlns:r="http://schemas.openxmlformats.org/officeDocument/2006/relationships" xmlns:p="http://schemas.openxmlformats.org/presentationml/2006/main">
+  <p:cSld>
+    <p:spTree>
+      <p:nvGrpSpPr>
+        <p:cNvPr id="1" name=""/>
+        <p:cNvGrpSpPr/>
+        <p:nvPr/>
+      </p:nvGrpSpPr>
+      <p:grpSpPr>
+        <a:xfrm>
+          <a:off x="0" y="0"/>
+          <a:ext cx="0" cy="0"/>
+          <a:chOff x="0" y="0"/>
+          <a:chExt cx="0" cy="0"/>
+        </a:xfrm>
+      </p:grpSpPr>
+      <p:cxnSp>
+        <p:nvCxnSpPr>
+          <p:cNvPr id="7" name="Conector reto 6">
+            <a:extLst>
+              <a:ext uri="{FF2B5EF4-FFF2-40B4-BE49-F238E27FC236}">
+                <a16:creationId xmlns:a16="http://schemas.microsoft.com/office/drawing/2014/main" id="{280B8309-4572-4E27-8B6F-D29679313292}"/>
+              </a:ext>
+            </a:extLst>
+          </p:cNvPr>
+          <p:cNvCxnSpPr>
+            <a:cxnSpLocks/>
+          </p:cNvCxnSpPr>
+          <p:nvPr/>
+        </p:nvCxnSpPr>
+        <p:spPr>
+          <a:xfrm>
+            <a:off x="-112541" y="970671"/>
+            <a:ext cx="8328073" cy="0"/>
+          </a:xfrm>
+          <a:prstGeom prst="line">
+            <a:avLst/>
+          </a:prstGeom>
+          <a:ln w="38100"/>
+        </p:spPr>
+        <p:style>
+          <a:lnRef idx="1">
+            <a:schemeClr val="accent1"/>
+          </a:lnRef>
+          <a:fillRef idx="0">
+            <a:schemeClr val="accent1"/>
+          </a:fillRef>
+          <a:effectRef idx="0">
+            <a:schemeClr val="accent1"/>
+          </a:effectRef>
+          <a:fontRef idx="minor">
+            <a:schemeClr val="tx1"/>
+          </a:fontRef>
+        </p:style>
+      </p:cxnSp>
+      <p:sp>
+        <p:nvSpPr>
+          <p:cNvPr id="8" name="CaixaDeTexto 7">
+            <a:extLst>
+              <a:ext uri="{FF2B5EF4-FFF2-40B4-BE49-F238E27FC236}">
+                <a16:creationId xmlns:a16="http://schemas.microsoft.com/office/drawing/2014/main" id="{39AE06C5-34BE-4D68-97C3-4C07702C2DF6}"/>
+              </a:ext>
+            </a:extLst>
+          </p:cNvPr>
+          <p:cNvSpPr txBox="1"/>
+          <p:nvPr/>
+        </p:nvSpPr>
+        <p:spPr>
+          <a:xfrm>
+            <a:off x="759189" y="199888"/>
+            <a:ext cx="10043410" cy="646331"/>
+          </a:xfrm>
+          <a:prstGeom prst="rect">
+            <a:avLst/>
+          </a:prstGeom>
+          <a:noFill/>
+        </p:spPr>
+        <p:txBody>
+          <a:bodyPr wrap="square" rtlCol="0">
+            <a:spAutoFit/>
+          </a:bodyPr>
+          <a:lstStyle/>
+          <a:p>
+            <a:r>
+              <a:rPr lang="pt-BR" sz="3600" b="1" dirty="0">
+                <a:solidFill>
+                  <a:srgbClr val="002060"/>
+                </a:solidFill>
+                <a:latin typeface="Cambria" panose="02040503050406030204" pitchFamily="18" charset="0"/>
+                <a:ea typeface="Cambria" panose="02040503050406030204" pitchFamily="18" charset="0"/>
+              </a:rPr>
+              <a:t>Noções de Probabilidade</a:t>
+            </a:r>
+          </a:p>
+        </p:txBody>
+      </p:sp>
+      <p:pic>
+        <p:nvPicPr>
+          <p:cNvPr id="2" name="Picture 2" descr="UFRGS na Serra | Visão de futuro e coragem para inovar">
+            <a:extLst>
+              <a:ext uri="{FF2B5EF4-FFF2-40B4-BE49-F238E27FC236}">
+                <a16:creationId xmlns:a16="http://schemas.microsoft.com/office/drawing/2014/main" id="{567C8E3D-C535-EC50-849C-270CEB4B8A04}"/>
+              </a:ext>
+            </a:extLst>
+          </p:cNvPr>
+          <p:cNvPicPr>
+            <a:picLocks noChangeAspect="1" noChangeArrowheads="1"/>
+          </p:cNvPicPr>
+          <p:nvPr/>
+        </p:nvPicPr>
+        <p:blipFill>
+          <a:blip r:embed="rId3">
+            <a:extLst>
+              <a:ext uri="{28A0092B-C50C-407E-A947-70E740481C1C}">
+                <a14:useLocalDpi xmlns:a14="http://schemas.microsoft.com/office/drawing/2010/main" val="0"/>
+              </a:ext>
+            </a:extLst>
+          </a:blip>
+          <a:srcRect/>
+          <a:stretch>
+            <a:fillRect/>
+          </a:stretch>
+        </p:blipFill>
+        <p:spPr bwMode="auto">
+          <a:xfrm>
+            <a:off x="119922" y="6346096"/>
+            <a:ext cx="683614" cy="445109"/>
+          </a:xfrm>
+          <a:prstGeom prst="rect">
+            <a:avLst/>
+          </a:prstGeom>
+          <a:noFill/>
+          <a:extLst>
+            <a:ext uri="{909E8E84-426E-40DD-AFC4-6F175D3DCCD1}">
+              <a14:hiddenFill xmlns:a14="http://schemas.microsoft.com/office/drawing/2010/main">
+                <a:solidFill>
+                  <a:srgbClr val="FFFFFF"/>
+                </a:solidFill>
+              </a14:hiddenFill>
+            </a:ext>
+          </a:extLst>
+        </p:spPr>
+      </p:pic>
+      <p:pic>
+        <p:nvPicPr>
+          <p:cNvPr id="3" name="Picture 4">
+            <a:extLst>
+              <a:ext uri="{FF2B5EF4-FFF2-40B4-BE49-F238E27FC236}">
+                <a16:creationId xmlns:a16="http://schemas.microsoft.com/office/drawing/2014/main" id="{C9663204-9A6C-C5D7-7C9B-AAF5653911D6}"/>
+              </a:ext>
+            </a:extLst>
+          </p:cNvPr>
+          <p:cNvPicPr>
+            <a:picLocks noChangeAspect="1" noChangeArrowheads="1"/>
+          </p:cNvPicPr>
+          <p:nvPr/>
+        </p:nvPicPr>
+        <p:blipFill>
+          <a:blip r:embed="rId4">
+            <a:extLst>
+              <a:ext uri="{28A0092B-C50C-407E-A947-70E740481C1C}">
+                <a14:useLocalDpi xmlns:a14="http://schemas.microsoft.com/office/drawing/2010/main" val="0"/>
+              </a:ext>
+            </a:extLst>
+          </a:blip>
+          <a:srcRect/>
+          <a:stretch>
+            <a:fillRect/>
+          </a:stretch>
+        </p:blipFill>
+        <p:spPr bwMode="auto">
+          <a:xfrm>
+            <a:off x="10802599" y="6212508"/>
+            <a:ext cx="1329440" cy="578697"/>
+          </a:xfrm>
+          <a:prstGeom prst="rect">
+            <a:avLst/>
+          </a:prstGeom>
+          <a:noFill/>
+          <a:extLst>
+            <a:ext uri="{909E8E84-426E-40DD-AFC4-6F175D3DCCD1}">
+              <a14:hiddenFill xmlns:a14="http://schemas.microsoft.com/office/drawing/2010/main">
+                <a:solidFill>
+                  <a:srgbClr val="FFFFFF"/>
+                </a:solidFill>
+              </a14:hiddenFill>
+            </a:ext>
+          </a:extLst>
+        </p:spPr>
+      </p:pic>
+      <p:sp>
+        <p:nvSpPr>
+          <p:cNvPr id="5" name="CaixaDeTexto 4">
+            <a:extLst>
+              <a:ext uri="{FF2B5EF4-FFF2-40B4-BE49-F238E27FC236}">
+                <a16:creationId xmlns:a16="http://schemas.microsoft.com/office/drawing/2014/main" id="{462A550A-2F15-4636-BB02-A7AFDEC69830}"/>
+              </a:ext>
+            </a:extLst>
+          </p:cNvPr>
+          <p:cNvSpPr txBox="1"/>
+          <p:nvPr/>
+        </p:nvSpPr>
+        <p:spPr>
+          <a:xfrm>
+            <a:off x="2312637" y="6528936"/>
+            <a:ext cx="6605353" cy="276999"/>
+          </a:xfrm>
+          <a:prstGeom prst="rect">
+            <a:avLst/>
+          </a:prstGeom>
+          <a:noFill/>
+        </p:spPr>
+        <p:txBody>
+          <a:bodyPr wrap="square" rtlCol="0">
+            <a:spAutoFit/>
+          </a:bodyPr>
+          <a:lstStyle/>
+          <a:p>
+            <a:pPr algn="ctr"/>
+            <a:r>
+              <a:rPr lang="pt-BR" sz="1100" i="1" dirty="0"/>
+              <a:t>Retirado de https://bendeivide.</a:t>
+            </a:r>
+            <a:r>
+              <a:rPr lang="pt-BR" sz="1200" i="1" dirty="0"/>
+              <a:t>github</a:t>
+            </a:r>
+            <a:r>
+              <a:rPr lang="pt-BR" sz="1100" i="1" dirty="0"/>
+              <a:t>.io/book-estbasica/</a:t>
+            </a:r>
+          </a:p>
+        </p:txBody>
+      </p:sp>
+    </p:spTree>
+    <p:extLst>
+      <p:ext uri="{BB962C8B-B14F-4D97-AF65-F5344CB8AC3E}">
+        <p14:creationId xmlns:p14="http://schemas.microsoft.com/office/powerpoint/2010/main" val="2980355205"/>
+      </p:ext>
+    </p:extLst>
+  </p:cSld>
+  <p:clrMapOvr>
+    <a:masterClrMapping/>
+  </p:clrMapOvr>
+  <mc:AlternateContent xmlns:mc="http://schemas.openxmlformats.org/markup-compatibility/2006" xmlns:p159="http://schemas.microsoft.com/office/powerpoint/2015/09/main">
+    <mc:Choice Requires="p159">
+      <p:transition xmlns:p14="http://schemas.microsoft.com/office/powerpoint/2010/main" spd="slow" p14:dur="1250">
+        <p159:morph option="byObject"/>
+      </p:transition>
+    </mc:Choice>
+    <mc:Fallback xmlns="">
+      <p:transition spd="slow">
+        <p:fade/>
+      </p:transition>
+    </mc:Fallback>
+  </mc:AlternateContent>
+</p:sld>
+</file>
+
+<file path=ppt/slides/slide12.xml><?xml version="1.0" encoding="utf-8"?>
+<p:sld xmlns:a="http://schemas.openxmlformats.org/drawingml/2006/main" xmlns:r="http://schemas.openxmlformats.org/officeDocument/2006/relationships" xmlns:p="http://schemas.openxmlformats.org/presentationml/2006/main">
+  <p:cSld>
+    <p:spTree>
+      <p:nvGrpSpPr>
+        <p:cNvPr id="1" name=""/>
+        <p:cNvGrpSpPr/>
+        <p:nvPr/>
+      </p:nvGrpSpPr>
+      <p:grpSpPr>
+        <a:xfrm>
+          <a:off x="0" y="0"/>
+          <a:ext cx="0" cy="0"/>
+          <a:chOff x="0" y="0"/>
+          <a:chExt cx="0" cy="0"/>
+        </a:xfrm>
+      </p:grpSpPr>
+      <p:cxnSp>
+        <p:nvCxnSpPr>
+          <p:cNvPr id="7" name="Conector reto 6">
+            <a:extLst>
+              <a:ext uri="{FF2B5EF4-FFF2-40B4-BE49-F238E27FC236}">
+                <a16:creationId xmlns:a16="http://schemas.microsoft.com/office/drawing/2014/main" id="{280B8309-4572-4E27-8B6F-D29679313292}"/>
+              </a:ext>
+            </a:extLst>
+          </p:cNvPr>
+          <p:cNvCxnSpPr>
+            <a:cxnSpLocks/>
+          </p:cNvCxnSpPr>
+          <p:nvPr/>
+        </p:nvCxnSpPr>
+        <p:spPr>
+          <a:xfrm>
+            <a:off x="-112541" y="970671"/>
+            <a:ext cx="8328073" cy="0"/>
+          </a:xfrm>
+          <a:prstGeom prst="line">
+            <a:avLst/>
+          </a:prstGeom>
+          <a:ln w="38100"/>
+        </p:spPr>
+        <p:style>
+          <a:lnRef idx="1">
+            <a:schemeClr val="accent1"/>
+          </a:lnRef>
+          <a:fillRef idx="0">
+            <a:schemeClr val="accent1"/>
+          </a:fillRef>
+          <a:effectRef idx="0">
+            <a:schemeClr val="accent1"/>
+          </a:effectRef>
+          <a:fontRef idx="minor">
+            <a:schemeClr val="tx1"/>
+          </a:fontRef>
+        </p:style>
+      </p:cxnSp>
+      <p:sp>
+        <p:nvSpPr>
+          <p:cNvPr id="8" name="CaixaDeTexto 7">
+            <a:extLst>
+              <a:ext uri="{FF2B5EF4-FFF2-40B4-BE49-F238E27FC236}">
+                <a16:creationId xmlns:a16="http://schemas.microsoft.com/office/drawing/2014/main" id="{39AE06C5-34BE-4D68-97C3-4C07702C2DF6}"/>
+              </a:ext>
+            </a:extLst>
+          </p:cNvPr>
+          <p:cNvSpPr txBox="1"/>
+          <p:nvPr/>
+        </p:nvSpPr>
+        <p:spPr>
+          <a:xfrm>
+            <a:off x="759189" y="199888"/>
+            <a:ext cx="10043410" cy="646331"/>
+          </a:xfrm>
+          <a:prstGeom prst="rect">
+            <a:avLst/>
+          </a:prstGeom>
+          <a:noFill/>
+        </p:spPr>
+        <p:txBody>
+          <a:bodyPr wrap="square" rtlCol="0">
+            <a:spAutoFit/>
+          </a:bodyPr>
+          <a:lstStyle/>
+          <a:p>
+            <a:r>
+              <a:rPr lang="pt-BR" sz="3600" b="1" dirty="0">
+                <a:solidFill>
+                  <a:srgbClr val="002060"/>
+                </a:solidFill>
+                <a:latin typeface="Cambria" panose="02040503050406030204" pitchFamily="18" charset="0"/>
+                <a:ea typeface="Cambria" panose="02040503050406030204" pitchFamily="18" charset="0"/>
+              </a:rPr>
+              <a:t>Noções de Probabilidade</a:t>
+            </a:r>
+          </a:p>
+        </p:txBody>
+      </p:sp>
+      <p:pic>
+        <p:nvPicPr>
+          <p:cNvPr id="2" name="Picture 2" descr="UFRGS na Serra | Visão de futuro e coragem para inovar">
+            <a:extLst>
+              <a:ext uri="{FF2B5EF4-FFF2-40B4-BE49-F238E27FC236}">
+                <a16:creationId xmlns:a16="http://schemas.microsoft.com/office/drawing/2014/main" id="{567C8E3D-C535-EC50-849C-270CEB4B8A04}"/>
+              </a:ext>
+            </a:extLst>
+          </p:cNvPr>
+          <p:cNvPicPr>
+            <a:picLocks noChangeAspect="1" noChangeArrowheads="1"/>
+          </p:cNvPicPr>
+          <p:nvPr/>
+        </p:nvPicPr>
+        <p:blipFill>
+          <a:blip r:embed="rId3">
+            <a:extLst>
+              <a:ext uri="{28A0092B-C50C-407E-A947-70E740481C1C}">
+                <a14:useLocalDpi xmlns:a14="http://schemas.microsoft.com/office/drawing/2010/main" val="0"/>
+              </a:ext>
+            </a:extLst>
+          </a:blip>
+          <a:srcRect/>
+          <a:stretch>
+            <a:fillRect/>
+          </a:stretch>
+        </p:blipFill>
+        <p:spPr bwMode="auto">
+          <a:xfrm>
+            <a:off x="119922" y="6346096"/>
+            <a:ext cx="683614" cy="445109"/>
+          </a:xfrm>
+          <a:prstGeom prst="rect">
+            <a:avLst/>
+          </a:prstGeom>
+          <a:noFill/>
+          <a:extLst>
+            <a:ext uri="{909E8E84-426E-40DD-AFC4-6F175D3DCCD1}">
+              <a14:hiddenFill xmlns:a14="http://schemas.microsoft.com/office/drawing/2010/main">
+                <a:solidFill>
+                  <a:srgbClr val="FFFFFF"/>
+                </a:solidFill>
+              </a14:hiddenFill>
+            </a:ext>
+          </a:extLst>
+        </p:spPr>
+      </p:pic>
+      <p:pic>
+        <p:nvPicPr>
+          <p:cNvPr id="3" name="Picture 4">
+            <a:extLst>
+              <a:ext uri="{FF2B5EF4-FFF2-40B4-BE49-F238E27FC236}">
+                <a16:creationId xmlns:a16="http://schemas.microsoft.com/office/drawing/2014/main" id="{C9663204-9A6C-C5D7-7C9B-AAF5653911D6}"/>
+              </a:ext>
+            </a:extLst>
+          </p:cNvPr>
+          <p:cNvPicPr>
+            <a:picLocks noChangeAspect="1" noChangeArrowheads="1"/>
+          </p:cNvPicPr>
+          <p:nvPr/>
+        </p:nvPicPr>
+        <p:blipFill>
+          <a:blip r:embed="rId4">
+            <a:extLst>
+              <a:ext uri="{28A0092B-C50C-407E-A947-70E740481C1C}">
+                <a14:useLocalDpi xmlns:a14="http://schemas.microsoft.com/office/drawing/2010/main" val="0"/>
+              </a:ext>
+            </a:extLst>
+          </a:blip>
+          <a:srcRect/>
+          <a:stretch>
+            <a:fillRect/>
+          </a:stretch>
+        </p:blipFill>
+        <p:spPr bwMode="auto">
+          <a:xfrm>
+            <a:off x="10802599" y="6212508"/>
+            <a:ext cx="1329440" cy="578697"/>
+          </a:xfrm>
+          <a:prstGeom prst="rect">
+            <a:avLst/>
+          </a:prstGeom>
+          <a:noFill/>
+          <a:extLst>
+            <a:ext uri="{909E8E84-426E-40DD-AFC4-6F175D3DCCD1}">
+              <a14:hiddenFill xmlns:a14="http://schemas.microsoft.com/office/drawing/2010/main">
+                <a:solidFill>
+                  <a:srgbClr val="FFFFFF"/>
+                </a:solidFill>
+              </a14:hiddenFill>
+            </a:ext>
+          </a:extLst>
+        </p:spPr>
+      </p:pic>
+      <p:sp>
+        <p:nvSpPr>
+          <p:cNvPr id="5" name="CaixaDeTexto 4">
+            <a:extLst>
+              <a:ext uri="{FF2B5EF4-FFF2-40B4-BE49-F238E27FC236}">
+                <a16:creationId xmlns:a16="http://schemas.microsoft.com/office/drawing/2014/main" id="{462A550A-2F15-4636-BB02-A7AFDEC69830}"/>
+              </a:ext>
+            </a:extLst>
+          </p:cNvPr>
+          <p:cNvSpPr txBox="1"/>
+          <p:nvPr/>
+        </p:nvSpPr>
+        <p:spPr>
+          <a:xfrm>
+            <a:off x="2312637" y="6528936"/>
+            <a:ext cx="6605353" cy="276999"/>
+          </a:xfrm>
+          <a:prstGeom prst="rect">
+            <a:avLst/>
+          </a:prstGeom>
+          <a:noFill/>
+        </p:spPr>
+        <p:txBody>
+          <a:bodyPr wrap="square" rtlCol="0">
+            <a:spAutoFit/>
+          </a:bodyPr>
+          <a:lstStyle/>
+          <a:p>
+            <a:pPr algn="ctr"/>
+            <a:r>
+              <a:rPr lang="pt-BR" sz="1100" i="1" dirty="0"/>
+              <a:t>Retirado de https://bendeivide.</a:t>
+            </a:r>
+            <a:r>
+              <a:rPr lang="pt-BR" sz="1200" i="1" dirty="0"/>
+              <a:t>github</a:t>
+            </a:r>
+            <a:r>
+              <a:rPr lang="pt-BR" sz="1100" i="1" dirty="0"/>
+              <a:t>.io/book-estbasica/</a:t>
+            </a:r>
+          </a:p>
+        </p:txBody>
+      </p:sp>
+    </p:spTree>
+    <p:extLst>
+      <p:ext uri="{BB962C8B-B14F-4D97-AF65-F5344CB8AC3E}">
+        <p14:creationId xmlns:p14="http://schemas.microsoft.com/office/powerpoint/2010/main" val="2071912024"/>
+      </p:ext>
+    </p:extLst>
+  </p:cSld>
+  <p:clrMapOvr>
+    <a:masterClrMapping/>
+  </p:clrMapOvr>
+  <mc:AlternateContent xmlns:mc="http://schemas.openxmlformats.org/markup-compatibility/2006" xmlns:p159="http://schemas.microsoft.com/office/powerpoint/2015/09/main">
+    <mc:Choice Requires="p159">
+      <p:transition xmlns:p14="http://schemas.microsoft.com/office/powerpoint/2010/main" spd="slow" p14:dur="1250">
+        <p159:morph option="byObject"/>
+      </p:transition>
+    </mc:Choice>
+    <mc:Fallback xmlns="">
+      <p:transition spd="slow">
+        <p:fade/>
+      </p:transition>
+    </mc:Fallback>
+  </mc:AlternateContent>
+</p:sld>
+</file>
+
+<file path=ppt/slides/slide13.xml><?xml version="1.0" encoding="utf-8"?>
+<p:sld xmlns:a="http://schemas.openxmlformats.org/drawingml/2006/main" xmlns:r="http://schemas.openxmlformats.org/officeDocument/2006/relationships" xmlns:p="http://schemas.openxmlformats.org/presentationml/2006/main">
+  <p:cSld>
+    <p:spTree>
+      <p:nvGrpSpPr>
+        <p:cNvPr id="1" name=""/>
+        <p:cNvGrpSpPr/>
+        <p:nvPr/>
+      </p:nvGrpSpPr>
+      <p:grpSpPr>
+        <a:xfrm>
+          <a:off x="0" y="0"/>
+          <a:ext cx="0" cy="0"/>
+          <a:chOff x="0" y="0"/>
+          <a:chExt cx="0" cy="0"/>
+        </a:xfrm>
+      </p:grpSpPr>
+      <p:cxnSp>
+        <p:nvCxnSpPr>
+          <p:cNvPr id="7" name="Conector reto 6">
+            <a:extLst>
+              <a:ext uri="{FF2B5EF4-FFF2-40B4-BE49-F238E27FC236}">
+                <a16:creationId xmlns:a16="http://schemas.microsoft.com/office/drawing/2014/main" id="{280B8309-4572-4E27-8B6F-D29679313292}"/>
+              </a:ext>
+            </a:extLst>
+          </p:cNvPr>
+          <p:cNvCxnSpPr>
+            <a:cxnSpLocks/>
+          </p:cNvCxnSpPr>
+          <p:nvPr/>
+        </p:nvCxnSpPr>
+        <p:spPr>
+          <a:xfrm>
+            <a:off x="-112541" y="970671"/>
+            <a:ext cx="8328073" cy="0"/>
+          </a:xfrm>
+          <a:prstGeom prst="line">
+            <a:avLst/>
+          </a:prstGeom>
+          <a:ln w="38100"/>
+        </p:spPr>
+        <p:style>
+          <a:lnRef idx="1">
+            <a:schemeClr val="accent1"/>
+          </a:lnRef>
+          <a:fillRef idx="0">
+            <a:schemeClr val="accent1"/>
+          </a:fillRef>
+          <a:effectRef idx="0">
+            <a:schemeClr val="accent1"/>
+          </a:effectRef>
+          <a:fontRef idx="minor">
+            <a:schemeClr val="tx1"/>
+          </a:fontRef>
+        </p:style>
+      </p:cxnSp>
+      <p:sp>
+        <p:nvSpPr>
+          <p:cNvPr id="8" name="CaixaDeTexto 7">
+            <a:extLst>
+              <a:ext uri="{FF2B5EF4-FFF2-40B4-BE49-F238E27FC236}">
+                <a16:creationId xmlns:a16="http://schemas.microsoft.com/office/drawing/2014/main" id="{39AE06C5-34BE-4D68-97C3-4C07702C2DF6}"/>
+              </a:ext>
+            </a:extLst>
+          </p:cNvPr>
+          <p:cNvSpPr txBox="1"/>
+          <p:nvPr/>
+        </p:nvSpPr>
+        <p:spPr>
+          <a:xfrm>
+            <a:off x="759189" y="199888"/>
+            <a:ext cx="10043410" cy="646331"/>
+          </a:xfrm>
+          <a:prstGeom prst="rect">
+            <a:avLst/>
+          </a:prstGeom>
+          <a:noFill/>
+        </p:spPr>
+        <p:txBody>
+          <a:bodyPr wrap="square" rtlCol="0">
+            <a:spAutoFit/>
+          </a:bodyPr>
+          <a:lstStyle/>
+          <a:p>
+            <a:r>
+              <a:rPr lang="pt-BR" sz="3600" b="1" dirty="0">
+                <a:solidFill>
+                  <a:srgbClr val="002060"/>
+                </a:solidFill>
+                <a:latin typeface="Cambria" panose="02040503050406030204" pitchFamily="18" charset="0"/>
+                <a:ea typeface="Cambria" panose="02040503050406030204" pitchFamily="18" charset="0"/>
+              </a:rPr>
+              <a:t>Noções de Probabilidade</a:t>
+            </a:r>
+          </a:p>
+        </p:txBody>
+      </p:sp>
+      <p:pic>
+        <p:nvPicPr>
+          <p:cNvPr id="2" name="Picture 2" descr="UFRGS na Serra | Visão de futuro e coragem para inovar">
+            <a:extLst>
+              <a:ext uri="{FF2B5EF4-FFF2-40B4-BE49-F238E27FC236}">
+                <a16:creationId xmlns:a16="http://schemas.microsoft.com/office/drawing/2014/main" id="{567C8E3D-C535-EC50-849C-270CEB4B8A04}"/>
+              </a:ext>
+            </a:extLst>
+          </p:cNvPr>
+          <p:cNvPicPr>
+            <a:picLocks noChangeAspect="1" noChangeArrowheads="1"/>
+          </p:cNvPicPr>
+          <p:nvPr/>
+        </p:nvPicPr>
+        <p:blipFill>
+          <a:blip r:embed="rId3">
+            <a:extLst>
+              <a:ext uri="{28A0092B-C50C-407E-A947-70E740481C1C}">
+                <a14:useLocalDpi xmlns:a14="http://schemas.microsoft.com/office/drawing/2010/main" val="0"/>
+              </a:ext>
+            </a:extLst>
+          </a:blip>
+          <a:srcRect/>
+          <a:stretch>
+            <a:fillRect/>
+          </a:stretch>
+        </p:blipFill>
+        <p:spPr bwMode="auto">
+          <a:xfrm>
+            <a:off x="119922" y="6346096"/>
+            <a:ext cx="683614" cy="445109"/>
+          </a:xfrm>
+          <a:prstGeom prst="rect">
+            <a:avLst/>
+          </a:prstGeom>
+          <a:noFill/>
+          <a:extLst>
+            <a:ext uri="{909E8E84-426E-40DD-AFC4-6F175D3DCCD1}">
+              <a14:hiddenFill xmlns:a14="http://schemas.microsoft.com/office/drawing/2010/main">
+                <a:solidFill>
+                  <a:srgbClr val="FFFFFF"/>
+                </a:solidFill>
+              </a14:hiddenFill>
+            </a:ext>
+          </a:extLst>
+        </p:spPr>
+      </p:pic>
+      <p:pic>
+        <p:nvPicPr>
+          <p:cNvPr id="3" name="Picture 4">
+            <a:extLst>
+              <a:ext uri="{FF2B5EF4-FFF2-40B4-BE49-F238E27FC236}">
+                <a16:creationId xmlns:a16="http://schemas.microsoft.com/office/drawing/2014/main" id="{C9663204-9A6C-C5D7-7C9B-AAF5653911D6}"/>
+              </a:ext>
+            </a:extLst>
+          </p:cNvPr>
+          <p:cNvPicPr>
+            <a:picLocks noChangeAspect="1" noChangeArrowheads="1"/>
+          </p:cNvPicPr>
+          <p:nvPr/>
+        </p:nvPicPr>
+        <p:blipFill>
+          <a:blip r:embed="rId4">
+            <a:extLst>
+              <a:ext uri="{28A0092B-C50C-407E-A947-70E740481C1C}">
+                <a14:useLocalDpi xmlns:a14="http://schemas.microsoft.com/office/drawing/2010/main" val="0"/>
+              </a:ext>
+            </a:extLst>
+          </a:blip>
+          <a:srcRect/>
+          <a:stretch>
+            <a:fillRect/>
+          </a:stretch>
+        </p:blipFill>
+        <p:spPr bwMode="auto">
+          <a:xfrm>
+            <a:off x="10802599" y="6212508"/>
+            <a:ext cx="1329440" cy="578697"/>
+          </a:xfrm>
+          <a:prstGeom prst="rect">
+            <a:avLst/>
+          </a:prstGeom>
+          <a:noFill/>
+          <a:extLst>
+            <a:ext uri="{909E8E84-426E-40DD-AFC4-6F175D3DCCD1}">
+              <a14:hiddenFill xmlns:a14="http://schemas.microsoft.com/office/drawing/2010/main">
+                <a:solidFill>
+                  <a:srgbClr val="FFFFFF"/>
+                </a:solidFill>
+              </a14:hiddenFill>
+            </a:ext>
+          </a:extLst>
+        </p:spPr>
+      </p:pic>
+      <p:sp>
+        <p:nvSpPr>
+          <p:cNvPr id="5" name="CaixaDeTexto 4">
+            <a:extLst>
+              <a:ext uri="{FF2B5EF4-FFF2-40B4-BE49-F238E27FC236}">
+                <a16:creationId xmlns:a16="http://schemas.microsoft.com/office/drawing/2014/main" id="{462A550A-2F15-4636-BB02-A7AFDEC69830}"/>
+              </a:ext>
+            </a:extLst>
+          </p:cNvPr>
+          <p:cNvSpPr txBox="1"/>
+          <p:nvPr/>
+        </p:nvSpPr>
+        <p:spPr>
+          <a:xfrm>
+            <a:off x="2312637" y="6528936"/>
+            <a:ext cx="6605353" cy="276999"/>
+          </a:xfrm>
+          <a:prstGeom prst="rect">
+            <a:avLst/>
+          </a:prstGeom>
+          <a:noFill/>
+        </p:spPr>
+        <p:txBody>
+          <a:bodyPr wrap="square" rtlCol="0">
+            <a:spAutoFit/>
+          </a:bodyPr>
+          <a:lstStyle/>
+          <a:p>
+            <a:pPr algn="ctr"/>
+            <a:r>
+              <a:rPr lang="pt-BR" sz="1100" i="1" dirty="0"/>
+              <a:t>Retirado de https://bendeivide.</a:t>
+            </a:r>
+            <a:r>
+              <a:rPr lang="pt-BR" sz="1200" i="1" dirty="0"/>
+              <a:t>github</a:t>
+            </a:r>
+            <a:r>
+              <a:rPr lang="pt-BR" sz="1100" i="1" dirty="0"/>
+              <a:t>.io/book-estbasica/</a:t>
+            </a:r>
+          </a:p>
+        </p:txBody>
+      </p:sp>
+    </p:spTree>
+    <p:extLst>
+      <p:ext uri="{BB962C8B-B14F-4D97-AF65-F5344CB8AC3E}">
+        <p14:creationId xmlns:p14="http://schemas.microsoft.com/office/powerpoint/2010/main" val="3116196247"/>
+      </p:ext>
+    </p:extLst>
+  </p:cSld>
+  <p:clrMapOvr>
+    <a:masterClrMapping/>
+  </p:clrMapOvr>
+  <mc:AlternateContent xmlns:mc="http://schemas.openxmlformats.org/markup-compatibility/2006" xmlns:p159="http://schemas.microsoft.com/office/powerpoint/2015/09/main">
+    <mc:Choice Requires="p159">
+      <p:transition xmlns:p14="http://schemas.microsoft.com/office/powerpoint/2010/main" spd="slow" p14:dur="1250">
+        <p159:morph option="byObject"/>
+      </p:transition>
+    </mc:Choice>
+    <mc:Fallback xmlns="">
+      <p:transition spd="slow">
+        <p:fade/>
+      </p:transition>
+    </mc:Fallback>
+  </mc:AlternateContent>
+</p:sld>
+</file>
+
+<file path=ppt/slides/slide2.xml><?xml version="1.0" encoding="utf-8"?>
+<p:sld xmlns:a="http://schemas.openxmlformats.org/drawingml/2006/main" xmlns:r="http://schemas.openxmlformats.org/officeDocument/2006/relationships" xmlns:p="http://schemas.openxmlformats.org/presentationml/2006/main">
+  <p:cSld>
+    <p:bg>
+      <p:bgPr>
+        <a:solidFill>
+          <a:schemeClr val="bg1"/>
+        </a:solidFill>
+        <a:effectLst/>
+      </p:bgPr>
+    </p:bg>
+    <p:spTree>
+      <p:nvGrpSpPr>
+        <p:cNvPr id="1" name=""/>
+        <p:cNvGrpSpPr/>
+        <p:nvPr/>
+      </p:nvGrpSpPr>
+      <p:grpSpPr>
+        <a:xfrm>
+          <a:off x="0" y="0"/>
+          <a:ext cx="0" cy="0"/>
+          <a:chOff x="0" y="0"/>
+          <a:chExt cx="0" cy="0"/>
+        </a:xfrm>
+      </p:grpSpPr>
+      <p:cxnSp>
+        <p:nvCxnSpPr>
+          <p:cNvPr id="7" name="Conector reto 6">
+            <a:extLst>
+              <a:ext uri="{FF2B5EF4-FFF2-40B4-BE49-F238E27FC236}">
+                <a16:creationId xmlns:a16="http://schemas.microsoft.com/office/drawing/2014/main" id="{280B8309-4572-4E27-8B6F-D29679313292}"/>
+              </a:ext>
+            </a:extLst>
+          </p:cNvPr>
+          <p:cNvCxnSpPr>
+            <a:cxnSpLocks/>
+          </p:cNvCxnSpPr>
+          <p:nvPr/>
+        </p:nvCxnSpPr>
+        <p:spPr>
+          <a:xfrm>
+            <a:off x="-112541" y="970671"/>
+            <a:ext cx="8328073" cy="0"/>
+          </a:xfrm>
+          <a:prstGeom prst="line">
+            <a:avLst/>
+          </a:prstGeom>
+          <a:ln w="38100"/>
+        </p:spPr>
+        <p:style>
+          <a:lnRef idx="1">
+            <a:schemeClr val="accent1"/>
+          </a:lnRef>
+          <a:fillRef idx="0">
+            <a:schemeClr val="accent1"/>
+          </a:fillRef>
+          <a:effectRef idx="0">
+            <a:schemeClr val="accent1"/>
+          </a:effectRef>
+          <a:fontRef idx="minor">
+            <a:schemeClr val="tx1"/>
+          </a:fontRef>
+        </p:style>
+      </p:cxnSp>
+      <p:sp>
+        <p:nvSpPr>
+          <p:cNvPr id="8" name="CaixaDeTexto 7">
+            <a:extLst>
+              <a:ext uri="{FF2B5EF4-FFF2-40B4-BE49-F238E27FC236}">
+                <a16:creationId xmlns:a16="http://schemas.microsoft.com/office/drawing/2014/main" id="{39AE06C5-34BE-4D68-97C3-4C07702C2DF6}"/>
+              </a:ext>
+            </a:extLst>
+          </p:cNvPr>
+          <p:cNvSpPr txBox="1"/>
+          <p:nvPr/>
+        </p:nvSpPr>
+        <p:spPr>
+          <a:xfrm>
+            <a:off x="1103819" y="140678"/>
+            <a:ext cx="4992181" cy="646331"/>
+          </a:xfrm>
+          <a:prstGeom prst="rect">
+            <a:avLst/>
+          </a:prstGeom>
+          <a:noFill/>
+        </p:spPr>
+        <p:txBody>
+          <a:bodyPr wrap="square" rtlCol="0">
+            <a:spAutoFit/>
+          </a:bodyPr>
+          <a:lstStyle/>
+          <a:p>
+            <a:r>
+              <a:rPr lang="pt-BR" sz="3600" b="1" dirty="0">
+                <a:solidFill>
+                  <a:srgbClr val="002060"/>
+                </a:solidFill>
+                <a:latin typeface="Cambria" panose="02040503050406030204" pitchFamily="18" charset="0"/>
+                <a:ea typeface="Cambria" panose="02040503050406030204" pitchFamily="18" charset="0"/>
+              </a:rPr>
+              <a:t>Cronograma</a:t>
+            </a:r>
+          </a:p>
+        </p:txBody>
+      </p:sp>
+      <p:sp>
+        <p:nvSpPr>
+          <p:cNvPr id="14" name="CaixaDeTexto 13">
+            <a:extLst>
+              <a:ext uri="{FF2B5EF4-FFF2-40B4-BE49-F238E27FC236}">
+                <a16:creationId xmlns:a16="http://schemas.microsoft.com/office/drawing/2014/main" id="{427DBFEB-81BF-4CC3-A411-FBF43D295C56}"/>
+              </a:ext>
+            </a:extLst>
+          </p:cNvPr>
+          <p:cNvSpPr txBox="1"/>
+          <p:nvPr/>
+        </p:nvSpPr>
+        <p:spPr>
+          <a:xfrm>
+            <a:off x="940904" y="1154334"/>
+            <a:ext cx="10310191" cy="3990003"/>
+          </a:xfrm>
+          <a:prstGeom prst="rect">
+            <a:avLst/>
+          </a:prstGeom>
+          <a:noFill/>
+        </p:spPr>
+        <p:txBody>
+          <a:bodyPr wrap="square" rtlCol="0">
+            <a:spAutoFit/>
+          </a:bodyPr>
+          <a:lstStyle/>
+          <a:p>
+            <a:pPr marL="285750" indent="-285750">
+              <a:lnSpc>
+                <a:spcPct val="150000"/>
+              </a:lnSpc>
+              <a:spcAft>
+                <a:spcPts val="110"/>
+              </a:spcAft>
+              <a:buFont typeface="Wingdings" panose="05000000000000000000" pitchFamily="2" charset="2"/>
+              <a:buChar char="Ø"/>
+            </a:pPr>
+            <a:r>
+              <a:rPr lang="pt-BR" sz="2400" b="1" dirty="0"/>
+              <a:t>Noções de probabilidade. </a:t>
+            </a:r>
+          </a:p>
+          <a:p>
+            <a:pPr marL="285750" indent="-285750">
+              <a:lnSpc>
+                <a:spcPct val="150000"/>
+              </a:lnSpc>
+              <a:spcAft>
+                <a:spcPts val="110"/>
+              </a:spcAft>
+              <a:buFont typeface="Wingdings" panose="05000000000000000000" pitchFamily="2" charset="2"/>
+              <a:buChar char="Ø"/>
+            </a:pPr>
+            <a:r>
+              <a:rPr lang="pt-BR" sz="2400" b="1" dirty="0"/>
+              <a:t>Axiomas.</a:t>
+            </a:r>
+          </a:p>
+          <a:p>
+            <a:pPr marL="285750" indent="-285750">
+              <a:lnSpc>
+                <a:spcPct val="150000"/>
+              </a:lnSpc>
+              <a:spcAft>
+                <a:spcPts val="110"/>
+              </a:spcAft>
+              <a:buFont typeface="Wingdings" panose="05000000000000000000" pitchFamily="2" charset="2"/>
+              <a:buChar char="Ø"/>
+            </a:pPr>
+            <a:r>
+              <a:rPr lang="pt-BR" sz="2400" b="1" dirty="0"/>
+              <a:t>Probabilidade condicional.</a:t>
+            </a:r>
+          </a:p>
+          <a:p>
+            <a:pPr marL="285750" indent="-285750">
+              <a:lnSpc>
+                <a:spcPct val="150000"/>
+              </a:lnSpc>
+              <a:spcAft>
+                <a:spcPts val="110"/>
+              </a:spcAft>
+              <a:buFont typeface="Wingdings" panose="05000000000000000000" pitchFamily="2" charset="2"/>
+              <a:buChar char="Ø"/>
+            </a:pPr>
+            <a:r>
+              <a:rPr lang="pt-BR" sz="2400" b="1" dirty="0"/>
+              <a:t>Aplicação da probabilidade condicional.</a:t>
+            </a:r>
+          </a:p>
+          <a:p>
+            <a:pPr marL="285750" indent="-285750">
+              <a:lnSpc>
+                <a:spcPct val="150000"/>
+              </a:lnSpc>
+              <a:spcAft>
+                <a:spcPts val="110"/>
+              </a:spcAft>
+              <a:buFont typeface="Wingdings" panose="05000000000000000000" pitchFamily="2" charset="2"/>
+              <a:buChar char="Ø"/>
+            </a:pPr>
+            <a:r>
+              <a:rPr lang="pt-BR" sz="2400" b="1" dirty="0"/>
+              <a:t>Eventos independentes.</a:t>
+            </a:r>
+          </a:p>
+          <a:p>
+            <a:pPr marL="285750" indent="-285750">
+              <a:lnSpc>
+                <a:spcPct val="150000"/>
+              </a:lnSpc>
+              <a:spcAft>
+                <a:spcPts val="110"/>
+              </a:spcAft>
+              <a:buFont typeface="Wingdings" panose="05000000000000000000" pitchFamily="2" charset="2"/>
+              <a:buChar char="Ø"/>
+            </a:pPr>
+            <a:r>
+              <a:rPr lang="pt-BR" sz="2400" b="1" dirty="0"/>
+              <a:t>Distribuição normal.</a:t>
+            </a:r>
+          </a:p>
+          <a:p>
+            <a:pPr marL="285750" indent="-285750">
+              <a:lnSpc>
+                <a:spcPct val="150000"/>
+              </a:lnSpc>
+              <a:spcAft>
+                <a:spcPts val="110"/>
+              </a:spcAft>
+              <a:buFont typeface="Wingdings" panose="05000000000000000000" pitchFamily="2" charset="2"/>
+              <a:buChar char="Ø"/>
+            </a:pPr>
+            <a:r>
+              <a:rPr lang="pt-BR" sz="2400" b="1" dirty="0"/>
+              <a:t>Aplicações da distribuição normal.</a:t>
+            </a:r>
+          </a:p>
+        </p:txBody>
+      </p:sp>
+      <p:pic>
+        <p:nvPicPr>
+          <p:cNvPr id="2" name="Picture 2" descr="UFRGS na Serra | Visão de futuro e coragem para inovar">
+            <a:extLst>
+              <a:ext uri="{FF2B5EF4-FFF2-40B4-BE49-F238E27FC236}">
+                <a16:creationId xmlns:a16="http://schemas.microsoft.com/office/drawing/2014/main" id="{567C8E3D-C535-EC50-849C-270CEB4B8A04}"/>
+              </a:ext>
+            </a:extLst>
+          </p:cNvPr>
+          <p:cNvPicPr>
+            <a:picLocks noChangeAspect="1" noChangeArrowheads="1"/>
+          </p:cNvPicPr>
+          <p:nvPr/>
+        </p:nvPicPr>
+        <p:blipFill>
+          <a:blip r:embed="rId3">
+            <a:extLst>
+              <a:ext uri="{28A0092B-C50C-407E-A947-70E740481C1C}">
+                <a14:useLocalDpi xmlns:a14="http://schemas.microsoft.com/office/drawing/2010/main" val="0"/>
+              </a:ext>
+            </a:extLst>
+          </a:blip>
+          <a:srcRect/>
+          <a:stretch>
+            <a:fillRect/>
+          </a:stretch>
+        </p:blipFill>
+        <p:spPr bwMode="auto">
+          <a:xfrm>
+            <a:off x="119922" y="6346096"/>
+            <a:ext cx="683614" cy="445109"/>
+          </a:xfrm>
+          <a:prstGeom prst="rect">
+            <a:avLst/>
+          </a:prstGeom>
+          <a:noFill/>
+          <a:extLst>
+            <a:ext uri="{909E8E84-426E-40DD-AFC4-6F175D3DCCD1}">
+              <a14:hiddenFill xmlns:a14="http://schemas.microsoft.com/office/drawing/2010/main">
+                <a:solidFill>
+                  <a:srgbClr val="FFFFFF"/>
+                </a:solidFill>
+              </a14:hiddenFill>
+            </a:ext>
+          </a:extLst>
+        </p:spPr>
+      </p:pic>
+      <p:pic>
+        <p:nvPicPr>
+          <p:cNvPr id="3" name="Picture 4">
+            <a:extLst>
+              <a:ext uri="{FF2B5EF4-FFF2-40B4-BE49-F238E27FC236}">
+                <a16:creationId xmlns:a16="http://schemas.microsoft.com/office/drawing/2014/main" id="{C9663204-9A6C-C5D7-7C9B-AAF5653911D6}"/>
+              </a:ext>
+            </a:extLst>
+          </p:cNvPr>
+          <p:cNvPicPr>
+            <a:picLocks noChangeAspect="1" noChangeArrowheads="1"/>
+          </p:cNvPicPr>
+          <p:nvPr/>
+        </p:nvPicPr>
+        <p:blipFill>
+          <a:blip r:embed="rId4">
+            <a:extLst>
+              <a:ext uri="{28A0092B-C50C-407E-A947-70E740481C1C}">
+                <a14:useLocalDpi xmlns:a14="http://schemas.microsoft.com/office/drawing/2010/main" val="0"/>
+              </a:ext>
+            </a:extLst>
+          </a:blip>
+          <a:srcRect/>
+          <a:stretch>
+            <a:fillRect/>
+          </a:stretch>
+        </p:blipFill>
+        <p:spPr bwMode="auto">
+          <a:xfrm>
+            <a:off x="10802599" y="6212508"/>
+            <a:ext cx="1329440" cy="578697"/>
+          </a:xfrm>
+          <a:prstGeom prst="rect">
+            <a:avLst/>
+          </a:prstGeom>
+          <a:noFill/>
+          <a:extLst>
+            <a:ext uri="{909E8E84-426E-40DD-AFC4-6F175D3DCCD1}">
+              <a14:hiddenFill xmlns:a14="http://schemas.microsoft.com/office/drawing/2010/main">
+                <a:solidFill>
+                  <a:srgbClr val="FFFFFF"/>
+                </a:solidFill>
+              </a14:hiddenFill>
+            </a:ext>
+          </a:extLst>
+        </p:spPr>
+      </p:pic>
+      <p:sp>
+        <p:nvSpPr>
+          <p:cNvPr id="4" name="CaixaDeTexto 3">
+            <a:extLst>
+              <a:ext uri="{FF2B5EF4-FFF2-40B4-BE49-F238E27FC236}">
+                <a16:creationId xmlns:a16="http://schemas.microsoft.com/office/drawing/2014/main" id="{87249BF7-3572-1EF7-C5D9-0169AD177983}"/>
+              </a:ext>
+            </a:extLst>
+          </p:cNvPr>
+          <p:cNvSpPr txBox="1"/>
+          <p:nvPr/>
+        </p:nvSpPr>
+        <p:spPr>
+          <a:xfrm>
+            <a:off x="940904" y="5475907"/>
+            <a:ext cx="10708430" cy="938719"/>
+          </a:xfrm>
+          <a:prstGeom prst="rect">
+            <a:avLst/>
+          </a:prstGeom>
+          <a:noFill/>
+        </p:spPr>
+        <p:txBody>
+          <a:bodyPr wrap="square" rtlCol="0">
+            <a:spAutoFit/>
+          </a:bodyPr>
+          <a:lstStyle/>
+          <a:p>
+            <a:r>
+              <a:rPr lang="pt-BR" sz="1100" dirty="0"/>
+              <a:t>Recomenda-se a leitura de </a:t>
+            </a:r>
+          </a:p>
+          <a:p>
+            <a:pPr marL="171450" indent="-171450">
+              <a:buFontTx/>
+              <a:buChar char="-"/>
+            </a:pPr>
+            <a:r>
+              <a:rPr lang="pt-BR" sz="1100" dirty="0">
+                <a:hlinkClick r:id="rId5"/>
+              </a:rPr>
+              <a:t>https://www.ufrgs.br/probabilidade-estatistica/slides/slides_1/1-6_Probabilidade_introducao%20e%20teoremas.pdf</a:t>
+            </a:r>
+            <a:endParaRPr lang="pt-BR" sz="1100" dirty="0"/>
+          </a:p>
+          <a:p>
+            <a:pPr marL="171450" indent="-171450">
+              <a:buFontTx/>
+              <a:buChar char="-"/>
+            </a:pPr>
+            <a:r>
+              <a:rPr lang="pt-BR" sz="1100" dirty="0">
+                <a:hlinkClick r:id="rId6"/>
+              </a:rPr>
+              <a:t>https://www.ufrgs.br/probabilidade-estatistica/slides/slides_1/1-7_Probabilidade_condicional%20e%20bayes.pdf</a:t>
+            </a:r>
+            <a:r>
+              <a:rPr lang="pt-BR" sz="1100" dirty="0"/>
+              <a:t> (exceto Teorema da Probabilidade Total e Teorema de </a:t>
+            </a:r>
+            <a:r>
+              <a:rPr lang="pt-BR" sz="1100" dirty="0" err="1"/>
+              <a:t>Bayes</a:t>
+            </a:r>
+            <a:r>
+              <a:rPr lang="pt-BR" sz="1100" dirty="0"/>
+              <a:t>)</a:t>
+            </a:r>
+          </a:p>
+          <a:p>
+            <a:pPr marL="171450" indent="-171450">
+              <a:buFontTx/>
+              <a:buChar char="-"/>
+            </a:pPr>
+            <a:r>
+              <a:rPr lang="pt-BR" sz="1100" dirty="0">
+                <a:hlinkClick r:id="rId7"/>
+              </a:rPr>
+              <a:t>https://www.ufrgs.br/probabilidade-estatistica/slides/slides_2/2-2_Var%20aleatorias%20continuas%20e%20distribuicoes.pdf</a:t>
+            </a:r>
+            <a:r>
+              <a:rPr lang="pt-BR" sz="1100" dirty="0"/>
+              <a:t> (somente Item 3: Distribuição Normal)</a:t>
+            </a:r>
+          </a:p>
+          <a:p>
+            <a:endParaRPr lang="pt-BR" sz="1100" dirty="0"/>
+          </a:p>
+        </p:txBody>
+      </p:sp>
     </p:spTree>
     <p:extLst>
       <p:ext uri="{BB962C8B-B14F-4D97-AF65-F5344CB8AC3E}">
@@ -5985,8 +8363,8 @@
         </p:nvSpPr>
         <p:spPr>
           <a:xfrm>
-            <a:off x="284813" y="140678"/>
-            <a:ext cx="11847226" cy="646331"/>
+            <a:off x="759189" y="199888"/>
+            <a:ext cx="10043410" cy="646331"/>
           </a:xfrm>
           <a:prstGeom prst="rect">
             <a:avLst/>
@@ -6007,7 +8385,7 @@
                 <a:latin typeface="Cambria" panose="02040503050406030204" pitchFamily="18" charset="0"/>
                 <a:ea typeface="Cambria" panose="02040503050406030204" pitchFamily="18" charset="0"/>
               </a:rPr>
-              <a:t>Estatística Descritiva - Medidas</a:t>
+              <a:t>Noções de Probabilidade</a:t>
             </a:r>
           </a:p>
         </p:txBody>
@@ -6026,8 +8404,8 @@
         </p:nvSpPr>
         <p:spPr>
           <a:xfrm>
-            <a:off x="1053330" y="3429000"/>
-            <a:ext cx="10310191" cy="506292"/>
+            <a:off x="940904" y="1824185"/>
+            <a:ext cx="10310191" cy="3410357"/>
           </a:xfrm>
           <a:prstGeom prst="rect">
             <a:avLst/>
@@ -6051,8 +8429,72 @@
               <a:buChar char="Ø"/>
             </a:pPr>
             <a:r>
-              <a:rPr lang="pt-BR" sz="2000" b="1" dirty="0"/>
-              <a:t>Para esta parte da matéria, recomenda-se acessar o material presente em ... </a:t>
+              <a:rPr lang="pt-BR" sz="2400" b="1" dirty="0"/>
+              <a:t>Probabilidade: mede o grau de incerteza associado a eventos aleatórios.</a:t>
+            </a:r>
+          </a:p>
+          <a:p>
+            <a:pPr marL="285750" indent="-285750">
+              <a:lnSpc>
+                <a:spcPct val="150000"/>
+              </a:lnSpc>
+              <a:spcAft>
+                <a:spcPts val="110"/>
+              </a:spcAft>
+              <a:buFont typeface="Wingdings" panose="05000000000000000000" pitchFamily="2" charset="2"/>
+              <a:buChar char="Ø"/>
+            </a:pPr>
+            <a:r>
+              <a:rPr lang="pt-BR" sz="2400" b="1" dirty="0"/>
+              <a:t>Experimento aleatório: resultado não é previsível com certeza.</a:t>
+            </a:r>
+          </a:p>
+          <a:p>
+            <a:pPr marL="285750" indent="-285750">
+              <a:lnSpc>
+                <a:spcPct val="150000"/>
+              </a:lnSpc>
+              <a:spcAft>
+                <a:spcPts val="110"/>
+              </a:spcAft>
+              <a:buFont typeface="Wingdings" panose="05000000000000000000" pitchFamily="2" charset="2"/>
+              <a:buChar char="Ø"/>
+            </a:pPr>
+            <a:r>
+              <a:rPr lang="pt-BR" sz="2400" b="1" dirty="0"/>
+              <a:t>Espaço amostral (Notação: Ω ou S): conjunto de todos os resultados possíveis.</a:t>
+            </a:r>
+          </a:p>
+          <a:p>
+            <a:pPr marL="285750" indent="-285750">
+              <a:lnSpc>
+                <a:spcPct val="150000"/>
+              </a:lnSpc>
+              <a:spcAft>
+                <a:spcPts val="110"/>
+              </a:spcAft>
+              <a:buFont typeface="Wingdings" panose="05000000000000000000" pitchFamily="2" charset="2"/>
+              <a:buChar char="Ø"/>
+            </a:pPr>
+            <a:r>
+              <a:rPr lang="pt-BR" sz="2400" b="1" dirty="0"/>
+              <a:t>Evento: subconjunto do espaço amostral (Usualmente denotado por letras como A, B, C, ...)</a:t>
+            </a:r>
+          </a:p>
+          <a:p>
+            <a:pPr marL="285750" indent="-285750">
+              <a:lnSpc>
+                <a:spcPct val="150000"/>
+              </a:lnSpc>
+              <a:spcAft>
+                <a:spcPts val="110"/>
+              </a:spcAft>
+              <a:buFont typeface="Wingdings" panose="05000000000000000000" pitchFamily="2" charset="2"/>
+              <a:buChar char="Ø"/>
+            </a:pPr>
+            <a:r>
+              <a:rPr lang="pt-BR" sz="2400" b="1" dirty="0"/>
+              <a:t>Exemplo: ocorrência de chuva em um dia de plantio.</a:t>
             </a:r>
           </a:p>
         </p:txBody>
@@ -6151,10 +8593,2423 @@
           </a:extLst>
         </p:spPr>
       </p:pic>
+      <p:pic>
+        <p:nvPicPr>
+          <p:cNvPr id="4" name="Picture 4" descr="Quando vai chover? Veja a previsão para o período de plantio da soja">
+            <a:extLst>
+              <a:ext uri="{FF2B5EF4-FFF2-40B4-BE49-F238E27FC236}">
+                <a16:creationId xmlns:a16="http://schemas.microsoft.com/office/drawing/2014/main" id="{2ECD04C3-CFAF-0324-68EB-D5C3DA0DE51F}"/>
+              </a:ext>
+            </a:extLst>
+          </p:cNvPr>
+          <p:cNvPicPr>
+            <a:picLocks noChangeAspect="1" noChangeArrowheads="1"/>
+          </p:cNvPicPr>
+          <p:nvPr/>
+        </p:nvPicPr>
+        <p:blipFill>
+          <a:blip r:embed="rId5">
+            <a:extLst>
+              <a:ext uri="{28A0092B-C50C-407E-A947-70E740481C1C}">
+                <a14:useLocalDpi xmlns:a14="http://schemas.microsoft.com/office/drawing/2010/main" val="0"/>
+              </a:ext>
+            </a:extLst>
+          </a:blip>
+          <a:srcRect/>
+          <a:stretch>
+            <a:fillRect/>
+          </a:stretch>
+        </p:blipFill>
+        <p:spPr bwMode="auto">
+          <a:xfrm>
+            <a:off x="8215532" y="4191702"/>
+            <a:ext cx="2859018" cy="1896353"/>
+          </a:xfrm>
+          <a:prstGeom prst="rect">
+            <a:avLst/>
+          </a:prstGeom>
+          <a:noFill/>
+          <a:extLst>
+            <a:ext uri="{909E8E84-426E-40DD-AFC4-6F175D3DCCD1}">
+              <a14:hiddenFill xmlns:a14="http://schemas.microsoft.com/office/drawing/2010/main">
+                <a:solidFill>
+                  <a:srgbClr val="FFFFFF"/>
+                </a:solidFill>
+              </a14:hiddenFill>
+            </a:ext>
+          </a:extLst>
+        </p:spPr>
+      </p:pic>
     </p:spTree>
     <p:extLst>
       <p:ext uri="{BB962C8B-B14F-4D97-AF65-F5344CB8AC3E}">
         <p14:creationId xmlns:p14="http://schemas.microsoft.com/office/powerpoint/2010/main" val="2921823341"/>
+      </p:ext>
+    </p:extLst>
+  </p:cSld>
+  <p:clrMapOvr>
+    <a:masterClrMapping/>
+  </p:clrMapOvr>
+  <mc:AlternateContent xmlns:mc="http://schemas.openxmlformats.org/markup-compatibility/2006" xmlns:p159="http://schemas.microsoft.com/office/powerpoint/2015/09/main">
+    <mc:Choice Requires="p159">
+      <p:transition xmlns:p14="http://schemas.microsoft.com/office/powerpoint/2010/main" spd="slow" p14:dur="1250">
+        <p159:morph option="byObject"/>
+      </p:transition>
+    </mc:Choice>
+    <mc:Fallback xmlns="">
+      <p:transition spd="slow">
+        <p:fade/>
+      </p:transition>
+    </mc:Fallback>
+  </mc:AlternateContent>
+</p:sld>
+</file>
+
+<file path=ppt/slides/slide4.xml><?xml version="1.0" encoding="utf-8"?>
+<p:sld xmlns:a="http://schemas.openxmlformats.org/drawingml/2006/main" xmlns:r="http://schemas.openxmlformats.org/officeDocument/2006/relationships" xmlns:p="http://schemas.openxmlformats.org/presentationml/2006/main">
+  <p:cSld>
+    <p:spTree>
+      <p:nvGrpSpPr>
+        <p:cNvPr id="1" name=""/>
+        <p:cNvGrpSpPr/>
+        <p:nvPr/>
+      </p:nvGrpSpPr>
+      <p:grpSpPr>
+        <a:xfrm>
+          <a:off x="0" y="0"/>
+          <a:ext cx="0" cy="0"/>
+          <a:chOff x="0" y="0"/>
+          <a:chExt cx="0" cy="0"/>
+        </a:xfrm>
+      </p:grpSpPr>
+      <p:cxnSp>
+        <p:nvCxnSpPr>
+          <p:cNvPr id="7" name="Conector reto 6">
+            <a:extLst>
+              <a:ext uri="{FF2B5EF4-FFF2-40B4-BE49-F238E27FC236}">
+                <a16:creationId xmlns:a16="http://schemas.microsoft.com/office/drawing/2014/main" id="{280B8309-4572-4E27-8B6F-D29679313292}"/>
+              </a:ext>
+            </a:extLst>
+          </p:cNvPr>
+          <p:cNvCxnSpPr>
+            <a:cxnSpLocks/>
+          </p:cNvCxnSpPr>
+          <p:nvPr/>
+        </p:nvCxnSpPr>
+        <p:spPr>
+          <a:xfrm>
+            <a:off x="-112541" y="970671"/>
+            <a:ext cx="8328073" cy="0"/>
+          </a:xfrm>
+          <a:prstGeom prst="line">
+            <a:avLst/>
+          </a:prstGeom>
+          <a:ln w="38100"/>
+        </p:spPr>
+        <p:style>
+          <a:lnRef idx="1">
+            <a:schemeClr val="accent1"/>
+          </a:lnRef>
+          <a:fillRef idx="0">
+            <a:schemeClr val="accent1"/>
+          </a:fillRef>
+          <a:effectRef idx="0">
+            <a:schemeClr val="accent1"/>
+          </a:effectRef>
+          <a:fontRef idx="minor">
+            <a:schemeClr val="tx1"/>
+          </a:fontRef>
+        </p:style>
+      </p:cxnSp>
+      <p:sp>
+        <p:nvSpPr>
+          <p:cNvPr id="8" name="CaixaDeTexto 7">
+            <a:extLst>
+              <a:ext uri="{FF2B5EF4-FFF2-40B4-BE49-F238E27FC236}">
+                <a16:creationId xmlns:a16="http://schemas.microsoft.com/office/drawing/2014/main" id="{39AE06C5-34BE-4D68-97C3-4C07702C2DF6}"/>
+              </a:ext>
+            </a:extLst>
+          </p:cNvPr>
+          <p:cNvSpPr txBox="1"/>
+          <p:nvPr/>
+        </p:nvSpPr>
+        <p:spPr>
+          <a:xfrm>
+            <a:off x="759189" y="199888"/>
+            <a:ext cx="10043410" cy="646331"/>
+          </a:xfrm>
+          <a:prstGeom prst="rect">
+            <a:avLst/>
+          </a:prstGeom>
+          <a:noFill/>
+        </p:spPr>
+        <p:txBody>
+          <a:bodyPr wrap="square" rtlCol="0">
+            <a:spAutoFit/>
+          </a:bodyPr>
+          <a:lstStyle/>
+          <a:p>
+            <a:r>
+              <a:rPr lang="pt-BR" sz="3600" b="1" dirty="0">
+                <a:solidFill>
+                  <a:srgbClr val="002060"/>
+                </a:solidFill>
+                <a:latin typeface="Cambria" panose="02040503050406030204" pitchFamily="18" charset="0"/>
+                <a:ea typeface="Cambria" panose="02040503050406030204" pitchFamily="18" charset="0"/>
+              </a:rPr>
+              <a:t>Noções de Probabilidade</a:t>
+            </a:r>
+          </a:p>
+        </p:txBody>
+      </p:sp>
+      <p:sp>
+        <p:nvSpPr>
+          <p:cNvPr id="14" name="CaixaDeTexto 13">
+            <a:extLst>
+              <a:ext uri="{FF2B5EF4-FFF2-40B4-BE49-F238E27FC236}">
+                <a16:creationId xmlns:a16="http://schemas.microsoft.com/office/drawing/2014/main" id="{427DBFEB-81BF-4CC3-A411-FBF43D295C56}"/>
+              </a:ext>
+            </a:extLst>
+          </p:cNvPr>
+          <p:cNvSpPr txBox="1"/>
+          <p:nvPr/>
+        </p:nvSpPr>
+        <p:spPr>
+          <a:xfrm>
+            <a:off x="940903" y="970671"/>
+            <a:ext cx="10310191" cy="1722716"/>
+          </a:xfrm>
+          <a:prstGeom prst="rect">
+            <a:avLst/>
+          </a:prstGeom>
+          <a:noFill/>
+        </p:spPr>
+        <p:txBody>
+          <a:bodyPr wrap="square" rtlCol="0">
+            <a:spAutoFit/>
+          </a:bodyPr>
+          <a:lstStyle/>
+          <a:p>
+            <a:pPr marL="285750" indent="-285750">
+              <a:lnSpc>
+                <a:spcPct val="150000"/>
+              </a:lnSpc>
+              <a:spcAft>
+                <a:spcPts val="110"/>
+              </a:spcAft>
+              <a:buFont typeface="Wingdings" panose="05000000000000000000" pitchFamily="2" charset="2"/>
+              <a:buChar char="Ø"/>
+            </a:pPr>
+            <a:r>
+              <a:rPr lang="pt-BR" sz="2400" b="1" dirty="0"/>
+              <a:t>Mas... Porque estudar probabilidade?</a:t>
+            </a:r>
+          </a:p>
+          <a:p>
+            <a:pPr marL="285750" indent="-285750">
+              <a:lnSpc>
+                <a:spcPct val="150000"/>
+              </a:lnSpc>
+              <a:spcAft>
+                <a:spcPts val="110"/>
+              </a:spcAft>
+              <a:buFont typeface="Wingdings" panose="05000000000000000000" pitchFamily="2" charset="2"/>
+              <a:buChar char="Ø"/>
+            </a:pPr>
+            <a:endParaRPr lang="pt-BR" sz="2400" b="1" dirty="0"/>
+          </a:p>
+          <a:p>
+            <a:pPr marL="285750" indent="-285750">
+              <a:lnSpc>
+                <a:spcPct val="150000"/>
+              </a:lnSpc>
+              <a:spcAft>
+                <a:spcPts val="110"/>
+              </a:spcAft>
+              <a:buFont typeface="Wingdings" panose="05000000000000000000" pitchFamily="2" charset="2"/>
+              <a:buChar char="Ø"/>
+            </a:pPr>
+            <a:endParaRPr lang="pt-BR" sz="2400" b="1" dirty="0"/>
+          </a:p>
+        </p:txBody>
+      </p:sp>
+      <p:pic>
+        <p:nvPicPr>
+          <p:cNvPr id="2" name="Picture 2" descr="UFRGS na Serra | Visão de futuro e coragem para inovar">
+            <a:extLst>
+              <a:ext uri="{FF2B5EF4-FFF2-40B4-BE49-F238E27FC236}">
+                <a16:creationId xmlns:a16="http://schemas.microsoft.com/office/drawing/2014/main" id="{567C8E3D-C535-EC50-849C-270CEB4B8A04}"/>
+              </a:ext>
+            </a:extLst>
+          </p:cNvPr>
+          <p:cNvPicPr>
+            <a:picLocks noChangeAspect="1" noChangeArrowheads="1"/>
+          </p:cNvPicPr>
+          <p:nvPr/>
+        </p:nvPicPr>
+        <p:blipFill>
+          <a:blip r:embed="rId3">
+            <a:extLst>
+              <a:ext uri="{28A0092B-C50C-407E-A947-70E740481C1C}">
+                <a14:useLocalDpi xmlns:a14="http://schemas.microsoft.com/office/drawing/2010/main" val="0"/>
+              </a:ext>
+            </a:extLst>
+          </a:blip>
+          <a:srcRect/>
+          <a:stretch>
+            <a:fillRect/>
+          </a:stretch>
+        </p:blipFill>
+        <p:spPr bwMode="auto">
+          <a:xfrm>
+            <a:off x="119922" y="6346096"/>
+            <a:ext cx="683614" cy="445109"/>
+          </a:xfrm>
+          <a:prstGeom prst="rect">
+            <a:avLst/>
+          </a:prstGeom>
+          <a:noFill/>
+          <a:extLst>
+            <a:ext uri="{909E8E84-426E-40DD-AFC4-6F175D3DCCD1}">
+              <a14:hiddenFill xmlns:a14="http://schemas.microsoft.com/office/drawing/2010/main">
+                <a:solidFill>
+                  <a:srgbClr val="FFFFFF"/>
+                </a:solidFill>
+              </a14:hiddenFill>
+            </a:ext>
+          </a:extLst>
+        </p:spPr>
+      </p:pic>
+      <p:pic>
+        <p:nvPicPr>
+          <p:cNvPr id="3" name="Picture 4">
+            <a:extLst>
+              <a:ext uri="{FF2B5EF4-FFF2-40B4-BE49-F238E27FC236}">
+                <a16:creationId xmlns:a16="http://schemas.microsoft.com/office/drawing/2014/main" id="{C9663204-9A6C-C5D7-7C9B-AAF5653911D6}"/>
+              </a:ext>
+            </a:extLst>
+          </p:cNvPr>
+          <p:cNvPicPr>
+            <a:picLocks noChangeAspect="1" noChangeArrowheads="1"/>
+          </p:cNvPicPr>
+          <p:nvPr/>
+        </p:nvPicPr>
+        <p:blipFill>
+          <a:blip r:embed="rId4">
+            <a:extLst>
+              <a:ext uri="{28A0092B-C50C-407E-A947-70E740481C1C}">
+                <a14:useLocalDpi xmlns:a14="http://schemas.microsoft.com/office/drawing/2010/main" val="0"/>
+              </a:ext>
+            </a:extLst>
+          </a:blip>
+          <a:srcRect/>
+          <a:stretch>
+            <a:fillRect/>
+          </a:stretch>
+        </p:blipFill>
+        <p:spPr bwMode="auto">
+          <a:xfrm>
+            <a:off x="10802599" y="6212508"/>
+            <a:ext cx="1329440" cy="578697"/>
+          </a:xfrm>
+          <a:prstGeom prst="rect">
+            <a:avLst/>
+          </a:prstGeom>
+          <a:noFill/>
+          <a:extLst>
+            <a:ext uri="{909E8E84-426E-40DD-AFC4-6F175D3DCCD1}">
+              <a14:hiddenFill xmlns:a14="http://schemas.microsoft.com/office/drawing/2010/main">
+                <a:solidFill>
+                  <a:srgbClr val="FFFFFF"/>
+                </a:solidFill>
+              </a14:hiddenFill>
+            </a:ext>
+          </a:extLst>
+        </p:spPr>
+      </p:pic>
+      <p:pic>
+        <p:nvPicPr>
+          <p:cNvPr id="10" name="Imagem 9">
+            <a:extLst>
+              <a:ext uri="{FF2B5EF4-FFF2-40B4-BE49-F238E27FC236}">
+                <a16:creationId xmlns:a16="http://schemas.microsoft.com/office/drawing/2014/main" id="{AC895CA6-530E-5D97-B9D6-6CC4B0290730}"/>
+              </a:ext>
+            </a:extLst>
+          </p:cNvPr>
+          <p:cNvPicPr>
+            <a:picLocks noChangeAspect="1"/>
+          </p:cNvPicPr>
+          <p:nvPr/>
+        </p:nvPicPr>
+        <p:blipFill>
+          <a:blip r:embed="rId5"/>
+          <a:stretch>
+            <a:fillRect/>
+          </a:stretch>
+        </p:blipFill>
+        <p:spPr>
+          <a:xfrm>
+            <a:off x="2443305" y="1794363"/>
+            <a:ext cx="7305389" cy="4863749"/>
+          </a:xfrm>
+          <a:prstGeom prst="rect">
+            <a:avLst/>
+          </a:prstGeom>
+        </p:spPr>
+      </p:pic>
+    </p:spTree>
+    <p:extLst>
+      <p:ext uri="{BB962C8B-B14F-4D97-AF65-F5344CB8AC3E}">
+        <p14:creationId xmlns:p14="http://schemas.microsoft.com/office/powerpoint/2010/main" val="4009157315"/>
+      </p:ext>
+    </p:extLst>
+  </p:cSld>
+  <p:clrMapOvr>
+    <a:masterClrMapping/>
+  </p:clrMapOvr>
+  <mc:AlternateContent xmlns:mc="http://schemas.openxmlformats.org/markup-compatibility/2006" xmlns:p159="http://schemas.microsoft.com/office/powerpoint/2015/09/main">
+    <mc:Choice Requires="p159">
+      <p:transition xmlns:p14="http://schemas.microsoft.com/office/powerpoint/2010/main" spd="slow" p14:dur="1250">
+        <p159:morph option="byObject"/>
+      </p:transition>
+    </mc:Choice>
+    <mc:Fallback xmlns="">
+      <p:transition spd="slow">
+        <p:fade/>
+      </p:transition>
+    </mc:Fallback>
+  </mc:AlternateContent>
+</p:sld>
+</file>
+
+<file path=ppt/slides/slide5.xml><?xml version="1.0" encoding="utf-8"?>
+<p:sld xmlns:a="http://schemas.openxmlformats.org/drawingml/2006/main" xmlns:r="http://schemas.openxmlformats.org/officeDocument/2006/relationships" xmlns:p="http://schemas.openxmlformats.org/presentationml/2006/main">
+  <p:cSld>
+    <p:spTree>
+      <p:nvGrpSpPr>
+        <p:cNvPr id="1" name=""/>
+        <p:cNvGrpSpPr/>
+        <p:nvPr/>
+      </p:nvGrpSpPr>
+      <p:grpSpPr>
+        <a:xfrm>
+          <a:off x="0" y="0"/>
+          <a:ext cx="0" cy="0"/>
+          <a:chOff x="0" y="0"/>
+          <a:chExt cx="0" cy="0"/>
+        </a:xfrm>
+      </p:grpSpPr>
+      <p:cxnSp>
+        <p:nvCxnSpPr>
+          <p:cNvPr id="7" name="Conector reto 6">
+            <a:extLst>
+              <a:ext uri="{FF2B5EF4-FFF2-40B4-BE49-F238E27FC236}">
+                <a16:creationId xmlns:a16="http://schemas.microsoft.com/office/drawing/2014/main" id="{280B8309-4572-4E27-8B6F-D29679313292}"/>
+              </a:ext>
+            </a:extLst>
+          </p:cNvPr>
+          <p:cNvCxnSpPr>
+            <a:cxnSpLocks/>
+          </p:cNvCxnSpPr>
+          <p:nvPr/>
+        </p:nvCxnSpPr>
+        <p:spPr>
+          <a:xfrm>
+            <a:off x="-112541" y="970671"/>
+            <a:ext cx="8328073" cy="0"/>
+          </a:xfrm>
+          <a:prstGeom prst="line">
+            <a:avLst/>
+          </a:prstGeom>
+          <a:ln w="38100"/>
+        </p:spPr>
+        <p:style>
+          <a:lnRef idx="1">
+            <a:schemeClr val="accent1"/>
+          </a:lnRef>
+          <a:fillRef idx="0">
+            <a:schemeClr val="accent1"/>
+          </a:fillRef>
+          <a:effectRef idx="0">
+            <a:schemeClr val="accent1"/>
+          </a:effectRef>
+          <a:fontRef idx="minor">
+            <a:schemeClr val="tx1"/>
+          </a:fontRef>
+        </p:style>
+      </p:cxnSp>
+      <p:sp>
+        <p:nvSpPr>
+          <p:cNvPr id="8" name="CaixaDeTexto 7">
+            <a:extLst>
+              <a:ext uri="{FF2B5EF4-FFF2-40B4-BE49-F238E27FC236}">
+                <a16:creationId xmlns:a16="http://schemas.microsoft.com/office/drawing/2014/main" id="{39AE06C5-34BE-4D68-97C3-4C07702C2DF6}"/>
+              </a:ext>
+            </a:extLst>
+          </p:cNvPr>
+          <p:cNvSpPr txBox="1"/>
+          <p:nvPr/>
+        </p:nvSpPr>
+        <p:spPr>
+          <a:xfrm>
+            <a:off x="759189" y="199888"/>
+            <a:ext cx="10043410" cy="646331"/>
+          </a:xfrm>
+          <a:prstGeom prst="rect">
+            <a:avLst/>
+          </a:prstGeom>
+          <a:noFill/>
+        </p:spPr>
+        <p:txBody>
+          <a:bodyPr wrap="square" rtlCol="0">
+            <a:spAutoFit/>
+          </a:bodyPr>
+          <a:lstStyle/>
+          <a:p>
+            <a:r>
+              <a:rPr lang="pt-BR" sz="3600" b="1" dirty="0">
+                <a:solidFill>
+                  <a:srgbClr val="002060"/>
+                </a:solidFill>
+                <a:latin typeface="Cambria" panose="02040503050406030204" pitchFamily="18" charset="0"/>
+                <a:ea typeface="Cambria" panose="02040503050406030204" pitchFamily="18" charset="0"/>
+              </a:rPr>
+              <a:t>Noções de Probabilidade</a:t>
+            </a:r>
+          </a:p>
+        </p:txBody>
+      </p:sp>
+      <p:sp>
+        <p:nvSpPr>
+          <p:cNvPr id="14" name="CaixaDeTexto 13">
+            <a:extLst>
+              <a:ext uri="{FF2B5EF4-FFF2-40B4-BE49-F238E27FC236}">
+                <a16:creationId xmlns:a16="http://schemas.microsoft.com/office/drawing/2014/main" id="{427DBFEB-81BF-4CC3-A411-FBF43D295C56}"/>
+              </a:ext>
+            </a:extLst>
+          </p:cNvPr>
+          <p:cNvSpPr txBox="1"/>
+          <p:nvPr/>
+        </p:nvSpPr>
+        <p:spPr>
+          <a:xfrm>
+            <a:off x="940904" y="945289"/>
+            <a:ext cx="10310191" cy="1722716"/>
+          </a:xfrm>
+          <a:prstGeom prst="rect">
+            <a:avLst/>
+          </a:prstGeom>
+          <a:noFill/>
+        </p:spPr>
+        <p:txBody>
+          <a:bodyPr wrap="square" rtlCol="0">
+            <a:spAutoFit/>
+          </a:bodyPr>
+          <a:lstStyle/>
+          <a:p>
+            <a:pPr marL="285750" indent="-285750">
+              <a:lnSpc>
+                <a:spcPct val="150000"/>
+              </a:lnSpc>
+              <a:spcAft>
+                <a:spcPts val="110"/>
+              </a:spcAft>
+              <a:buFont typeface="Wingdings" panose="05000000000000000000" pitchFamily="2" charset="2"/>
+              <a:buChar char="Ø"/>
+            </a:pPr>
+            <a:r>
+              <a:rPr lang="pt-BR" sz="2400" b="1" dirty="0"/>
+              <a:t>Mas... Porque estudar probabilidade?</a:t>
+            </a:r>
+          </a:p>
+          <a:p>
+            <a:pPr marL="285750" indent="-285750">
+              <a:lnSpc>
+                <a:spcPct val="150000"/>
+              </a:lnSpc>
+              <a:spcAft>
+                <a:spcPts val="110"/>
+              </a:spcAft>
+              <a:buFont typeface="Wingdings" panose="05000000000000000000" pitchFamily="2" charset="2"/>
+              <a:buChar char="Ø"/>
+            </a:pPr>
+            <a:endParaRPr lang="pt-BR" sz="2400" b="1" dirty="0"/>
+          </a:p>
+          <a:p>
+            <a:pPr marL="285750" indent="-285750">
+              <a:lnSpc>
+                <a:spcPct val="150000"/>
+              </a:lnSpc>
+              <a:spcAft>
+                <a:spcPts val="110"/>
+              </a:spcAft>
+              <a:buFont typeface="Wingdings" panose="05000000000000000000" pitchFamily="2" charset="2"/>
+              <a:buChar char="Ø"/>
+            </a:pPr>
+            <a:endParaRPr lang="pt-BR" sz="2400" b="1" dirty="0"/>
+          </a:p>
+        </p:txBody>
+      </p:sp>
+      <p:pic>
+        <p:nvPicPr>
+          <p:cNvPr id="2" name="Picture 2" descr="UFRGS na Serra | Visão de futuro e coragem para inovar">
+            <a:extLst>
+              <a:ext uri="{FF2B5EF4-FFF2-40B4-BE49-F238E27FC236}">
+                <a16:creationId xmlns:a16="http://schemas.microsoft.com/office/drawing/2014/main" id="{567C8E3D-C535-EC50-849C-270CEB4B8A04}"/>
+              </a:ext>
+            </a:extLst>
+          </p:cNvPr>
+          <p:cNvPicPr>
+            <a:picLocks noChangeAspect="1" noChangeArrowheads="1"/>
+          </p:cNvPicPr>
+          <p:nvPr/>
+        </p:nvPicPr>
+        <p:blipFill>
+          <a:blip r:embed="rId3">
+            <a:extLst>
+              <a:ext uri="{28A0092B-C50C-407E-A947-70E740481C1C}">
+                <a14:useLocalDpi xmlns:a14="http://schemas.microsoft.com/office/drawing/2010/main" val="0"/>
+              </a:ext>
+            </a:extLst>
+          </a:blip>
+          <a:srcRect/>
+          <a:stretch>
+            <a:fillRect/>
+          </a:stretch>
+        </p:blipFill>
+        <p:spPr bwMode="auto">
+          <a:xfrm>
+            <a:off x="119922" y="6346096"/>
+            <a:ext cx="683614" cy="445109"/>
+          </a:xfrm>
+          <a:prstGeom prst="rect">
+            <a:avLst/>
+          </a:prstGeom>
+          <a:noFill/>
+          <a:extLst>
+            <a:ext uri="{909E8E84-426E-40DD-AFC4-6F175D3DCCD1}">
+              <a14:hiddenFill xmlns:a14="http://schemas.microsoft.com/office/drawing/2010/main">
+                <a:solidFill>
+                  <a:srgbClr val="FFFFFF"/>
+                </a:solidFill>
+              </a14:hiddenFill>
+            </a:ext>
+          </a:extLst>
+        </p:spPr>
+      </p:pic>
+      <p:pic>
+        <p:nvPicPr>
+          <p:cNvPr id="3" name="Picture 4">
+            <a:extLst>
+              <a:ext uri="{FF2B5EF4-FFF2-40B4-BE49-F238E27FC236}">
+                <a16:creationId xmlns:a16="http://schemas.microsoft.com/office/drawing/2014/main" id="{C9663204-9A6C-C5D7-7C9B-AAF5653911D6}"/>
+              </a:ext>
+            </a:extLst>
+          </p:cNvPr>
+          <p:cNvPicPr>
+            <a:picLocks noChangeAspect="1" noChangeArrowheads="1"/>
+          </p:cNvPicPr>
+          <p:nvPr/>
+        </p:nvPicPr>
+        <p:blipFill>
+          <a:blip r:embed="rId4">
+            <a:extLst>
+              <a:ext uri="{28A0092B-C50C-407E-A947-70E740481C1C}">
+                <a14:useLocalDpi xmlns:a14="http://schemas.microsoft.com/office/drawing/2010/main" val="0"/>
+              </a:ext>
+            </a:extLst>
+          </a:blip>
+          <a:srcRect/>
+          <a:stretch>
+            <a:fillRect/>
+          </a:stretch>
+        </p:blipFill>
+        <p:spPr bwMode="auto">
+          <a:xfrm>
+            <a:off x="10802599" y="6212508"/>
+            <a:ext cx="1329440" cy="578697"/>
+          </a:xfrm>
+          <a:prstGeom prst="rect">
+            <a:avLst/>
+          </a:prstGeom>
+          <a:noFill/>
+          <a:extLst>
+            <a:ext uri="{909E8E84-426E-40DD-AFC4-6F175D3DCCD1}">
+              <a14:hiddenFill xmlns:a14="http://schemas.microsoft.com/office/drawing/2010/main">
+                <a:solidFill>
+                  <a:srgbClr val="FFFFFF"/>
+                </a:solidFill>
+              </a14:hiddenFill>
+            </a:ext>
+          </a:extLst>
+        </p:spPr>
+      </p:pic>
+      <p:pic>
+        <p:nvPicPr>
+          <p:cNvPr id="5" name="Imagem 4">
+            <a:extLst>
+              <a:ext uri="{FF2B5EF4-FFF2-40B4-BE49-F238E27FC236}">
+                <a16:creationId xmlns:a16="http://schemas.microsoft.com/office/drawing/2014/main" id="{AE5F8CCC-D9FC-CC11-4349-AD81AAA3BEC2}"/>
+              </a:ext>
+            </a:extLst>
+          </p:cNvPr>
+          <p:cNvPicPr>
+            <a:picLocks noChangeAspect="1"/>
+          </p:cNvPicPr>
+          <p:nvPr/>
+        </p:nvPicPr>
+        <p:blipFill>
+          <a:blip r:embed="rId5"/>
+          <a:stretch>
+            <a:fillRect/>
+          </a:stretch>
+        </p:blipFill>
+        <p:spPr>
+          <a:xfrm>
+            <a:off x="2500616" y="1574484"/>
+            <a:ext cx="6560556" cy="5083628"/>
+          </a:xfrm>
+          <a:prstGeom prst="rect">
+            <a:avLst/>
+          </a:prstGeom>
+        </p:spPr>
+      </p:pic>
+    </p:spTree>
+    <p:extLst>
+      <p:ext uri="{BB962C8B-B14F-4D97-AF65-F5344CB8AC3E}">
+        <p14:creationId xmlns:p14="http://schemas.microsoft.com/office/powerpoint/2010/main" val="2258658534"/>
+      </p:ext>
+    </p:extLst>
+  </p:cSld>
+  <p:clrMapOvr>
+    <a:masterClrMapping/>
+  </p:clrMapOvr>
+  <mc:AlternateContent xmlns:mc="http://schemas.openxmlformats.org/markup-compatibility/2006" xmlns:p159="http://schemas.microsoft.com/office/powerpoint/2015/09/main">
+    <mc:Choice Requires="p159">
+      <p:transition xmlns:p14="http://schemas.microsoft.com/office/powerpoint/2010/main" spd="slow" p14:dur="1250">
+        <p159:morph option="byObject"/>
+      </p:transition>
+    </mc:Choice>
+    <mc:Fallback xmlns="">
+      <p:transition spd="slow">
+        <p:fade/>
+      </p:transition>
+    </mc:Fallback>
+  </mc:AlternateContent>
+</p:sld>
+</file>
+
+<file path=ppt/slides/slide6.xml><?xml version="1.0" encoding="utf-8"?>
+<p:sld xmlns:a="http://schemas.openxmlformats.org/drawingml/2006/main" xmlns:r="http://schemas.openxmlformats.org/officeDocument/2006/relationships" xmlns:p="http://schemas.openxmlformats.org/presentationml/2006/main">
+  <p:cSld>
+    <p:spTree>
+      <p:nvGrpSpPr>
+        <p:cNvPr id="1" name=""/>
+        <p:cNvGrpSpPr/>
+        <p:nvPr/>
+      </p:nvGrpSpPr>
+      <p:grpSpPr>
+        <a:xfrm>
+          <a:off x="0" y="0"/>
+          <a:ext cx="0" cy="0"/>
+          <a:chOff x="0" y="0"/>
+          <a:chExt cx="0" cy="0"/>
+        </a:xfrm>
+      </p:grpSpPr>
+      <p:cxnSp>
+        <p:nvCxnSpPr>
+          <p:cNvPr id="7" name="Conector reto 6">
+            <a:extLst>
+              <a:ext uri="{FF2B5EF4-FFF2-40B4-BE49-F238E27FC236}">
+                <a16:creationId xmlns:a16="http://schemas.microsoft.com/office/drawing/2014/main" id="{280B8309-4572-4E27-8B6F-D29679313292}"/>
+              </a:ext>
+            </a:extLst>
+          </p:cNvPr>
+          <p:cNvCxnSpPr>
+            <a:cxnSpLocks/>
+          </p:cNvCxnSpPr>
+          <p:nvPr/>
+        </p:nvCxnSpPr>
+        <p:spPr>
+          <a:xfrm>
+            <a:off x="-112541" y="970671"/>
+            <a:ext cx="8328073" cy="0"/>
+          </a:xfrm>
+          <a:prstGeom prst="line">
+            <a:avLst/>
+          </a:prstGeom>
+          <a:ln w="38100"/>
+        </p:spPr>
+        <p:style>
+          <a:lnRef idx="1">
+            <a:schemeClr val="accent1"/>
+          </a:lnRef>
+          <a:fillRef idx="0">
+            <a:schemeClr val="accent1"/>
+          </a:fillRef>
+          <a:effectRef idx="0">
+            <a:schemeClr val="accent1"/>
+          </a:effectRef>
+          <a:fontRef idx="minor">
+            <a:schemeClr val="tx1"/>
+          </a:fontRef>
+        </p:style>
+      </p:cxnSp>
+      <p:sp>
+        <p:nvSpPr>
+          <p:cNvPr id="8" name="CaixaDeTexto 7">
+            <a:extLst>
+              <a:ext uri="{FF2B5EF4-FFF2-40B4-BE49-F238E27FC236}">
+                <a16:creationId xmlns:a16="http://schemas.microsoft.com/office/drawing/2014/main" id="{39AE06C5-34BE-4D68-97C3-4C07702C2DF6}"/>
+              </a:ext>
+            </a:extLst>
+          </p:cNvPr>
+          <p:cNvSpPr txBox="1"/>
+          <p:nvPr/>
+        </p:nvSpPr>
+        <p:spPr>
+          <a:xfrm>
+            <a:off x="759189" y="199888"/>
+            <a:ext cx="10043410" cy="646331"/>
+          </a:xfrm>
+          <a:prstGeom prst="rect">
+            <a:avLst/>
+          </a:prstGeom>
+          <a:noFill/>
+        </p:spPr>
+        <p:txBody>
+          <a:bodyPr wrap="square" rtlCol="0">
+            <a:spAutoFit/>
+          </a:bodyPr>
+          <a:lstStyle/>
+          <a:p>
+            <a:r>
+              <a:rPr lang="pt-BR" sz="3600" b="1" dirty="0">
+                <a:solidFill>
+                  <a:srgbClr val="002060"/>
+                </a:solidFill>
+                <a:latin typeface="Cambria" panose="02040503050406030204" pitchFamily="18" charset="0"/>
+                <a:ea typeface="Cambria" panose="02040503050406030204" pitchFamily="18" charset="0"/>
+              </a:rPr>
+              <a:t>Noções de Probabilidade</a:t>
+            </a:r>
+          </a:p>
+        </p:txBody>
+      </p:sp>
+      <p:sp>
+        <p:nvSpPr>
+          <p:cNvPr id="14" name="CaixaDeTexto 13">
+            <a:extLst>
+              <a:ext uri="{FF2B5EF4-FFF2-40B4-BE49-F238E27FC236}">
+                <a16:creationId xmlns:a16="http://schemas.microsoft.com/office/drawing/2014/main" id="{427DBFEB-81BF-4CC3-A411-FBF43D295C56}"/>
+              </a:ext>
+            </a:extLst>
+          </p:cNvPr>
+          <p:cNvSpPr txBox="1"/>
+          <p:nvPr/>
+        </p:nvSpPr>
+        <p:spPr>
+          <a:xfrm>
+            <a:off x="940904" y="1341732"/>
+            <a:ext cx="10310191" cy="3607847"/>
+          </a:xfrm>
+          <a:prstGeom prst="rect">
+            <a:avLst/>
+          </a:prstGeom>
+          <a:noFill/>
+        </p:spPr>
+        <p:txBody>
+          <a:bodyPr wrap="square" rtlCol="0">
+            <a:spAutoFit/>
+          </a:bodyPr>
+          <a:lstStyle/>
+          <a:p>
+            <a:pPr marL="285750" indent="-285750">
+              <a:lnSpc>
+                <a:spcPct val="150000"/>
+              </a:lnSpc>
+              <a:spcAft>
+                <a:spcPts val="110"/>
+              </a:spcAft>
+              <a:buFont typeface="Wingdings" panose="05000000000000000000" pitchFamily="2" charset="2"/>
+              <a:buChar char="Ø"/>
+            </a:pPr>
+            <a:r>
+              <a:rPr lang="pt-BR" sz="2400" b="1" dirty="0"/>
+              <a:t>Mas... Porque estudar probabilidade?</a:t>
+            </a:r>
+          </a:p>
+          <a:p>
+            <a:pPr>
+              <a:lnSpc>
+                <a:spcPct val="150000"/>
+              </a:lnSpc>
+              <a:spcAft>
+                <a:spcPts val="110"/>
+              </a:spcAft>
+            </a:pPr>
+            <a:endParaRPr lang="pt-BR" sz="2400" b="1" dirty="0"/>
+          </a:p>
+          <a:p>
+            <a:pPr marL="285750" indent="-285750">
+              <a:lnSpc>
+                <a:spcPct val="150000"/>
+              </a:lnSpc>
+              <a:spcAft>
+                <a:spcPts val="110"/>
+              </a:spcAft>
+              <a:buFont typeface="Wingdings" panose="05000000000000000000" pitchFamily="2" charset="2"/>
+              <a:buChar char="Ø"/>
+            </a:pPr>
+            <a:r>
+              <a:rPr lang="pt-BR" sz="2400" b="1" dirty="0"/>
+              <a:t>Em resumo, de maneira simplificada:</a:t>
+            </a:r>
+          </a:p>
+          <a:p>
+            <a:pPr algn="ctr">
+              <a:lnSpc>
+                <a:spcPct val="150000"/>
+              </a:lnSpc>
+              <a:spcAft>
+                <a:spcPts val="110"/>
+              </a:spcAft>
+            </a:pPr>
+            <a:r>
+              <a:rPr lang="pt-BR" sz="3200" b="1" dirty="0"/>
+              <a:t>Estatística = Matemática + Erro</a:t>
+            </a:r>
+          </a:p>
+          <a:p>
+            <a:pPr marL="285750" indent="-285750">
+              <a:lnSpc>
+                <a:spcPct val="150000"/>
+              </a:lnSpc>
+              <a:spcAft>
+                <a:spcPts val="110"/>
+              </a:spcAft>
+              <a:buFont typeface="Wingdings" panose="05000000000000000000" pitchFamily="2" charset="2"/>
+              <a:buChar char="Ø"/>
+            </a:pPr>
+            <a:endParaRPr lang="pt-BR" sz="2400" b="1" dirty="0"/>
+          </a:p>
+          <a:p>
+            <a:pPr marL="285750" indent="-285750">
+              <a:lnSpc>
+                <a:spcPct val="150000"/>
+              </a:lnSpc>
+              <a:spcAft>
+                <a:spcPts val="110"/>
+              </a:spcAft>
+              <a:buFont typeface="Wingdings" panose="05000000000000000000" pitchFamily="2" charset="2"/>
+              <a:buChar char="Ø"/>
+            </a:pPr>
+            <a:endParaRPr lang="pt-BR" sz="2400" b="1" dirty="0"/>
+          </a:p>
+        </p:txBody>
+      </p:sp>
+      <p:pic>
+        <p:nvPicPr>
+          <p:cNvPr id="2" name="Picture 2" descr="UFRGS na Serra | Visão de futuro e coragem para inovar">
+            <a:extLst>
+              <a:ext uri="{FF2B5EF4-FFF2-40B4-BE49-F238E27FC236}">
+                <a16:creationId xmlns:a16="http://schemas.microsoft.com/office/drawing/2014/main" id="{567C8E3D-C535-EC50-849C-270CEB4B8A04}"/>
+              </a:ext>
+            </a:extLst>
+          </p:cNvPr>
+          <p:cNvPicPr>
+            <a:picLocks noChangeAspect="1" noChangeArrowheads="1"/>
+          </p:cNvPicPr>
+          <p:nvPr/>
+        </p:nvPicPr>
+        <p:blipFill>
+          <a:blip r:embed="rId3">
+            <a:extLst>
+              <a:ext uri="{28A0092B-C50C-407E-A947-70E740481C1C}">
+                <a14:useLocalDpi xmlns:a14="http://schemas.microsoft.com/office/drawing/2010/main" val="0"/>
+              </a:ext>
+            </a:extLst>
+          </a:blip>
+          <a:srcRect/>
+          <a:stretch>
+            <a:fillRect/>
+          </a:stretch>
+        </p:blipFill>
+        <p:spPr bwMode="auto">
+          <a:xfrm>
+            <a:off x="119922" y="6346096"/>
+            <a:ext cx="683614" cy="445109"/>
+          </a:xfrm>
+          <a:prstGeom prst="rect">
+            <a:avLst/>
+          </a:prstGeom>
+          <a:noFill/>
+          <a:extLst>
+            <a:ext uri="{909E8E84-426E-40DD-AFC4-6F175D3DCCD1}">
+              <a14:hiddenFill xmlns:a14="http://schemas.microsoft.com/office/drawing/2010/main">
+                <a:solidFill>
+                  <a:srgbClr val="FFFFFF"/>
+                </a:solidFill>
+              </a14:hiddenFill>
+            </a:ext>
+          </a:extLst>
+        </p:spPr>
+      </p:pic>
+      <p:pic>
+        <p:nvPicPr>
+          <p:cNvPr id="3" name="Picture 4">
+            <a:extLst>
+              <a:ext uri="{FF2B5EF4-FFF2-40B4-BE49-F238E27FC236}">
+                <a16:creationId xmlns:a16="http://schemas.microsoft.com/office/drawing/2014/main" id="{C9663204-9A6C-C5D7-7C9B-AAF5653911D6}"/>
+              </a:ext>
+            </a:extLst>
+          </p:cNvPr>
+          <p:cNvPicPr>
+            <a:picLocks noChangeAspect="1" noChangeArrowheads="1"/>
+          </p:cNvPicPr>
+          <p:nvPr/>
+        </p:nvPicPr>
+        <p:blipFill>
+          <a:blip r:embed="rId4">
+            <a:extLst>
+              <a:ext uri="{28A0092B-C50C-407E-A947-70E740481C1C}">
+                <a14:useLocalDpi xmlns:a14="http://schemas.microsoft.com/office/drawing/2010/main" val="0"/>
+              </a:ext>
+            </a:extLst>
+          </a:blip>
+          <a:srcRect/>
+          <a:stretch>
+            <a:fillRect/>
+          </a:stretch>
+        </p:blipFill>
+        <p:spPr bwMode="auto">
+          <a:xfrm>
+            <a:off x="10802599" y="6212508"/>
+            <a:ext cx="1329440" cy="578697"/>
+          </a:xfrm>
+          <a:prstGeom prst="rect">
+            <a:avLst/>
+          </a:prstGeom>
+          <a:noFill/>
+          <a:extLst>
+            <a:ext uri="{909E8E84-426E-40DD-AFC4-6F175D3DCCD1}">
+              <a14:hiddenFill xmlns:a14="http://schemas.microsoft.com/office/drawing/2010/main">
+                <a:solidFill>
+                  <a:srgbClr val="FFFFFF"/>
+                </a:solidFill>
+              </a14:hiddenFill>
+            </a:ext>
+          </a:extLst>
+        </p:spPr>
+      </p:pic>
+      <p:sp>
+        <p:nvSpPr>
+          <p:cNvPr id="4" name="Seta: para Baixo 3">
+            <a:extLst>
+              <a:ext uri="{FF2B5EF4-FFF2-40B4-BE49-F238E27FC236}">
+                <a16:creationId xmlns:a16="http://schemas.microsoft.com/office/drawing/2014/main" id="{2E5D54EF-8EDF-9221-C3F8-EC312E34F55E}"/>
+              </a:ext>
+            </a:extLst>
+          </p:cNvPr>
+          <p:cNvSpPr/>
+          <p:nvPr/>
+        </p:nvSpPr>
+        <p:spPr>
+          <a:xfrm rot="10800000">
+            <a:off x="8095611" y="4083114"/>
+            <a:ext cx="479685" cy="629585"/>
+          </a:xfrm>
+          <a:prstGeom prst="downArrow">
+            <a:avLst/>
+          </a:prstGeom>
+        </p:spPr>
+        <p:style>
+          <a:lnRef idx="2">
+            <a:schemeClr val="accent1">
+              <a:shade val="15000"/>
+            </a:schemeClr>
+          </a:lnRef>
+          <a:fillRef idx="1">
+            <a:schemeClr val="accent1"/>
+          </a:fillRef>
+          <a:effectRef idx="0">
+            <a:schemeClr val="accent1"/>
+          </a:effectRef>
+          <a:fontRef idx="minor">
+            <a:schemeClr val="lt1"/>
+          </a:fontRef>
+        </p:style>
+        <p:txBody>
+          <a:bodyPr rtlCol="0" anchor="ctr"/>
+          <a:lstStyle/>
+          <a:p>
+            <a:pPr algn="ctr"/>
+            <a:endParaRPr lang="pt-BR"/>
+          </a:p>
+        </p:txBody>
+      </p:sp>
+      <p:sp>
+        <p:nvSpPr>
+          <p:cNvPr id="6" name="CaixaDeTexto 5">
+            <a:extLst>
+              <a:ext uri="{FF2B5EF4-FFF2-40B4-BE49-F238E27FC236}">
+                <a16:creationId xmlns:a16="http://schemas.microsoft.com/office/drawing/2014/main" id="{2DFB554A-8CC3-D666-D47B-5E362ACD22B9}"/>
+              </a:ext>
+            </a:extLst>
+          </p:cNvPr>
+          <p:cNvSpPr txBox="1"/>
+          <p:nvPr/>
+        </p:nvSpPr>
+        <p:spPr>
+          <a:xfrm>
+            <a:off x="6581603" y="5051705"/>
+            <a:ext cx="3507700" cy="923330"/>
+          </a:xfrm>
+          <a:prstGeom prst="rect">
+            <a:avLst/>
+          </a:prstGeom>
+          <a:noFill/>
+        </p:spPr>
+        <p:txBody>
+          <a:bodyPr wrap="square" rtlCol="0">
+            <a:spAutoFit/>
+          </a:bodyPr>
+          <a:lstStyle/>
+          <a:p>
+            <a:pPr algn="ctr"/>
+            <a:r>
+              <a:rPr lang="pt-BR" b="1" dirty="0"/>
+              <a:t>Se conseguimos estudar/medir esse erro com probabilidade, temos uma informação útil</a:t>
+            </a:r>
+          </a:p>
+        </p:txBody>
+      </p:sp>
+    </p:spTree>
+    <p:extLst>
+      <p:ext uri="{BB962C8B-B14F-4D97-AF65-F5344CB8AC3E}">
+        <p14:creationId xmlns:p14="http://schemas.microsoft.com/office/powerpoint/2010/main" val="1909341641"/>
+      </p:ext>
+    </p:extLst>
+  </p:cSld>
+  <p:clrMapOvr>
+    <a:masterClrMapping/>
+  </p:clrMapOvr>
+  <mc:AlternateContent xmlns:mc="http://schemas.openxmlformats.org/markup-compatibility/2006" xmlns:p159="http://schemas.microsoft.com/office/powerpoint/2015/09/main">
+    <mc:Choice Requires="p159">
+      <p:transition xmlns:p14="http://schemas.microsoft.com/office/powerpoint/2010/main" spd="slow" p14:dur="1250">
+        <p159:morph option="byObject"/>
+      </p:transition>
+    </mc:Choice>
+    <mc:Fallback xmlns="">
+      <p:transition spd="slow">
+        <p:fade/>
+      </p:transition>
+    </mc:Fallback>
+  </mc:AlternateContent>
+</p:sld>
+</file>
+
+<file path=ppt/slides/slide7.xml><?xml version="1.0" encoding="utf-8"?>
+<p:sld xmlns:a="http://schemas.openxmlformats.org/drawingml/2006/main" xmlns:r="http://schemas.openxmlformats.org/officeDocument/2006/relationships" xmlns:p="http://schemas.openxmlformats.org/presentationml/2006/main">
+  <p:cSld>
+    <p:spTree>
+      <p:nvGrpSpPr>
+        <p:cNvPr id="1" name=""/>
+        <p:cNvGrpSpPr/>
+        <p:nvPr/>
+      </p:nvGrpSpPr>
+      <p:grpSpPr>
+        <a:xfrm>
+          <a:off x="0" y="0"/>
+          <a:ext cx="0" cy="0"/>
+          <a:chOff x="0" y="0"/>
+          <a:chExt cx="0" cy="0"/>
+        </a:xfrm>
+      </p:grpSpPr>
+      <p:cxnSp>
+        <p:nvCxnSpPr>
+          <p:cNvPr id="7" name="Conector reto 6">
+            <a:extLst>
+              <a:ext uri="{FF2B5EF4-FFF2-40B4-BE49-F238E27FC236}">
+                <a16:creationId xmlns:a16="http://schemas.microsoft.com/office/drawing/2014/main" id="{280B8309-4572-4E27-8B6F-D29679313292}"/>
+              </a:ext>
+            </a:extLst>
+          </p:cNvPr>
+          <p:cNvCxnSpPr>
+            <a:cxnSpLocks/>
+          </p:cNvCxnSpPr>
+          <p:nvPr/>
+        </p:nvCxnSpPr>
+        <p:spPr>
+          <a:xfrm>
+            <a:off x="-112541" y="970671"/>
+            <a:ext cx="8328073" cy="0"/>
+          </a:xfrm>
+          <a:prstGeom prst="line">
+            <a:avLst/>
+          </a:prstGeom>
+          <a:ln w="38100"/>
+        </p:spPr>
+        <p:style>
+          <a:lnRef idx="1">
+            <a:schemeClr val="accent1"/>
+          </a:lnRef>
+          <a:fillRef idx="0">
+            <a:schemeClr val="accent1"/>
+          </a:fillRef>
+          <a:effectRef idx="0">
+            <a:schemeClr val="accent1"/>
+          </a:effectRef>
+          <a:fontRef idx="minor">
+            <a:schemeClr val="tx1"/>
+          </a:fontRef>
+        </p:style>
+      </p:cxnSp>
+      <p:sp>
+        <p:nvSpPr>
+          <p:cNvPr id="8" name="CaixaDeTexto 7">
+            <a:extLst>
+              <a:ext uri="{FF2B5EF4-FFF2-40B4-BE49-F238E27FC236}">
+                <a16:creationId xmlns:a16="http://schemas.microsoft.com/office/drawing/2014/main" id="{39AE06C5-34BE-4D68-97C3-4C07702C2DF6}"/>
+              </a:ext>
+            </a:extLst>
+          </p:cNvPr>
+          <p:cNvSpPr txBox="1"/>
+          <p:nvPr/>
+        </p:nvSpPr>
+        <p:spPr>
+          <a:xfrm>
+            <a:off x="759189" y="199888"/>
+            <a:ext cx="10043410" cy="646331"/>
+          </a:xfrm>
+          <a:prstGeom prst="rect">
+            <a:avLst/>
+          </a:prstGeom>
+          <a:noFill/>
+        </p:spPr>
+        <p:txBody>
+          <a:bodyPr wrap="square" rtlCol="0">
+            <a:spAutoFit/>
+          </a:bodyPr>
+          <a:lstStyle/>
+          <a:p>
+            <a:r>
+              <a:rPr lang="pt-BR" sz="3600" b="1" dirty="0">
+                <a:solidFill>
+                  <a:srgbClr val="002060"/>
+                </a:solidFill>
+                <a:latin typeface="Cambria" panose="02040503050406030204" pitchFamily="18" charset="0"/>
+                <a:ea typeface="Cambria" panose="02040503050406030204" pitchFamily="18" charset="0"/>
+              </a:rPr>
+              <a:t>Noções de Probabilidade</a:t>
+            </a:r>
+          </a:p>
+        </p:txBody>
+      </p:sp>
+      <p:pic>
+        <p:nvPicPr>
+          <p:cNvPr id="2" name="Picture 2" descr="UFRGS na Serra | Visão de futuro e coragem para inovar">
+            <a:extLst>
+              <a:ext uri="{FF2B5EF4-FFF2-40B4-BE49-F238E27FC236}">
+                <a16:creationId xmlns:a16="http://schemas.microsoft.com/office/drawing/2014/main" id="{567C8E3D-C535-EC50-849C-270CEB4B8A04}"/>
+              </a:ext>
+            </a:extLst>
+          </p:cNvPr>
+          <p:cNvPicPr>
+            <a:picLocks noChangeAspect="1" noChangeArrowheads="1"/>
+          </p:cNvPicPr>
+          <p:nvPr/>
+        </p:nvPicPr>
+        <p:blipFill>
+          <a:blip r:embed="rId3">
+            <a:extLst>
+              <a:ext uri="{28A0092B-C50C-407E-A947-70E740481C1C}">
+                <a14:useLocalDpi xmlns:a14="http://schemas.microsoft.com/office/drawing/2010/main" val="0"/>
+              </a:ext>
+            </a:extLst>
+          </a:blip>
+          <a:srcRect/>
+          <a:stretch>
+            <a:fillRect/>
+          </a:stretch>
+        </p:blipFill>
+        <p:spPr bwMode="auto">
+          <a:xfrm>
+            <a:off x="119922" y="6346096"/>
+            <a:ext cx="683614" cy="445109"/>
+          </a:xfrm>
+          <a:prstGeom prst="rect">
+            <a:avLst/>
+          </a:prstGeom>
+          <a:noFill/>
+          <a:extLst>
+            <a:ext uri="{909E8E84-426E-40DD-AFC4-6F175D3DCCD1}">
+              <a14:hiddenFill xmlns:a14="http://schemas.microsoft.com/office/drawing/2010/main">
+                <a:solidFill>
+                  <a:srgbClr val="FFFFFF"/>
+                </a:solidFill>
+              </a14:hiddenFill>
+            </a:ext>
+          </a:extLst>
+        </p:spPr>
+      </p:pic>
+      <p:pic>
+        <p:nvPicPr>
+          <p:cNvPr id="3" name="Picture 4">
+            <a:extLst>
+              <a:ext uri="{FF2B5EF4-FFF2-40B4-BE49-F238E27FC236}">
+                <a16:creationId xmlns:a16="http://schemas.microsoft.com/office/drawing/2014/main" id="{C9663204-9A6C-C5D7-7C9B-AAF5653911D6}"/>
+              </a:ext>
+            </a:extLst>
+          </p:cNvPr>
+          <p:cNvPicPr>
+            <a:picLocks noChangeAspect="1" noChangeArrowheads="1"/>
+          </p:cNvPicPr>
+          <p:nvPr/>
+        </p:nvPicPr>
+        <p:blipFill>
+          <a:blip r:embed="rId4">
+            <a:extLst>
+              <a:ext uri="{28A0092B-C50C-407E-A947-70E740481C1C}">
+                <a14:useLocalDpi xmlns:a14="http://schemas.microsoft.com/office/drawing/2010/main" val="0"/>
+              </a:ext>
+            </a:extLst>
+          </a:blip>
+          <a:srcRect/>
+          <a:stretch>
+            <a:fillRect/>
+          </a:stretch>
+        </p:blipFill>
+        <p:spPr bwMode="auto">
+          <a:xfrm>
+            <a:off x="10802599" y="6212508"/>
+            <a:ext cx="1329440" cy="578697"/>
+          </a:xfrm>
+          <a:prstGeom prst="rect">
+            <a:avLst/>
+          </a:prstGeom>
+          <a:noFill/>
+          <a:extLst>
+            <a:ext uri="{909E8E84-426E-40DD-AFC4-6F175D3DCCD1}">
+              <a14:hiddenFill xmlns:a14="http://schemas.microsoft.com/office/drawing/2010/main">
+                <a:solidFill>
+                  <a:srgbClr val="FFFFFF"/>
+                </a:solidFill>
+              </a14:hiddenFill>
+            </a:ext>
+          </a:extLst>
+        </p:spPr>
+      </p:pic>
+      <p:sp>
+        <p:nvSpPr>
+          <p:cNvPr id="5" name="CaixaDeTexto 4">
+            <a:extLst>
+              <a:ext uri="{FF2B5EF4-FFF2-40B4-BE49-F238E27FC236}">
+                <a16:creationId xmlns:a16="http://schemas.microsoft.com/office/drawing/2014/main" id="{462A550A-2F15-4636-BB02-A7AFDEC69830}"/>
+              </a:ext>
+            </a:extLst>
+          </p:cNvPr>
+          <p:cNvSpPr txBox="1"/>
+          <p:nvPr/>
+        </p:nvSpPr>
+        <p:spPr>
+          <a:xfrm>
+            <a:off x="2312637" y="6528936"/>
+            <a:ext cx="6605353" cy="276999"/>
+          </a:xfrm>
+          <a:prstGeom prst="rect">
+            <a:avLst/>
+          </a:prstGeom>
+          <a:noFill/>
+        </p:spPr>
+        <p:txBody>
+          <a:bodyPr wrap="square" rtlCol="0">
+            <a:spAutoFit/>
+          </a:bodyPr>
+          <a:lstStyle/>
+          <a:p>
+            <a:pPr algn="ctr"/>
+            <a:r>
+              <a:rPr lang="pt-BR" sz="1100" i="1" dirty="0"/>
+              <a:t>Retirado de https://bendeivide.</a:t>
+            </a:r>
+            <a:r>
+              <a:rPr lang="pt-BR" sz="1200" i="1" dirty="0"/>
+              <a:t>github</a:t>
+            </a:r>
+            <a:r>
+              <a:rPr lang="pt-BR" sz="1100" i="1" dirty="0"/>
+              <a:t>.io/book-estbasica/</a:t>
+            </a:r>
+          </a:p>
+        </p:txBody>
+      </p:sp>
+      <p:pic>
+        <p:nvPicPr>
+          <p:cNvPr id="9" name="Imagem 8">
+            <a:extLst>
+              <a:ext uri="{FF2B5EF4-FFF2-40B4-BE49-F238E27FC236}">
+                <a16:creationId xmlns:a16="http://schemas.microsoft.com/office/drawing/2014/main" id="{DB0C3A4B-E646-9755-88FC-E2E771B3C631}"/>
+              </a:ext>
+            </a:extLst>
+          </p:cNvPr>
+          <p:cNvPicPr>
+            <a:picLocks noChangeAspect="1"/>
+          </p:cNvPicPr>
+          <p:nvPr/>
+        </p:nvPicPr>
+        <p:blipFill>
+          <a:blip r:embed="rId5"/>
+          <a:stretch>
+            <a:fillRect/>
+          </a:stretch>
+        </p:blipFill>
+        <p:spPr>
+          <a:xfrm>
+            <a:off x="632149" y="1258433"/>
+            <a:ext cx="8075978" cy="4858288"/>
+          </a:xfrm>
+          <a:prstGeom prst="rect">
+            <a:avLst/>
+          </a:prstGeom>
+        </p:spPr>
+      </p:pic>
+      <p:pic>
+        <p:nvPicPr>
+          <p:cNvPr id="2050" name="Picture 2" descr="Sementes de feijão: uma tecnologia promissora! - AgroPós">
+            <a:extLst>
+              <a:ext uri="{FF2B5EF4-FFF2-40B4-BE49-F238E27FC236}">
+                <a16:creationId xmlns:a16="http://schemas.microsoft.com/office/drawing/2014/main" id="{A76A00DB-272A-A4A1-FFDF-8E789AAEC8A9}"/>
+              </a:ext>
+            </a:extLst>
+          </p:cNvPr>
+          <p:cNvPicPr>
+            <a:picLocks noChangeAspect="1" noChangeArrowheads="1"/>
+          </p:cNvPicPr>
+          <p:nvPr/>
+        </p:nvPicPr>
+        <p:blipFill>
+          <a:blip r:embed="rId6">
+            <a:extLst>
+              <a:ext uri="{28A0092B-C50C-407E-A947-70E740481C1C}">
+                <a14:useLocalDpi xmlns:a14="http://schemas.microsoft.com/office/drawing/2010/main" val="0"/>
+              </a:ext>
+            </a:extLst>
+          </a:blip>
+          <a:srcRect/>
+          <a:stretch>
+            <a:fillRect/>
+          </a:stretch>
+        </p:blipFill>
+        <p:spPr bwMode="auto">
+          <a:xfrm>
+            <a:off x="8917990" y="199888"/>
+            <a:ext cx="2976539" cy="1860337"/>
+          </a:xfrm>
+          <a:prstGeom prst="rect">
+            <a:avLst/>
+          </a:prstGeom>
+          <a:noFill/>
+          <a:extLst>
+            <a:ext uri="{909E8E84-426E-40DD-AFC4-6F175D3DCCD1}">
+              <a14:hiddenFill xmlns:a14="http://schemas.microsoft.com/office/drawing/2010/main">
+                <a:solidFill>
+                  <a:srgbClr val="FFFFFF"/>
+                </a:solidFill>
+              </a14:hiddenFill>
+            </a:ext>
+          </a:extLst>
+        </p:spPr>
+      </p:pic>
+      <p:pic>
+        <p:nvPicPr>
+          <p:cNvPr id="2052" name="Picture 4" descr="Bezerro: quais são os primeiros cuidados desde o nascimento? - Giro do Boi">
+            <a:extLst>
+              <a:ext uri="{FF2B5EF4-FFF2-40B4-BE49-F238E27FC236}">
+                <a16:creationId xmlns:a16="http://schemas.microsoft.com/office/drawing/2014/main" id="{5BE793D9-65ED-0915-373B-768C5008C1E4}"/>
+              </a:ext>
+            </a:extLst>
+          </p:cNvPr>
+          <p:cNvPicPr>
+            <a:picLocks noChangeAspect="1" noChangeArrowheads="1"/>
+          </p:cNvPicPr>
+          <p:nvPr/>
+        </p:nvPicPr>
+        <p:blipFill>
+          <a:blip r:embed="rId7">
+            <a:extLst>
+              <a:ext uri="{28A0092B-C50C-407E-A947-70E740481C1C}">
+                <a14:useLocalDpi xmlns:a14="http://schemas.microsoft.com/office/drawing/2010/main" val="0"/>
+              </a:ext>
+            </a:extLst>
+          </a:blip>
+          <a:srcRect/>
+          <a:stretch>
+            <a:fillRect/>
+          </a:stretch>
+        </p:blipFill>
+        <p:spPr bwMode="auto">
+          <a:xfrm>
+            <a:off x="9043053" y="4401964"/>
+            <a:ext cx="2943935" cy="1655963"/>
+          </a:xfrm>
+          <a:prstGeom prst="rect">
+            <a:avLst/>
+          </a:prstGeom>
+          <a:noFill/>
+          <a:extLst>
+            <a:ext uri="{909E8E84-426E-40DD-AFC4-6F175D3DCCD1}">
+              <a14:hiddenFill xmlns:a14="http://schemas.microsoft.com/office/drawing/2010/main">
+                <a:solidFill>
+                  <a:srgbClr val="FFFFFF"/>
+                </a:solidFill>
+              </a14:hiddenFill>
+            </a:ext>
+          </a:extLst>
+        </p:spPr>
+      </p:pic>
+      <p:pic>
+        <p:nvPicPr>
+          <p:cNvPr id="2054" name="Picture 6">
+            <a:extLst>
+              <a:ext uri="{FF2B5EF4-FFF2-40B4-BE49-F238E27FC236}">
+                <a16:creationId xmlns:a16="http://schemas.microsoft.com/office/drawing/2014/main" id="{89BCE7AE-79CC-B98A-709D-6994CB4CB0A9}"/>
+              </a:ext>
+            </a:extLst>
+          </p:cNvPr>
+          <p:cNvPicPr>
+            <a:picLocks noChangeAspect="1" noChangeArrowheads="1"/>
+          </p:cNvPicPr>
+          <p:nvPr/>
+        </p:nvPicPr>
+        <p:blipFill>
+          <a:blip r:embed="rId8">
+            <a:extLst>
+              <a:ext uri="{28A0092B-C50C-407E-A947-70E740481C1C}">
+                <a14:useLocalDpi xmlns:a14="http://schemas.microsoft.com/office/drawing/2010/main" val="0"/>
+              </a:ext>
+            </a:extLst>
+          </a:blip>
+          <a:srcRect/>
+          <a:stretch>
+            <a:fillRect/>
+          </a:stretch>
+        </p:blipFill>
+        <p:spPr bwMode="auto">
+          <a:xfrm>
+            <a:off x="8800334" y="2335517"/>
+            <a:ext cx="2976542" cy="1860339"/>
+          </a:xfrm>
+          <a:prstGeom prst="rect">
+            <a:avLst/>
+          </a:prstGeom>
+          <a:noFill/>
+          <a:extLst>
+            <a:ext uri="{909E8E84-426E-40DD-AFC4-6F175D3DCCD1}">
+              <a14:hiddenFill xmlns:a14="http://schemas.microsoft.com/office/drawing/2010/main">
+                <a:solidFill>
+                  <a:srgbClr val="FFFFFF"/>
+                </a:solidFill>
+              </a14:hiddenFill>
+            </a:ext>
+          </a:extLst>
+        </p:spPr>
+      </p:pic>
+    </p:spTree>
+    <p:extLst>
+      <p:ext uri="{BB962C8B-B14F-4D97-AF65-F5344CB8AC3E}">
+        <p14:creationId xmlns:p14="http://schemas.microsoft.com/office/powerpoint/2010/main" val="642666008"/>
+      </p:ext>
+    </p:extLst>
+  </p:cSld>
+  <p:clrMapOvr>
+    <a:masterClrMapping/>
+  </p:clrMapOvr>
+  <mc:AlternateContent xmlns:mc="http://schemas.openxmlformats.org/markup-compatibility/2006" xmlns:p159="http://schemas.microsoft.com/office/powerpoint/2015/09/main">
+    <mc:Choice Requires="p159">
+      <p:transition xmlns:p14="http://schemas.microsoft.com/office/powerpoint/2010/main" spd="slow" p14:dur="1250">
+        <p159:morph option="byObject"/>
+      </p:transition>
+    </mc:Choice>
+    <mc:Fallback xmlns="">
+      <p:transition spd="slow">
+        <p:fade/>
+      </p:transition>
+    </mc:Fallback>
+  </mc:AlternateContent>
+</p:sld>
+</file>
+
+<file path=ppt/slides/slide8.xml><?xml version="1.0" encoding="utf-8"?>
+<p:sld xmlns:a="http://schemas.openxmlformats.org/drawingml/2006/main" xmlns:r="http://schemas.openxmlformats.org/officeDocument/2006/relationships" xmlns:p="http://schemas.openxmlformats.org/presentationml/2006/main">
+  <p:cSld>
+    <p:spTree>
+      <p:nvGrpSpPr>
+        <p:cNvPr id="1" name=""/>
+        <p:cNvGrpSpPr/>
+        <p:nvPr/>
+      </p:nvGrpSpPr>
+      <p:grpSpPr>
+        <a:xfrm>
+          <a:off x="0" y="0"/>
+          <a:ext cx="0" cy="0"/>
+          <a:chOff x="0" y="0"/>
+          <a:chExt cx="0" cy="0"/>
+        </a:xfrm>
+      </p:grpSpPr>
+      <p:cxnSp>
+        <p:nvCxnSpPr>
+          <p:cNvPr id="7" name="Conector reto 6">
+            <a:extLst>
+              <a:ext uri="{FF2B5EF4-FFF2-40B4-BE49-F238E27FC236}">
+                <a16:creationId xmlns:a16="http://schemas.microsoft.com/office/drawing/2014/main" id="{280B8309-4572-4E27-8B6F-D29679313292}"/>
+              </a:ext>
+            </a:extLst>
+          </p:cNvPr>
+          <p:cNvCxnSpPr>
+            <a:cxnSpLocks/>
+          </p:cNvCxnSpPr>
+          <p:nvPr/>
+        </p:nvCxnSpPr>
+        <p:spPr>
+          <a:xfrm>
+            <a:off x="-112541" y="970671"/>
+            <a:ext cx="8328073" cy="0"/>
+          </a:xfrm>
+          <a:prstGeom prst="line">
+            <a:avLst/>
+          </a:prstGeom>
+          <a:ln w="38100"/>
+        </p:spPr>
+        <p:style>
+          <a:lnRef idx="1">
+            <a:schemeClr val="accent1"/>
+          </a:lnRef>
+          <a:fillRef idx="0">
+            <a:schemeClr val="accent1"/>
+          </a:fillRef>
+          <a:effectRef idx="0">
+            <a:schemeClr val="accent1"/>
+          </a:effectRef>
+          <a:fontRef idx="minor">
+            <a:schemeClr val="tx1"/>
+          </a:fontRef>
+        </p:style>
+      </p:cxnSp>
+      <p:sp>
+        <p:nvSpPr>
+          <p:cNvPr id="8" name="CaixaDeTexto 7">
+            <a:extLst>
+              <a:ext uri="{FF2B5EF4-FFF2-40B4-BE49-F238E27FC236}">
+                <a16:creationId xmlns:a16="http://schemas.microsoft.com/office/drawing/2014/main" id="{39AE06C5-34BE-4D68-97C3-4C07702C2DF6}"/>
+              </a:ext>
+            </a:extLst>
+          </p:cNvPr>
+          <p:cNvSpPr txBox="1"/>
+          <p:nvPr/>
+        </p:nvSpPr>
+        <p:spPr>
+          <a:xfrm>
+            <a:off x="759189" y="199888"/>
+            <a:ext cx="10043410" cy="646331"/>
+          </a:xfrm>
+          <a:prstGeom prst="rect">
+            <a:avLst/>
+          </a:prstGeom>
+          <a:noFill/>
+        </p:spPr>
+        <p:txBody>
+          <a:bodyPr wrap="square" rtlCol="0">
+            <a:spAutoFit/>
+          </a:bodyPr>
+          <a:lstStyle/>
+          <a:p>
+            <a:r>
+              <a:rPr lang="pt-BR" sz="3600" b="1" dirty="0">
+                <a:solidFill>
+                  <a:srgbClr val="002060"/>
+                </a:solidFill>
+                <a:latin typeface="Cambria" panose="02040503050406030204" pitchFamily="18" charset="0"/>
+                <a:ea typeface="Cambria" panose="02040503050406030204" pitchFamily="18" charset="0"/>
+              </a:rPr>
+              <a:t>Noções de Probabilidade</a:t>
+            </a:r>
+          </a:p>
+        </p:txBody>
+      </p:sp>
+      <p:pic>
+        <p:nvPicPr>
+          <p:cNvPr id="2" name="Picture 2" descr="UFRGS na Serra | Visão de futuro e coragem para inovar">
+            <a:extLst>
+              <a:ext uri="{FF2B5EF4-FFF2-40B4-BE49-F238E27FC236}">
+                <a16:creationId xmlns:a16="http://schemas.microsoft.com/office/drawing/2014/main" id="{567C8E3D-C535-EC50-849C-270CEB4B8A04}"/>
+              </a:ext>
+            </a:extLst>
+          </p:cNvPr>
+          <p:cNvPicPr>
+            <a:picLocks noChangeAspect="1" noChangeArrowheads="1"/>
+          </p:cNvPicPr>
+          <p:nvPr/>
+        </p:nvPicPr>
+        <p:blipFill>
+          <a:blip r:embed="rId3">
+            <a:extLst>
+              <a:ext uri="{28A0092B-C50C-407E-A947-70E740481C1C}">
+                <a14:useLocalDpi xmlns:a14="http://schemas.microsoft.com/office/drawing/2010/main" val="0"/>
+              </a:ext>
+            </a:extLst>
+          </a:blip>
+          <a:srcRect/>
+          <a:stretch>
+            <a:fillRect/>
+          </a:stretch>
+        </p:blipFill>
+        <p:spPr bwMode="auto">
+          <a:xfrm>
+            <a:off x="119922" y="6346096"/>
+            <a:ext cx="683614" cy="445109"/>
+          </a:xfrm>
+          <a:prstGeom prst="rect">
+            <a:avLst/>
+          </a:prstGeom>
+          <a:noFill/>
+          <a:extLst>
+            <a:ext uri="{909E8E84-426E-40DD-AFC4-6F175D3DCCD1}">
+              <a14:hiddenFill xmlns:a14="http://schemas.microsoft.com/office/drawing/2010/main">
+                <a:solidFill>
+                  <a:srgbClr val="FFFFFF"/>
+                </a:solidFill>
+              </a14:hiddenFill>
+            </a:ext>
+          </a:extLst>
+        </p:spPr>
+      </p:pic>
+      <p:pic>
+        <p:nvPicPr>
+          <p:cNvPr id="3" name="Picture 4">
+            <a:extLst>
+              <a:ext uri="{FF2B5EF4-FFF2-40B4-BE49-F238E27FC236}">
+                <a16:creationId xmlns:a16="http://schemas.microsoft.com/office/drawing/2014/main" id="{C9663204-9A6C-C5D7-7C9B-AAF5653911D6}"/>
+              </a:ext>
+            </a:extLst>
+          </p:cNvPr>
+          <p:cNvPicPr>
+            <a:picLocks noChangeAspect="1" noChangeArrowheads="1"/>
+          </p:cNvPicPr>
+          <p:nvPr/>
+        </p:nvPicPr>
+        <p:blipFill>
+          <a:blip r:embed="rId4">
+            <a:extLst>
+              <a:ext uri="{28A0092B-C50C-407E-A947-70E740481C1C}">
+                <a14:useLocalDpi xmlns:a14="http://schemas.microsoft.com/office/drawing/2010/main" val="0"/>
+              </a:ext>
+            </a:extLst>
+          </a:blip>
+          <a:srcRect/>
+          <a:stretch>
+            <a:fillRect/>
+          </a:stretch>
+        </p:blipFill>
+        <p:spPr bwMode="auto">
+          <a:xfrm>
+            <a:off x="10802599" y="6212508"/>
+            <a:ext cx="1329440" cy="578697"/>
+          </a:xfrm>
+          <a:prstGeom prst="rect">
+            <a:avLst/>
+          </a:prstGeom>
+          <a:noFill/>
+          <a:extLst>
+            <a:ext uri="{909E8E84-426E-40DD-AFC4-6F175D3DCCD1}">
+              <a14:hiddenFill xmlns:a14="http://schemas.microsoft.com/office/drawing/2010/main">
+                <a:solidFill>
+                  <a:srgbClr val="FFFFFF"/>
+                </a:solidFill>
+              </a14:hiddenFill>
+            </a:ext>
+          </a:extLst>
+        </p:spPr>
+      </p:pic>
+      <p:sp>
+        <p:nvSpPr>
+          <p:cNvPr id="5" name="CaixaDeTexto 4">
+            <a:extLst>
+              <a:ext uri="{FF2B5EF4-FFF2-40B4-BE49-F238E27FC236}">
+                <a16:creationId xmlns:a16="http://schemas.microsoft.com/office/drawing/2014/main" id="{462A550A-2F15-4636-BB02-A7AFDEC69830}"/>
+              </a:ext>
+            </a:extLst>
+          </p:cNvPr>
+          <p:cNvSpPr txBox="1"/>
+          <p:nvPr/>
+        </p:nvSpPr>
+        <p:spPr>
+          <a:xfrm>
+            <a:off x="2312637" y="6528936"/>
+            <a:ext cx="6605353" cy="276999"/>
+          </a:xfrm>
+          <a:prstGeom prst="rect">
+            <a:avLst/>
+          </a:prstGeom>
+          <a:noFill/>
+        </p:spPr>
+        <p:txBody>
+          <a:bodyPr wrap="square" rtlCol="0">
+            <a:spAutoFit/>
+          </a:bodyPr>
+          <a:lstStyle/>
+          <a:p>
+            <a:pPr algn="ctr"/>
+            <a:r>
+              <a:rPr lang="pt-BR" sz="1100" i="1" dirty="0"/>
+              <a:t>Retirado de https://bendeivide.</a:t>
+            </a:r>
+            <a:r>
+              <a:rPr lang="pt-BR" sz="1200" i="1" dirty="0"/>
+              <a:t>github</a:t>
+            </a:r>
+            <a:r>
+              <a:rPr lang="pt-BR" sz="1100" i="1" dirty="0"/>
+              <a:t>.io/book-estbasica/</a:t>
+            </a:r>
+          </a:p>
+        </p:txBody>
+      </p:sp>
+      <p:pic>
+        <p:nvPicPr>
+          <p:cNvPr id="11" name="Imagem 10">
+            <a:extLst>
+              <a:ext uri="{FF2B5EF4-FFF2-40B4-BE49-F238E27FC236}">
+                <a16:creationId xmlns:a16="http://schemas.microsoft.com/office/drawing/2014/main" id="{E70E8938-816E-96D5-3D90-4A9A5E8C0172}"/>
+              </a:ext>
+            </a:extLst>
+          </p:cNvPr>
+          <p:cNvPicPr>
+            <a:picLocks noChangeAspect="1"/>
+          </p:cNvPicPr>
+          <p:nvPr/>
+        </p:nvPicPr>
+        <p:blipFill>
+          <a:blip r:embed="rId5"/>
+          <a:stretch>
+            <a:fillRect/>
+          </a:stretch>
+        </p:blipFill>
+        <p:spPr>
+          <a:xfrm>
+            <a:off x="205012" y="1419664"/>
+            <a:ext cx="7748050" cy="4411374"/>
+          </a:xfrm>
+          <a:prstGeom prst="rect">
+            <a:avLst/>
+          </a:prstGeom>
+        </p:spPr>
+      </p:pic>
+      <p:pic>
+        <p:nvPicPr>
+          <p:cNvPr id="12" name="Picture 2" descr="Sementes de feijão: uma tecnologia promissora! - AgroPós">
+            <a:extLst>
+              <a:ext uri="{FF2B5EF4-FFF2-40B4-BE49-F238E27FC236}">
+                <a16:creationId xmlns:a16="http://schemas.microsoft.com/office/drawing/2014/main" id="{0B47C1E1-03D9-ED60-4E23-13F4EA0FB231}"/>
+              </a:ext>
+            </a:extLst>
+          </p:cNvPr>
+          <p:cNvPicPr>
+            <a:picLocks noChangeAspect="1" noChangeArrowheads="1"/>
+          </p:cNvPicPr>
+          <p:nvPr/>
+        </p:nvPicPr>
+        <p:blipFill>
+          <a:blip r:embed="rId6">
+            <a:extLst>
+              <a:ext uri="{28A0092B-C50C-407E-A947-70E740481C1C}">
+                <a14:useLocalDpi xmlns:a14="http://schemas.microsoft.com/office/drawing/2010/main" val="0"/>
+              </a:ext>
+            </a:extLst>
+          </a:blip>
+          <a:srcRect/>
+          <a:stretch>
+            <a:fillRect/>
+          </a:stretch>
+        </p:blipFill>
+        <p:spPr bwMode="auto">
+          <a:xfrm>
+            <a:off x="8917990" y="199888"/>
+            <a:ext cx="2976539" cy="1860337"/>
+          </a:xfrm>
+          <a:prstGeom prst="rect">
+            <a:avLst/>
+          </a:prstGeom>
+          <a:noFill/>
+          <a:extLst>
+            <a:ext uri="{909E8E84-426E-40DD-AFC4-6F175D3DCCD1}">
+              <a14:hiddenFill xmlns:a14="http://schemas.microsoft.com/office/drawing/2010/main">
+                <a:solidFill>
+                  <a:srgbClr val="FFFFFF"/>
+                </a:solidFill>
+              </a14:hiddenFill>
+            </a:ext>
+          </a:extLst>
+        </p:spPr>
+      </p:pic>
+      <p:pic>
+        <p:nvPicPr>
+          <p:cNvPr id="13" name="Picture 4" descr="Bezerro: quais são os primeiros cuidados desde o nascimento? - Giro do Boi">
+            <a:extLst>
+              <a:ext uri="{FF2B5EF4-FFF2-40B4-BE49-F238E27FC236}">
+                <a16:creationId xmlns:a16="http://schemas.microsoft.com/office/drawing/2014/main" id="{49A2C581-1E65-C7D6-94C3-75286C7A39CD}"/>
+              </a:ext>
+            </a:extLst>
+          </p:cNvPr>
+          <p:cNvPicPr>
+            <a:picLocks noChangeAspect="1" noChangeArrowheads="1"/>
+          </p:cNvPicPr>
+          <p:nvPr/>
+        </p:nvPicPr>
+        <p:blipFill>
+          <a:blip r:embed="rId7">
+            <a:extLst>
+              <a:ext uri="{28A0092B-C50C-407E-A947-70E740481C1C}">
+                <a14:useLocalDpi xmlns:a14="http://schemas.microsoft.com/office/drawing/2010/main" val="0"/>
+              </a:ext>
+            </a:extLst>
+          </a:blip>
+          <a:srcRect/>
+          <a:stretch>
+            <a:fillRect/>
+          </a:stretch>
+        </p:blipFill>
+        <p:spPr bwMode="auto">
+          <a:xfrm>
+            <a:off x="9043053" y="4401964"/>
+            <a:ext cx="2943935" cy="1655963"/>
+          </a:xfrm>
+          <a:prstGeom prst="rect">
+            <a:avLst/>
+          </a:prstGeom>
+          <a:noFill/>
+          <a:extLst>
+            <a:ext uri="{909E8E84-426E-40DD-AFC4-6F175D3DCCD1}">
+              <a14:hiddenFill xmlns:a14="http://schemas.microsoft.com/office/drawing/2010/main">
+                <a:solidFill>
+                  <a:srgbClr val="FFFFFF"/>
+                </a:solidFill>
+              </a14:hiddenFill>
+            </a:ext>
+          </a:extLst>
+        </p:spPr>
+      </p:pic>
+      <p:pic>
+        <p:nvPicPr>
+          <p:cNvPr id="15" name="Picture 6">
+            <a:extLst>
+              <a:ext uri="{FF2B5EF4-FFF2-40B4-BE49-F238E27FC236}">
+                <a16:creationId xmlns:a16="http://schemas.microsoft.com/office/drawing/2014/main" id="{4DCEA58F-B876-5015-1187-521DA70C8835}"/>
+              </a:ext>
+            </a:extLst>
+          </p:cNvPr>
+          <p:cNvPicPr>
+            <a:picLocks noChangeAspect="1" noChangeArrowheads="1"/>
+          </p:cNvPicPr>
+          <p:nvPr/>
+        </p:nvPicPr>
+        <p:blipFill>
+          <a:blip r:embed="rId8">
+            <a:extLst>
+              <a:ext uri="{28A0092B-C50C-407E-A947-70E740481C1C}">
+                <a14:useLocalDpi xmlns:a14="http://schemas.microsoft.com/office/drawing/2010/main" val="0"/>
+              </a:ext>
+            </a:extLst>
+          </a:blip>
+          <a:srcRect/>
+          <a:stretch>
+            <a:fillRect/>
+          </a:stretch>
+        </p:blipFill>
+        <p:spPr bwMode="auto">
+          <a:xfrm>
+            <a:off x="8800334" y="2335517"/>
+            <a:ext cx="2976542" cy="1860339"/>
+          </a:xfrm>
+          <a:prstGeom prst="rect">
+            <a:avLst/>
+          </a:prstGeom>
+          <a:noFill/>
+          <a:extLst>
+            <a:ext uri="{909E8E84-426E-40DD-AFC4-6F175D3DCCD1}">
+              <a14:hiddenFill xmlns:a14="http://schemas.microsoft.com/office/drawing/2010/main">
+                <a:solidFill>
+                  <a:srgbClr val="FFFFFF"/>
+                </a:solidFill>
+              </a14:hiddenFill>
+            </a:ext>
+          </a:extLst>
+        </p:spPr>
+      </p:pic>
+      <p:cxnSp>
+        <p:nvCxnSpPr>
+          <p:cNvPr id="17" name="Conector de Seta Reta 16">
+            <a:extLst>
+              <a:ext uri="{FF2B5EF4-FFF2-40B4-BE49-F238E27FC236}">
+                <a16:creationId xmlns:a16="http://schemas.microsoft.com/office/drawing/2014/main" id="{E7106CB5-7F89-F4D2-44B0-0E81A2C67196}"/>
+              </a:ext>
+            </a:extLst>
+          </p:cNvPr>
+          <p:cNvCxnSpPr>
+            <a:cxnSpLocks/>
+          </p:cNvCxnSpPr>
+          <p:nvPr/>
+        </p:nvCxnSpPr>
+        <p:spPr>
+          <a:xfrm flipV="1">
+            <a:off x="7850724" y="1295211"/>
+            <a:ext cx="804796" cy="1459224"/>
+          </a:xfrm>
+          <a:prstGeom prst="straightConnector1">
+            <a:avLst/>
+          </a:prstGeom>
+          <a:ln w="19050">
+            <a:tailEnd type="triangle"/>
+          </a:ln>
+        </p:spPr>
+        <p:style>
+          <a:lnRef idx="1">
+            <a:schemeClr val="accent1"/>
+          </a:lnRef>
+          <a:fillRef idx="0">
+            <a:schemeClr val="accent1"/>
+          </a:fillRef>
+          <a:effectRef idx="0">
+            <a:schemeClr val="accent1"/>
+          </a:effectRef>
+          <a:fontRef idx="minor">
+            <a:schemeClr val="tx1"/>
+          </a:fontRef>
+        </p:style>
+      </p:cxnSp>
+      <p:cxnSp>
+        <p:nvCxnSpPr>
+          <p:cNvPr id="19" name="Conector de Seta Reta 18">
+            <a:extLst>
+              <a:ext uri="{FF2B5EF4-FFF2-40B4-BE49-F238E27FC236}">
+                <a16:creationId xmlns:a16="http://schemas.microsoft.com/office/drawing/2014/main" id="{F071B6CF-B542-8813-12E5-A73F8810C3DC}"/>
+              </a:ext>
+            </a:extLst>
+          </p:cNvPr>
+          <p:cNvCxnSpPr>
+            <a:cxnSpLocks/>
+          </p:cNvCxnSpPr>
+          <p:nvPr/>
+        </p:nvCxnSpPr>
+        <p:spPr>
+          <a:xfrm flipV="1">
+            <a:off x="7813134" y="3452333"/>
+            <a:ext cx="842386" cy="235244"/>
+          </a:xfrm>
+          <a:prstGeom prst="straightConnector1">
+            <a:avLst/>
+          </a:prstGeom>
+          <a:ln w="19050">
+            <a:tailEnd type="triangle"/>
+          </a:ln>
+        </p:spPr>
+        <p:style>
+          <a:lnRef idx="1">
+            <a:schemeClr val="accent1"/>
+          </a:lnRef>
+          <a:fillRef idx="0">
+            <a:schemeClr val="accent1"/>
+          </a:fillRef>
+          <a:effectRef idx="0">
+            <a:schemeClr val="accent1"/>
+          </a:effectRef>
+          <a:fontRef idx="minor">
+            <a:schemeClr val="tx1"/>
+          </a:fontRef>
+        </p:style>
+      </p:cxnSp>
+      <p:cxnSp>
+        <p:nvCxnSpPr>
+          <p:cNvPr id="21" name="Conector de Seta Reta 20">
+            <a:extLst>
+              <a:ext uri="{FF2B5EF4-FFF2-40B4-BE49-F238E27FC236}">
+                <a16:creationId xmlns:a16="http://schemas.microsoft.com/office/drawing/2014/main" id="{005A54FA-7973-EE1A-E4E0-3ECC838842B5}"/>
+              </a:ext>
+            </a:extLst>
+          </p:cNvPr>
+          <p:cNvCxnSpPr>
+            <a:cxnSpLocks/>
+          </p:cNvCxnSpPr>
+          <p:nvPr/>
+        </p:nvCxnSpPr>
+        <p:spPr>
+          <a:xfrm>
+            <a:off x="7813134" y="4596711"/>
+            <a:ext cx="842386" cy="648063"/>
+          </a:xfrm>
+          <a:prstGeom prst="straightConnector1">
+            <a:avLst/>
+          </a:prstGeom>
+          <a:ln w="19050">
+            <a:tailEnd type="triangle"/>
+          </a:ln>
+        </p:spPr>
+        <p:style>
+          <a:lnRef idx="1">
+            <a:schemeClr val="accent1"/>
+          </a:lnRef>
+          <a:fillRef idx="0">
+            <a:schemeClr val="accent1"/>
+          </a:fillRef>
+          <a:effectRef idx="0">
+            <a:schemeClr val="accent1"/>
+          </a:effectRef>
+          <a:fontRef idx="minor">
+            <a:schemeClr val="tx1"/>
+          </a:fontRef>
+        </p:style>
+      </p:cxnSp>
+    </p:spTree>
+    <p:extLst>
+      <p:ext uri="{BB962C8B-B14F-4D97-AF65-F5344CB8AC3E}">
+        <p14:creationId xmlns:p14="http://schemas.microsoft.com/office/powerpoint/2010/main" val="3461455159"/>
+      </p:ext>
+    </p:extLst>
+  </p:cSld>
+  <p:clrMapOvr>
+    <a:masterClrMapping/>
+  </p:clrMapOvr>
+  <mc:AlternateContent xmlns:mc="http://schemas.openxmlformats.org/markup-compatibility/2006" xmlns:p159="http://schemas.microsoft.com/office/powerpoint/2015/09/main">
+    <mc:Choice Requires="p159">
+      <p:transition xmlns:p14="http://schemas.microsoft.com/office/powerpoint/2010/main" spd="slow" p14:dur="1250">
+        <p159:morph option="byObject"/>
+      </p:transition>
+    </mc:Choice>
+    <mc:Fallback xmlns="">
+      <p:transition spd="slow">
+        <p:fade/>
+      </p:transition>
+    </mc:Fallback>
+  </mc:AlternateContent>
+</p:sld>
+</file>
+
+<file path=ppt/slides/slide9.xml><?xml version="1.0" encoding="utf-8"?>
+<p:sld xmlns:a="http://schemas.openxmlformats.org/drawingml/2006/main" xmlns:r="http://schemas.openxmlformats.org/officeDocument/2006/relationships" xmlns:p="http://schemas.openxmlformats.org/presentationml/2006/main">
+  <p:cSld>
+    <p:spTree>
+      <p:nvGrpSpPr>
+        <p:cNvPr id="1" name=""/>
+        <p:cNvGrpSpPr/>
+        <p:nvPr/>
+      </p:nvGrpSpPr>
+      <p:grpSpPr>
+        <a:xfrm>
+          <a:off x="0" y="0"/>
+          <a:ext cx="0" cy="0"/>
+          <a:chOff x="0" y="0"/>
+          <a:chExt cx="0" cy="0"/>
+        </a:xfrm>
+      </p:grpSpPr>
+      <p:cxnSp>
+        <p:nvCxnSpPr>
+          <p:cNvPr id="7" name="Conector reto 6">
+            <a:extLst>
+              <a:ext uri="{FF2B5EF4-FFF2-40B4-BE49-F238E27FC236}">
+                <a16:creationId xmlns:a16="http://schemas.microsoft.com/office/drawing/2014/main" id="{280B8309-4572-4E27-8B6F-D29679313292}"/>
+              </a:ext>
+            </a:extLst>
+          </p:cNvPr>
+          <p:cNvCxnSpPr>
+            <a:cxnSpLocks/>
+          </p:cNvCxnSpPr>
+          <p:nvPr/>
+        </p:nvCxnSpPr>
+        <p:spPr>
+          <a:xfrm>
+            <a:off x="-112541" y="970671"/>
+            <a:ext cx="8328073" cy="0"/>
+          </a:xfrm>
+          <a:prstGeom prst="line">
+            <a:avLst/>
+          </a:prstGeom>
+          <a:ln w="38100"/>
+        </p:spPr>
+        <p:style>
+          <a:lnRef idx="1">
+            <a:schemeClr val="accent1"/>
+          </a:lnRef>
+          <a:fillRef idx="0">
+            <a:schemeClr val="accent1"/>
+          </a:fillRef>
+          <a:effectRef idx="0">
+            <a:schemeClr val="accent1"/>
+          </a:effectRef>
+          <a:fontRef idx="minor">
+            <a:schemeClr val="tx1"/>
+          </a:fontRef>
+        </p:style>
+      </p:cxnSp>
+      <p:sp>
+        <p:nvSpPr>
+          <p:cNvPr id="8" name="CaixaDeTexto 7">
+            <a:extLst>
+              <a:ext uri="{FF2B5EF4-FFF2-40B4-BE49-F238E27FC236}">
+                <a16:creationId xmlns:a16="http://schemas.microsoft.com/office/drawing/2014/main" id="{39AE06C5-34BE-4D68-97C3-4C07702C2DF6}"/>
+              </a:ext>
+            </a:extLst>
+          </p:cNvPr>
+          <p:cNvSpPr txBox="1"/>
+          <p:nvPr/>
+        </p:nvSpPr>
+        <p:spPr>
+          <a:xfrm>
+            <a:off x="759189" y="199888"/>
+            <a:ext cx="10043410" cy="646331"/>
+          </a:xfrm>
+          <a:prstGeom prst="rect">
+            <a:avLst/>
+          </a:prstGeom>
+          <a:noFill/>
+        </p:spPr>
+        <p:txBody>
+          <a:bodyPr wrap="square" rtlCol="0">
+            <a:spAutoFit/>
+          </a:bodyPr>
+          <a:lstStyle/>
+          <a:p>
+            <a:r>
+              <a:rPr lang="pt-BR" sz="3600" b="1" dirty="0">
+                <a:solidFill>
+                  <a:srgbClr val="002060"/>
+                </a:solidFill>
+                <a:latin typeface="Cambria" panose="02040503050406030204" pitchFamily="18" charset="0"/>
+                <a:ea typeface="Cambria" panose="02040503050406030204" pitchFamily="18" charset="0"/>
+              </a:rPr>
+              <a:t>Noções de Probabilidade</a:t>
+            </a:r>
+          </a:p>
+        </p:txBody>
+      </p:sp>
+      <p:pic>
+        <p:nvPicPr>
+          <p:cNvPr id="2" name="Picture 2" descr="UFRGS na Serra | Visão de futuro e coragem para inovar">
+            <a:extLst>
+              <a:ext uri="{FF2B5EF4-FFF2-40B4-BE49-F238E27FC236}">
+                <a16:creationId xmlns:a16="http://schemas.microsoft.com/office/drawing/2014/main" id="{567C8E3D-C535-EC50-849C-270CEB4B8A04}"/>
+              </a:ext>
+            </a:extLst>
+          </p:cNvPr>
+          <p:cNvPicPr>
+            <a:picLocks noChangeAspect="1" noChangeArrowheads="1"/>
+          </p:cNvPicPr>
+          <p:nvPr/>
+        </p:nvPicPr>
+        <p:blipFill>
+          <a:blip r:embed="rId3">
+            <a:extLst>
+              <a:ext uri="{28A0092B-C50C-407E-A947-70E740481C1C}">
+                <a14:useLocalDpi xmlns:a14="http://schemas.microsoft.com/office/drawing/2010/main" val="0"/>
+              </a:ext>
+            </a:extLst>
+          </a:blip>
+          <a:srcRect/>
+          <a:stretch>
+            <a:fillRect/>
+          </a:stretch>
+        </p:blipFill>
+        <p:spPr bwMode="auto">
+          <a:xfrm>
+            <a:off x="119922" y="6346096"/>
+            <a:ext cx="683614" cy="445109"/>
+          </a:xfrm>
+          <a:prstGeom prst="rect">
+            <a:avLst/>
+          </a:prstGeom>
+          <a:noFill/>
+          <a:extLst>
+            <a:ext uri="{909E8E84-426E-40DD-AFC4-6F175D3DCCD1}">
+              <a14:hiddenFill xmlns:a14="http://schemas.microsoft.com/office/drawing/2010/main">
+                <a:solidFill>
+                  <a:srgbClr val="FFFFFF"/>
+                </a:solidFill>
+              </a14:hiddenFill>
+            </a:ext>
+          </a:extLst>
+        </p:spPr>
+      </p:pic>
+      <p:pic>
+        <p:nvPicPr>
+          <p:cNvPr id="3" name="Picture 4">
+            <a:extLst>
+              <a:ext uri="{FF2B5EF4-FFF2-40B4-BE49-F238E27FC236}">
+                <a16:creationId xmlns:a16="http://schemas.microsoft.com/office/drawing/2014/main" id="{C9663204-9A6C-C5D7-7C9B-AAF5653911D6}"/>
+              </a:ext>
+            </a:extLst>
+          </p:cNvPr>
+          <p:cNvPicPr>
+            <a:picLocks noChangeAspect="1" noChangeArrowheads="1"/>
+          </p:cNvPicPr>
+          <p:nvPr/>
+        </p:nvPicPr>
+        <p:blipFill>
+          <a:blip r:embed="rId4">
+            <a:extLst>
+              <a:ext uri="{28A0092B-C50C-407E-A947-70E740481C1C}">
+                <a14:useLocalDpi xmlns:a14="http://schemas.microsoft.com/office/drawing/2010/main" val="0"/>
+              </a:ext>
+            </a:extLst>
+          </a:blip>
+          <a:srcRect/>
+          <a:stretch>
+            <a:fillRect/>
+          </a:stretch>
+        </p:blipFill>
+        <p:spPr bwMode="auto">
+          <a:xfrm>
+            <a:off x="10802599" y="6212508"/>
+            <a:ext cx="1329440" cy="578697"/>
+          </a:xfrm>
+          <a:prstGeom prst="rect">
+            <a:avLst/>
+          </a:prstGeom>
+          <a:noFill/>
+          <a:extLst>
+            <a:ext uri="{909E8E84-426E-40DD-AFC4-6F175D3DCCD1}">
+              <a14:hiddenFill xmlns:a14="http://schemas.microsoft.com/office/drawing/2010/main">
+                <a:solidFill>
+                  <a:srgbClr val="FFFFFF"/>
+                </a:solidFill>
+              </a14:hiddenFill>
+            </a:ext>
+          </a:extLst>
+        </p:spPr>
+      </p:pic>
+      <p:sp>
+        <p:nvSpPr>
+          <p:cNvPr id="5" name="CaixaDeTexto 4">
+            <a:extLst>
+              <a:ext uri="{FF2B5EF4-FFF2-40B4-BE49-F238E27FC236}">
+                <a16:creationId xmlns:a16="http://schemas.microsoft.com/office/drawing/2014/main" id="{462A550A-2F15-4636-BB02-A7AFDEC69830}"/>
+              </a:ext>
+            </a:extLst>
+          </p:cNvPr>
+          <p:cNvSpPr txBox="1"/>
+          <p:nvPr/>
+        </p:nvSpPr>
+        <p:spPr>
+          <a:xfrm>
+            <a:off x="2312637" y="6528936"/>
+            <a:ext cx="6605353" cy="276999"/>
+          </a:xfrm>
+          <a:prstGeom prst="rect">
+            <a:avLst/>
+          </a:prstGeom>
+          <a:noFill/>
+        </p:spPr>
+        <p:txBody>
+          <a:bodyPr wrap="square" rtlCol="0">
+            <a:spAutoFit/>
+          </a:bodyPr>
+          <a:lstStyle/>
+          <a:p>
+            <a:pPr algn="ctr"/>
+            <a:r>
+              <a:rPr lang="pt-BR" sz="1100" i="1" dirty="0"/>
+              <a:t>Retirado de https://bendeivide.</a:t>
+            </a:r>
+            <a:r>
+              <a:rPr lang="pt-BR" sz="1200" i="1" dirty="0"/>
+              <a:t>github</a:t>
+            </a:r>
+            <a:r>
+              <a:rPr lang="pt-BR" sz="1100" i="1" dirty="0"/>
+              <a:t>.io/book-estbasica/</a:t>
+            </a:r>
+          </a:p>
+        </p:txBody>
+      </p:sp>
+      <p:pic>
+        <p:nvPicPr>
+          <p:cNvPr id="6" name="Imagem 5">
+            <a:extLst>
+              <a:ext uri="{FF2B5EF4-FFF2-40B4-BE49-F238E27FC236}">
+                <a16:creationId xmlns:a16="http://schemas.microsoft.com/office/drawing/2014/main" id="{C5548243-DC20-19F6-0CF6-F0423F5A8455}"/>
+              </a:ext>
+            </a:extLst>
+          </p:cNvPr>
+          <p:cNvPicPr>
+            <a:picLocks noChangeAspect="1"/>
+          </p:cNvPicPr>
+          <p:nvPr/>
+        </p:nvPicPr>
+        <p:blipFill>
+          <a:blip r:embed="rId5"/>
+          <a:stretch>
+            <a:fillRect/>
+          </a:stretch>
+        </p:blipFill>
+        <p:spPr>
+          <a:xfrm>
+            <a:off x="446739" y="1932152"/>
+            <a:ext cx="8109236" cy="2993695"/>
+          </a:xfrm>
+          <a:prstGeom prst="rect">
+            <a:avLst/>
+          </a:prstGeom>
+        </p:spPr>
+      </p:pic>
+      <p:pic>
+        <p:nvPicPr>
+          <p:cNvPr id="10" name="Picture 4" descr="Bezerro: quais são os primeiros cuidados desde o nascimento? - Giro do Boi">
+            <a:extLst>
+              <a:ext uri="{FF2B5EF4-FFF2-40B4-BE49-F238E27FC236}">
+                <a16:creationId xmlns:a16="http://schemas.microsoft.com/office/drawing/2014/main" id="{F35CA17B-F311-5078-6080-8240A044989A}"/>
+              </a:ext>
+            </a:extLst>
+          </p:cNvPr>
+          <p:cNvPicPr>
+            <a:picLocks noChangeAspect="1" noChangeArrowheads="1"/>
+          </p:cNvPicPr>
+          <p:nvPr/>
+        </p:nvPicPr>
+        <p:blipFill>
+          <a:blip r:embed="rId6">
+            <a:extLst>
+              <a:ext uri="{28A0092B-C50C-407E-A947-70E740481C1C}">
+                <a14:useLocalDpi xmlns:a14="http://schemas.microsoft.com/office/drawing/2010/main" val="0"/>
+              </a:ext>
+            </a:extLst>
+          </a:blip>
+          <a:srcRect/>
+          <a:stretch>
+            <a:fillRect/>
+          </a:stretch>
+        </p:blipFill>
+        <p:spPr bwMode="auto">
+          <a:xfrm>
+            <a:off x="8917990" y="2601017"/>
+            <a:ext cx="2943935" cy="1655963"/>
+          </a:xfrm>
+          <a:prstGeom prst="rect">
+            <a:avLst/>
+          </a:prstGeom>
+          <a:noFill/>
+          <a:extLst>
+            <a:ext uri="{909E8E84-426E-40DD-AFC4-6F175D3DCCD1}">
+              <a14:hiddenFill xmlns:a14="http://schemas.microsoft.com/office/drawing/2010/main">
+                <a:solidFill>
+                  <a:srgbClr val="FFFFFF"/>
+                </a:solidFill>
+              </a14:hiddenFill>
+            </a:ext>
+          </a:extLst>
+        </p:spPr>
+      </p:pic>
+    </p:spTree>
+    <p:extLst>
+      <p:ext uri="{BB962C8B-B14F-4D97-AF65-F5344CB8AC3E}">
+        <p14:creationId xmlns:p14="http://schemas.microsoft.com/office/powerpoint/2010/main" val="1505505064"/>
       </p:ext>
     </p:extLst>
   </p:cSld>
